--- a/놀이공원티켓발급정리.pptx
+++ b/놀이공원티켓발급정리.pptx
@@ -5,7 +5,7 @@
     <p:sldMasterId id="2147483648" r:id="rId1"/>
   </p:sldMasterIdLst>
   <p:notesMasterIdLst>
-    <p:notesMasterId r:id="rId12"/>
+    <p:notesMasterId r:id="rId15"/>
   </p:notesMasterIdLst>
   <p:sldIdLst>
     <p:sldId id="256" r:id="rId2"/>
@@ -18,6 +18,9 @@
     <p:sldId id="264" r:id="rId9"/>
     <p:sldId id="266" r:id="rId10"/>
     <p:sldId id="265" r:id="rId11"/>
+    <p:sldId id="268" r:id="rId12"/>
+    <p:sldId id="270" r:id="rId13"/>
+    <p:sldId id="269" r:id="rId14"/>
   </p:sldIdLst>
   <p:sldSz cx="12192000" cy="6858000"/>
   <p:notesSz cx="6858000" cy="9144000"/>
@@ -895,23 +898,18 @@
         <a:p>
           <a:pPr latinLnBrk="1"/>
           <a:r>
-            <a:rPr lang="en-US" altLang="ko-KR" sz="1400" dirty="0" smtClean="0">
+            <a:rPr lang="en-US" altLang="ko-KR" sz="1400" dirty="0">
               <a:solidFill>
                 <a:schemeClr val="bg1"/>
               </a:solidFill>
             </a:rPr>
             <a:t>Amuse2</a:t>
           </a:r>
-          <a:endParaRPr lang="en-US" altLang="ko-KR" sz="1400" dirty="0" smtClean="0">
-            <a:solidFill>
-              <a:schemeClr val="bg1"/>
-            </a:solidFill>
-          </a:endParaRPr>
         </a:p>
         <a:p>
           <a:pPr latinLnBrk="1"/>
           <a:r>
-            <a:rPr lang="en-US" altLang="ko-KR" sz="1400" dirty="0" smtClean="0">
+            <a:rPr lang="en-US" altLang="ko-KR" sz="1400" dirty="0">
               <a:solidFill>
                 <a:schemeClr val="bg1"/>
               </a:solidFill>
@@ -959,7 +957,7 @@
         <a:p>
           <a:pPr latinLnBrk="1"/>
           <a:r>
-            <a:rPr lang="en-US" altLang="ko-KR" sz="1400" dirty="0" smtClean="0">
+            <a:rPr lang="en-US" altLang="ko-KR" sz="1400" dirty="0">
               <a:solidFill>
                 <a:schemeClr val="bg1"/>
               </a:solidFill>
@@ -1007,7 +1005,7 @@
         <a:p>
           <a:pPr latinLnBrk="1"/>
           <a:r>
-            <a:rPr lang="en-US" altLang="ko-KR" sz="1400" dirty="0" smtClean="0">
+            <a:rPr lang="en-US" altLang="ko-KR" sz="1400" dirty="0">
               <a:solidFill>
                 <a:schemeClr val="bg1"/>
               </a:solidFill>
@@ -1055,7 +1053,7 @@
         <a:p>
           <a:pPr latinLnBrk="1"/>
           <a:r>
-            <a:rPr lang="en-US" altLang="ko-KR" sz="1400" dirty="0" smtClean="0">
+            <a:rPr lang="en-US" altLang="ko-KR" sz="1400" dirty="0">
               <a:solidFill>
                 <a:schemeClr val="bg1"/>
               </a:solidFill>
@@ -1103,18 +1101,13 @@
         <a:p>
           <a:pPr latinLnBrk="1"/>
           <a:r>
-            <a:rPr lang="en-US" altLang="ko-KR" sz="1400" dirty="0" smtClean="0">
+            <a:rPr lang="en-US" altLang="ko-KR" sz="1400" dirty="0">
               <a:solidFill>
                 <a:schemeClr val="bg1"/>
               </a:solidFill>
             </a:rPr>
             <a:t>Inputamuseclass2</a:t>
           </a:r>
-          <a:endParaRPr lang="en-US" altLang="ko-KR" sz="1400" dirty="0" smtClean="0">
-            <a:solidFill>
-              <a:schemeClr val="bg1"/>
-            </a:solidFill>
-          </a:endParaRPr>
         </a:p>
       </dgm:t>
     </dgm:pt>
@@ -1151,7 +1144,7 @@
         <a:p>
           <a:pPr latinLnBrk="1"/>
           <a:r>
-            <a:rPr lang="en-US" altLang="ko-KR" sz="1400" dirty="0" err="1" smtClean="0">
+            <a:rPr lang="en-US" altLang="ko-KR" sz="1400" dirty="0" err="1">
               <a:solidFill>
                 <a:schemeClr val="bg1"/>
               </a:solidFill>
@@ -1159,23 +1152,18 @@
             <a:t>dayageprice</a:t>
           </a:r>
           <a:r>
-            <a:rPr lang="en-US" altLang="ko-KR" sz="1400" dirty="0" smtClean="0">
+            <a:rPr lang="en-US" altLang="ko-KR" sz="1400" dirty="0">
               <a:solidFill>
                 <a:schemeClr val="bg1"/>
               </a:solidFill>
             </a:rPr>
             <a:t>[]</a:t>
           </a:r>
-          <a:endParaRPr lang="en-US" altLang="ko-KR" sz="1400" dirty="0" smtClean="0">
-            <a:solidFill>
-              <a:schemeClr val="bg1"/>
-            </a:solidFill>
-          </a:endParaRPr>
         </a:p>
         <a:p>
           <a:pPr latinLnBrk="1"/>
           <a:r>
-            <a:rPr lang="en-US" altLang="ko-KR" sz="1400" dirty="0" err="1" smtClean="0">
+            <a:rPr lang="en-US" altLang="ko-KR" sz="1400" dirty="0" err="1">
               <a:solidFill>
                 <a:schemeClr val="bg1"/>
               </a:solidFill>
@@ -1183,23 +1171,18 @@
             <a:t>nightageprice</a:t>
           </a:r>
           <a:r>
-            <a:rPr lang="en-US" altLang="ko-KR" sz="1400" dirty="0" smtClean="0">
+            <a:rPr lang="en-US" altLang="ko-KR" sz="1400" dirty="0">
               <a:solidFill>
                 <a:schemeClr val="bg1"/>
               </a:solidFill>
             </a:rPr>
             <a:t>[]</a:t>
           </a:r>
-          <a:endParaRPr lang="en-US" altLang="ko-KR" sz="1400" dirty="0" smtClean="0">
-            <a:solidFill>
-              <a:schemeClr val="bg1"/>
-            </a:solidFill>
-          </a:endParaRPr>
         </a:p>
         <a:p>
           <a:pPr latinLnBrk="1"/>
           <a:r>
-            <a:rPr lang="en-US" altLang="ko-KR" sz="1400" dirty="0" smtClean="0">
+            <a:rPr lang="en-US" altLang="ko-KR" sz="1400" dirty="0">
               <a:solidFill>
                 <a:schemeClr val="bg1"/>
               </a:solidFill>
@@ -1207,7 +1190,7 @@
             <a:t>nothing/disabled/national/</a:t>
           </a:r>
           <a:r>
-            <a:rPr lang="en-US" altLang="ko-KR" sz="1400" dirty="0" err="1" smtClean="0">
+            <a:rPr lang="en-US" altLang="ko-KR" sz="1400" dirty="0" err="1">
               <a:solidFill>
                 <a:schemeClr val="bg1"/>
               </a:solidFill>
@@ -1215,23 +1198,18 @@
             <a:t>multi_child</a:t>
           </a:r>
           <a:r>
-            <a:rPr lang="en-US" altLang="ko-KR" sz="1400" dirty="0" smtClean="0">
+            <a:rPr lang="en-US" altLang="ko-KR" sz="1400" dirty="0">
               <a:solidFill>
                 <a:schemeClr val="bg1"/>
               </a:solidFill>
             </a:rPr>
             <a:t>/ pregnant</a:t>
           </a:r>
-          <a:endParaRPr lang="en-US" altLang="ko-KR" sz="1400" dirty="0" smtClean="0">
-            <a:solidFill>
-              <a:schemeClr val="bg1"/>
-            </a:solidFill>
-          </a:endParaRPr>
         </a:p>
         <a:p>
           <a:pPr latinLnBrk="1"/>
           <a:r>
-            <a:rPr lang="en-US" altLang="ko-KR" sz="1400" dirty="0" smtClean="0">
+            <a:rPr lang="en-US" altLang="ko-KR" sz="1400" dirty="0">
               <a:solidFill>
                 <a:schemeClr val="bg1"/>
               </a:solidFill>
@@ -1279,7 +1257,7 @@
         <a:p>
           <a:pPr latinLnBrk="1"/>
           <a:r>
-            <a:rPr lang="en-US" altLang="ko-KR" sz="1400" dirty="0" err="1" smtClean="0">
+            <a:rPr lang="en-US" altLang="ko-KR" sz="1400" dirty="0" err="1">
               <a:solidFill>
                 <a:schemeClr val="bg1"/>
               </a:solidFill>
@@ -1287,31 +1265,7 @@
             <a:t>daynightticket</a:t>
           </a:r>
           <a:r>
-            <a:rPr lang="en-US" altLang="ko-KR" sz="1400" dirty="0" smtClean="0">
-              <a:solidFill>
-                <a:schemeClr val="bg1"/>
-              </a:solidFill>
-            </a:rPr>
-            <a:t>()</a:t>
-          </a:r>
-          <a:endParaRPr lang="en-US" altLang="ko-KR" sz="1400" dirty="0" smtClean="0">
-            <a:solidFill>
-              <a:schemeClr val="bg1"/>
-            </a:solidFill>
-          </a:endParaRPr>
-        </a:p>
-        <a:p>
-          <a:pPr latinLnBrk="1"/>
-          <a:r>
-            <a:rPr lang="en-US" altLang="ko-KR" sz="1400" dirty="0" err="1" smtClean="0">
-              <a:solidFill>
-                <a:schemeClr val="bg1"/>
-              </a:solidFill>
-            </a:rPr>
-            <a:t>customeridselect</a:t>
-          </a:r>
-          <a:r>
-            <a:rPr lang="en-US" altLang="ko-KR" sz="1400" dirty="0" smtClean="0">
+            <a:rPr lang="en-US" altLang="ko-KR" sz="1400" dirty="0">
               <a:solidFill>
                 <a:schemeClr val="bg1"/>
               </a:solidFill>
@@ -1322,15 +1276,15 @@
         <a:p>
           <a:pPr latinLnBrk="1"/>
           <a:r>
-            <a:rPr lang="en-US" altLang="ko-KR" sz="1400" dirty="0" err="1" smtClean="0">
+            <a:rPr lang="en-US" altLang="ko-KR" sz="1400" dirty="0" err="1">
               <a:solidFill>
                 <a:schemeClr val="bg1"/>
               </a:solidFill>
             </a:rPr>
-            <a:t>ordercount</a:t>
+            <a:t>customeridselect</a:t>
           </a:r>
           <a:r>
-            <a:rPr lang="en-US" altLang="ko-KR" sz="1400" dirty="0" smtClean="0">
+            <a:rPr lang="en-US" altLang="ko-KR" sz="1400" dirty="0">
               <a:solidFill>
                 <a:schemeClr val="bg1"/>
               </a:solidFill>
@@ -1341,7 +1295,26 @@
         <a:p>
           <a:pPr latinLnBrk="1"/>
           <a:r>
-            <a:rPr lang="en-US" altLang="ko-KR" sz="1400" dirty="0" smtClean="0">
+            <a:rPr lang="en-US" altLang="ko-KR" sz="1400" dirty="0" err="1">
+              <a:solidFill>
+                <a:schemeClr val="bg1"/>
+              </a:solidFill>
+            </a:rPr>
+            <a:t>ordercount</a:t>
+          </a:r>
+          <a:r>
+            <a:rPr lang="en-US" altLang="ko-KR" sz="1400" dirty="0">
+              <a:solidFill>
+                <a:schemeClr val="bg1"/>
+              </a:solidFill>
+            </a:rPr>
+            <a:t>()</a:t>
+          </a:r>
+        </a:p>
+        <a:p>
+          <a:pPr latinLnBrk="1"/>
+          <a:r>
+            <a:rPr lang="en-US" altLang="ko-KR" sz="1400" dirty="0">
               <a:solidFill>
                 <a:schemeClr val="bg1"/>
               </a:solidFill>
@@ -1352,7 +1325,7 @@
         <a:p>
           <a:pPr latinLnBrk="1"/>
           <a:r>
-            <a:rPr lang="en-US" altLang="ko-KR" sz="1400" dirty="0" err="1" smtClean="0">
+            <a:rPr lang="en-US" altLang="ko-KR" sz="1400" dirty="0" err="1">
               <a:solidFill>
                 <a:schemeClr val="bg1"/>
               </a:solidFill>
@@ -1360,7 +1333,7 @@
             <a:t>askcloseticket</a:t>
           </a:r>
           <a:r>
-            <a:rPr lang="en-US" altLang="ko-KR" sz="1400" dirty="0" smtClean="0">
+            <a:rPr lang="en-US" altLang="ko-KR" sz="1400" dirty="0">
               <a:solidFill>
                 <a:schemeClr val="bg1"/>
               </a:solidFill>
@@ -1371,7 +1344,7 @@
         <a:p>
           <a:pPr latinLnBrk="1"/>
           <a:r>
-            <a:rPr lang="en-US" altLang="ko-KR" sz="1400" dirty="0" err="1" smtClean="0">
+            <a:rPr lang="en-US" altLang="ko-KR" sz="1400" dirty="0" err="1">
               <a:solidFill>
                 <a:schemeClr val="bg1"/>
               </a:solidFill>
@@ -1379,7 +1352,7 @@
             <a:t>continueecheck</a:t>
           </a:r>
           <a:r>
-            <a:rPr lang="en-US" altLang="ko-KR" sz="1400" dirty="0" smtClean="0">
+            <a:rPr lang="en-US" altLang="ko-KR" sz="1400" dirty="0">
               <a:solidFill>
                 <a:schemeClr val="bg1"/>
               </a:solidFill>
@@ -1427,7 +1400,7 @@
         <a:p>
           <a:pPr latinLnBrk="1"/>
           <a:r>
-            <a:rPr lang="en-US" altLang="ko-KR" sz="1400" dirty="0" err="1" smtClean="0">
+            <a:rPr lang="en-US" altLang="ko-KR" sz="1400" dirty="0" err="1">
               <a:solidFill>
                 <a:schemeClr val="bg1"/>
               </a:solidFill>
@@ -1435,23 +1408,18 @@
             <a:t>calage</a:t>
           </a:r>
           <a:r>
-            <a:rPr lang="en-US" altLang="ko-KR" sz="1400" dirty="0" smtClean="0">
+            <a:rPr lang="en-US" altLang="ko-KR" sz="1400" dirty="0">
               <a:solidFill>
                 <a:schemeClr val="bg1"/>
               </a:solidFill>
             </a:rPr>
             <a:t>()</a:t>
           </a:r>
-          <a:endParaRPr lang="en-US" altLang="ko-KR" sz="1400" dirty="0" smtClean="0">
-            <a:solidFill>
-              <a:schemeClr val="bg1"/>
-            </a:solidFill>
-          </a:endParaRPr>
         </a:p>
         <a:p>
           <a:pPr latinLnBrk="1"/>
           <a:r>
-            <a:rPr lang="en-US" altLang="ko-KR" sz="1400" dirty="0" err="1" smtClean="0">
+            <a:rPr lang="en-US" altLang="ko-KR" sz="1400" dirty="0" err="1">
               <a:solidFill>
                 <a:schemeClr val="bg1"/>
               </a:solidFill>
@@ -1459,23 +1427,18 @@
             <a:t>calday</a:t>
           </a:r>
           <a:r>
-            <a:rPr lang="en-US" altLang="ko-KR" sz="1400" dirty="0" smtClean="0">
+            <a:rPr lang="en-US" altLang="ko-KR" sz="1400" dirty="0">
               <a:solidFill>
                 <a:schemeClr val="bg1"/>
               </a:solidFill>
             </a:rPr>
             <a:t>()</a:t>
           </a:r>
-          <a:endParaRPr lang="en-US" altLang="ko-KR" sz="1400" dirty="0" smtClean="0">
-            <a:solidFill>
-              <a:schemeClr val="bg1"/>
-            </a:solidFill>
-          </a:endParaRPr>
         </a:p>
         <a:p>
           <a:pPr latinLnBrk="1"/>
           <a:r>
-            <a:rPr lang="en-US" altLang="ko-KR" sz="1400" dirty="0" err="1" smtClean="0">
+            <a:rPr lang="en-US" altLang="ko-KR" sz="1400" dirty="0" err="1">
               <a:solidFill>
                 <a:schemeClr val="bg1"/>
               </a:solidFill>
@@ -1483,18 +1446,13 @@
             <a:t>calnight</a:t>
           </a:r>
           <a:r>
-            <a:rPr lang="en-US" altLang="ko-KR" sz="1400" dirty="0" smtClean="0">
+            <a:rPr lang="en-US" altLang="ko-KR" sz="1400" dirty="0">
               <a:solidFill>
                 <a:schemeClr val="bg1"/>
               </a:solidFill>
             </a:rPr>
             <a:t>()</a:t>
           </a:r>
-          <a:endParaRPr lang="en-US" altLang="ko-KR" sz="1400" dirty="0" smtClean="0">
-            <a:solidFill>
-              <a:schemeClr val="bg1"/>
-            </a:solidFill>
-          </a:endParaRPr>
         </a:p>
       </dgm:t>
     </dgm:pt>
@@ -1531,7 +1489,7 @@
         <a:p>
           <a:pPr latinLnBrk="1"/>
           <a:r>
-            <a:rPr lang="en-US" altLang="ko-KR" sz="1400" dirty="0" err="1" smtClean="0">
+            <a:rPr lang="en-US" altLang="ko-KR" sz="1400" dirty="0" err="1">
               <a:solidFill>
                 <a:schemeClr val="bg1"/>
               </a:solidFill>
@@ -1539,7 +1497,7 @@
             <a:t>filewrite</a:t>
           </a:r>
           <a:r>
-            <a:rPr lang="en-US" altLang="ko-KR" sz="1400" dirty="0" smtClean="0">
+            <a:rPr lang="en-US" altLang="ko-KR" sz="1400" dirty="0">
               <a:solidFill>
                 <a:schemeClr val="bg1"/>
               </a:solidFill>
@@ -1550,7 +1508,7 @@
         <a:p>
           <a:pPr latinLnBrk="1"/>
           <a:r>
-            <a:rPr lang="en-US" altLang="ko-KR" sz="1400" dirty="0" err="1" smtClean="0">
+            <a:rPr lang="en-US" altLang="ko-KR" sz="1400" dirty="0" err="1">
               <a:solidFill>
                 <a:schemeClr val="bg1"/>
               </a:solidFill>
@@ -1558,7 +1516,7 @@
             <a:t>printtwo</a:t>
           </a:r>
           <a:r>
-            <a:rPr lang="en-US" altLang="ko-KR" sz="1400" dirty="0" smtClean="0">
+            <a:rPr lang="en-US" altLang="ko-KR" sz="1400" dirty="0">
               <a:solidFill>
                 <a:schemeClr val="bg1"/>
               </a:solidFill>
@@ -1569,7 +1527,7 @@
         <a:p>
           <a:pPr latinLnBrk="1"/>
           <a:r>
-            <a:rPr lang="en-US" altLang="ko-KR" sz="1400" dirty="0" err="1" smtClean="0">
+            <a:rPr lang="en-US" altLang="ko-KR" sz="1400" dirty="0" err="1">
               <a:solidFill>
                 <a:schemeClr val="bg1"/>
               </a:solidFill>
@@ -1577,23 +1535,18 @@
             <a:t>printcustomer</a:t>
           </a:r>
           <a:r>
-            <a:rPr lang="en-US" altLang="ko-KR" sz="1400" dirty="0" smtClean="0">
+            <a:rPr lang="en-US" altLang="ko-KR" sz="1400" dirty="0">
               <a:solidFill>
                 <a:schemeClr val="bg1"/>
               </a:solidFill>
             </a:rPr>
             <a:t>()</a:t>
           </a:r>
-          <a:endParaRPr lang="en-US" altLang="ko-KR" sz="1400" dirty="0" smtClean="0">
-            <a:solidFill>
-              <a:schemeClr val="bg1"/>
-            </a:solidFill>
-          </a:endParaRPr>
         </a:p>
         <a:p>
           <a:pPr latinLnBrk="1"/>
           <a:r>
-            <a:rPr lang="en-US" altLang="ko-KR" sz="1400" dirty="0" err="1" smtClean="0">
+            <a:rPr lang="en-US" altLang="ko-KR" sz="1400" dirty="0" err="1">
               <a:solidFill>
                 <a:schemeClr val="bg1"/>
               </a:solidFill>
@@ -1601,7 +1554,7 @@
             <a:t>printtotal</a:t>
           </a:r>
           <a:r>
-            <a:rPr lang="en-US" altLang="ko-KR" sz="1400" dirty="0" smtClean="0">
+            <a:rPr lang="en-US" altLang="ko-KR" sz="1400" dirty="0">
               <a:solidFill>
                 <a:schemeClr val="bg1"/>
               </a:solidFill>
@@ -1649,7 +1602,7 @@
         <a:p>
           <a:pPr latinLnBrk="1"/>
           <a:r>
-            <a:rPr lang="en-US" altLang="ko-KR" sz="1400" dirty="0" err="1" smtClean="0">
+            <a:rPr lang="en-US" altLang="ko-KR" sz="1400" dirty="0" err="1">
               <a:solidFill>
                 <a:schemeClr val="bg1"/>
               </a:solidFill>
@@ -1657,7 +1610,7 @@
             <a:t>printarray</a:t>
           </a:r>
           <a:r>
-            <a:rPr lang="en-US" altLang="ko-KR" sz="1400" dirty="0" smtClean="0">
+            <a:rPr lang="en-US" altLang="ko-KR" sz="1400" dirty="0">
               <a:solidFill>
                 <a:schemeClr val="bg1"/>
               </a:solidFill>
@@ -1668,7 +1621,7 @@
         <a:p>
           <a:pPr latinLnBrk="1"/>
           <a:r>
-            <a:rPr lang="en-US" altLang="ko-KR" sz="1400" dirty="0" err="1" smtClean="0">
+            <a:rPr lang="en-US" altLang="ko-KR" sz="1400" dirty="0" err="1">
               <a:solidFill>
                 <a:schemeClr val="bg1"/>
               </a:solidFill>
@@ -1676,7 +1629,7 @@
             <a:t>printcsv</a:t>
           </a:r>
           <a:r>
-            <a:rPr lang="en-US" altLang="ko-KR" sz="1400" dirty="0" smtClean="0">
+            <a:rPr lang="en-US" altLang="ko-KR" sz="1400" dirty="0">
               <a:solidFill>
                 <a:schemeClr val="bg1"/>
               </a:solidFill>
@@ -1724,7 +1677,7 @@
         <a:p>
           <a:pPr latinLnBrk="1"/>
           <a:r>
-            <a:rPr lang="en-US" altLang="ko-KR" sz="1400" dirty="0" err="1" smtClean="0">
+            <a:rPr lang="en-US" altLang="ko-KR" sz="1400" dirty="0" err="1">
               <a:solidFill>
                 <a:schemeClr val="bg1"/>
               </a:solidFill>
@@ -1732,7 +1685,7 @@
             <a:t>printchoose</a:t>
           </a:r>
           <a:r>
-            <a:rPr lang="en-US" altLang="ko-KR" sz="1400" dirty="0" smtClean="0">
+            <a:rPr lang="en-US" altLang="ko-KR" sz="1400" dirty="0">
               <a:solidFill>
                 <a:schemeClr val="bg1"/>
               </a:solidFill>
@@ -1743,7 +1696,7 @@
         <a:p>
           <a:pPr latinLnBrk="1"/>
           <a:r>
-            <a:rPr lang="en-US" altLang="ko-KR" sz="1400" dirty="0" err="1" smtClean="0">
+            <a:rPr lang="en-US" altLang="ko-KR" sz="1400" dirty="0" err="1">
               <a:solidFill>
                 <a:schemeClr val="bg1"/>
               </a:solidFill>
@@ -1751,7 +1704,7 @@
             <a:t>printdiscount</a:t>
           </a:r>
           <a:r>
-            <a:rPr lang="en-US" altLang="ko-KR" sz="1400" dirty="0" smtClean="0">
+            <a:rPr lang="en-US" altLang="ko-KR" sz="1400" dirty="0">
               <a:solidFill>
                 <a:schemeClr val="bg1"/>
               </a:solidFill>
@@ -1762,7 +1715,7 @@
         <a:p>
           <a:pPr latinLnBrk="1"/>
           <a:r>
-            <a:rPr lang="en-US" altLang="ko-KR" sz="1400" dirty="0" smtClean="0">
+            <a:rPr lang="en-US" altLang="ko-KR" sz="1400" dirty="0">
               <a:solidFill>
                 <a:schemeClr val="bg1"/>
               </a:solidFill>
@@ -1813,14 +1766,6 @@
         </dgm:presLayoutVars>
       </dgm:prSet>
       <dgm:spPr/>
-      <dgm:t>
-        <a:bodyPr/>
-        <a:lstStyle/>
-        <a:p>
-          <a:pPr latinLnBrk="1"/>
-          <a:endParaRPr lang="ko-KR" altLang="en-US"/>
-        </a:p>
-      </dgm:t>
     </dgm:pt>
     <dgm:pt modelId="{298AA42C-39C2-48F7-BDA1-262B7B503497}" type="pres">
       <dgm:prSet presAssocID="{B40732E3-D83B-4A0D-B83F-360EB34587FC}" presName="hierRoot1" presStyleCnt="0">
@@ -1841,26 +1786,10 @@
         </dgm:presLayoutVars>
       </dgm:prSet>
       <dgm:spPr/>
-      <dgm:t>
-        <a:bodyPr/>
-        <a:lstStyle/>
-        <a:p>
-          <a:pPr latinLnBrk="1"/>
-          <a:endParaRPr lang="ko-KR" altLang="en-US"/>
-        </a:p>
-      </dgm:t>
     </dgm:pt>
     <dgm:pt modelId="{758FB412-75EB-43C4-9A45-4EEDD4A0602B}" type="pres">
       <dgm:prSet presAssocID="{B40732E3-D83B-4A0D-B83F-360EB34587FC}" presName="rootConnector1" presStyleLbl="node1" presStyleIdx="0" presStyleCnt="0"/>
       <dgm:spPr/>
-      <dgm:t>
-        <a:bodyPr/>
-        <a:lstStyle/>
-        <a:p>
-          <a:pPr latinLnBrk="1"/>
-          <a:endParaRPr lang="ko-KR" altLang="en-US"/>
-        </a:p>
-      </dgm:t>
     </dgm:pt>
     <dgm:pt modelId="{A26FA51E-099B-4BCA-9872-EA39B97241E1}" type="pres">
       <dgm:prSet presAssocID="{B40732E3-D83B-4A0D-B83F-360EB34587FC}" presName="hierChild2" presStyleCnt="0"/>
@@ -1869,14 +1798,6 @@
     <dgm:pt modelId="{4D64F637-88F3-4121-B3C9-8855CD196B51}" type="pres">
       <dgm:prSet presAssocID="{9CAABF4B-0500-439A-9F39-494F085689C6}" presName="Name37" presStyleLbl="parChTrans1D2" presStyleIdx="0" presStyleCnt="4"/>
       <dgm:spPr/>
-      <dgm:t>
-        <a:bodyPr/>
-        <a:lstStyle/>
-        <a:p>
-          <a:pPr latinLnBrk="1"/>
-          <a:endParaRPr lang="ko-KR" altLang="en-US"/>
-        </a:p>
-      </dgm:t>
     </dgm:pt>
     <dgm:pt modelId="{3F44C254-B85D-49CA-81D3-4306C950FD7F}" type="pres">
       <dgm:prSet presAssocID="{F2D58DA3-C531-4A24-A0F4-325459A4ADBB}" presName="hierRoot2" presStyleCnt="0">
@@ -1897,26 +1818,10 @@
         </dgm:presLayoutVars>
       </dgm:prSet>
       <dgm:spPr/>
-      <dgm:t>
-        <a:bodyPr/>
-        <a:lstStyle/>
-        <a:p>
-          <a:pPr latinLnBrk="1"/>
-          <a:endParaRPr lang="ko-KR" altLang="en-US"/>
-        </a:p>
-      </dgm:t>
     </dgm:pt>
     <dgm:pt modelId="{F4505FAD-30A2-4A4A-9D58-F3F01643B98C}" type="pres">
       <dgm:prSet presAssocID="{F2D58DA3-C531-4A24-A0F4-325459A4ADBB}" presName="rootConnector" presStyleLbl="node2" presStyleIdx="0" presStyleCnt="4"/>
       <dgm:spPr/>
-      <dgm:t>
-        <a:bodyPr/>
-        <a:lstStyle/>
-        <a:p>
-          <a:pPr latinLnBrk="1"/>
-          <a:endParaRPr lang="ko-KR" altLang="en-US"/>
-        </a:p>
-      </dgm:t>
     </dgm:pt>
     <dgm:pt modelId="{DBC6A44C-0F6F-45A5-A2E5-19BAC352D3EB}" type="pres">
       <dgm:prSet presAssocID="{F2D58DA3-C531-4A24-A0F4-325459A4ADBB}" presName="hierChild4" presStyleCnt="0"/>
@@ -1925,14 +1830,6 @@
     <dgm:pt modelId="{86B09D1C-A1EB-4CC0-9369-CEF94FCCAFF6}" type="pres">
       <dgm:prSet presAssocID="{C78D9D7A-38EB-4EA2-B307-6FF36F07A647}" presName="Name37" presStyleLbl="parChTrans1D3" presStyleIdx="0" presStyleCnt="6"/>
       <dgm:spPr/>
-      <dgm:t>
-        <a:bodyPr/>
-        <a:lstStyle/>
-        <a:p>
-          <a:pPr latinLnBrk="1"/>
-          <a:endParaRPr lang="ko-KR" altLang="en-US"/>
-        </a:p>
-      </dgm:t>
     </dgm:pt>
     <dgm:pt modelId="{64DB23C0-88A1-4EF5-A59A-D443CD80B64A}" type="pres">
       <dgm:prSet presAssocID="{EF5ED396-5E88-4BBC-84CB-6F45A49A3378}" presName="hierRoot2" presStyleCnt="0">
@@ -1953,26 +1850,10 @@
         </dgm:presLayoutVars>
       </dgm:prSet>
       <dgm:spPr/>
-      <dgm:t>
-        <a:bodyPr/>
-        <a:lstStyle/>
-        <a:p>
-          <a:pPr latinLnBrk="1"/>
-          <a:endParaRPr lang="ko-KR" altLang="en-US"/>
-        </a:p>
-      </dgm:t>
     </dgm:pt>
     <dgm:pt modelId="{8853B27D-E2ED-4574-A493-8C7421898EAB}" type="pres">
       <dgm:prSet presAssocID="{EF5ED396-5E88-4BBC-84CB-6F45A49A3378}" presName="rootConnector" presStyleLbl="node3" presStyleIdx="0" presStyleCnt="6"/>
       <dgm:spPr/>
-      <dgm:t>
-        <a:bodyPr/>
-        <a:lstStyle/>
-        <a:p>
-          <a:pPr latinLnBrk="1"/>
-          <a:endParaRPr lang="ko-KR" altLang="en-US"/>
-        </a:p>
-      </dgm:t>
     </dgm:pt>
     <dgm:pt modelId="{83937B8C-79FE-47F0-9300-546EAB83349C}" type="pres">
       <dgm:prSet presAssocID="{EF5ED396-5E88-4BBC-84CB-6F45A49A3378}" presName="hierChild4" presStyleCnt="0"/>
@@ -1989,14 +1870,6 @@
     <dgm:pt modelId="{38B64126-36AF-4457-A9AF-DBDB72EBB65F}" type="pres">
       <dgm:prSet presAssocID="{67B9A95F-5AAE-4893-BD93-75B377676DA9}" presName="Name37" presStyleLbl="parChTrans1D2" presStyleIdx="1" presStyleCnt="4"/>
       <dgm:spPr/>
-      <dgm:t>
-        <a:bodyPr/>
-        <a:lstStyle/>
-        <a:p>
-          <a:pPr latinLnBrk="1"/>
-          <a:endParaRPr lang="ko-KR" altLang="en-US"/>
-        </a:p>
-      </dgm:t>
     </dgm:pt>
     <dgm:pt modelId="{9B69DD01-AD47-4F99-A85B-88E1D1BC77AE}" type="pres">
       <dgm:prSet presAssocID="{3683DBEA-13EA-4D07-80BB-2A9C73E28BC7}" presName="hierRoot2" presStyleCnt="0">
@@ -2017,26 +1890,10 @@
         </dgm:presLayoutVars>
       </dgm:prSet>
       <dgm:spPr/>
-      <dgm:t>
-        <a:bodyPr/>
-        <a:lstStyle/>
-        <a:p>
-          <a:pPr latinLnBrk="1"/>
-          <a:endParaRPr lang="ko-KR" altLang="en-US"/>
-        </a:p>
-      </dgm:t>
     </dgm:pt>
     <dgm:pt modelId="{F93AC859-D706-44B9-BF98-FEDB85C4218E}" type="pres">
       <dgm:prSet presAssocID="{3683DBEA-13EA-4D07-80BB-2A9C73E28BC7}" presName="rootConnector" presStyleLbl="node2" presStyleIdx="1" presStyleCnt="4"/>
       <dgm:spPr/>
-      <dgm:t>
-        <a:bodyPr/>
-        <a:lstStyle/>
-        <a:p>
-          <a:pPr latinLnBrk="1"/>
-          <a:endParaRPr lang="ko-KR" altLang="en-US"/>
-        </a:p>
-      </dgm:t>
     </dgm:pt>
     <dgm:pt modelId="{6CB3511E-144E-4B28-8A7D-8A2FD4771941}" type="pres">
       <dgm:prSet presAssocID="{3683DBEA-13EA-4D07-80BB-2A9C73E28BC7}" presName="hierChild4" presStyleCnt="0"/>
@@ -2045,14 +1902,6 @@
     <dgm:pt modelId="{03FF087F-9598-49F1-B06A-BEEA5FE444BE}" type="pres">
       <dgm:prSet presAssocID="{3009C225-DAB8-4C2A-AFC8-1DDE699788BC}" presName="Name37" presStyleLbl="parChTrans1D3" presStyleIdx="1" presStyleCnt="6"/>
       <dgm:spPr/>
-      <dgm:t>
-        <a:bodyPr/>
-        <a:lstStyle/>
-        <a:p>
-          <a:pPr latinLnBrk="1"/>
-          <a:endParaRPr lang="ko-KR" altLang="en-US"/>
-        </a:p>
-      </dgm:t>
     </dgm:pt>
     <dgm:pt modelId="{B0229D7B-4266-4DBB-BDB0-39247A88531D}" type="pres">
       <dgm:prSet presAssocID="{88C35971-9065-40A2-ADEF-892C1EB0C708}" presName="hierRoot2" presStyleCnt="0">
@@ -2073,26 +1922,10 @@
         </dgm:presLayoutVars>
       </dgm:prSet>
       <dgm:spPr/>
-      <dgm:t>
-        <a:bodyPr/>
-        <a:lstStyle/>
-        <a:p>
-          <a:pPr latinLnBrk="1"/>
-          <a:endParaRPr lang="ko-KR" altLang="en-US"/>
-        </a:p>
-      </dgm:t>
     </dgm:pt>
     <dgm:pt modelId="{87965645-DE17-4D52-B6F8-B3991B6D3BAC}" type="pres">
       <dgm:prSet presAssocID="{88C35971-9065-40A2-ADEF-892C1EB0C708}" presName="rootConnector" presStyleLbl="node3" presStyleIdx="1" presStyleCnt="6"/>
       <dgm:spPr/>
-      <dgm:t>
-        <a:bodyPr/>
-        <a:lstStyle/>
-        <a:p>
-          <a:pPr latinLnBrk="1"/>
-          <a:endParaRPr lang="ko-KR" altLang="en-US"/>
-        </a:p>
-      </dgm:t>
     </dgm:pt>
     <dgm:pt modelId="{770D03C3-B6B7-4E26-9F04-3D37368B5EE7}" type="pres">
       <dgm:prSet presAssocID="{88C35971-9065-40A2-ADEF-892C1EB0C708}" presName="hierChild4" presStyleCnt="0"/>
@@ -2109,14 +1942,6 @@
     <dgm:pt modelId="{11177717-C592-4673-927F-384602F23B9A}" type="pres">
       <dgm:prSet presAssocID="{F561F8EC-5B91-4850-859C-CA54A0937659}" presName="Name37" presStyleLbl="parChTrans1D2" presStyleIdx="2" presStyleCnt="4"/>
       <dgm:spPr/>
-      <dgm:t>
-        <a:bodyPr/>
-        <a:lstStyle/>
-        <a:p>
-          <a:pPr latinLnBrk="1"/>
-          <a:endParaRPr lang="ko-KR" altLang="en-US"/>
-        </a:p>
-      </dgm:t>
     </dgm:pt>
     <dgm:pt modelId="{B720AC46-07AE-467B-BB2D-031AA6B06BB4}" type="pres">
       <dgm:prSet presAssocID="{015AF7D0-D76E-44A5-9605-62050BAB1CA5}" presName="hierRoot2" presStyleCnt="0">
@@ -2137,26 +1962,10 @@
         </dgm:presLayoutVars>
       </dgm:prSet>
       <dgm:spPr/>
-      <dgm:t>
-        <a:bodyPr/>
-        <a:lstStyle/>
-        <a:p>
-          <a:pPr latinLnBrk="1"/>
-          <a:endParaRPr lang="ko-KR" altLang="en-US"/>
-        </a:p>
-      </dgm:t>
     </dgm:pt>
     <dgm:pt modelId="{DFF679EC-605C-4B1A-B940-0F2325A1CEAE}" type="pres">
       <dgm:prSet presAssocID="{015AF7D0-D76E-44A5-9605-62050BAB1CA5}" presName="rootConnector" presStyleLbl="node2" presStyleIdx="2" presStyleCnt="4"/>
       <dgm:spPr/>
-      <dgm:t>
-        <a:bodyPr/>
-        <a:lstStyle/>
-        <a:p>
-          <a:pPr latinLnBrk="1"/>
-          <a:endParaRPr lang="ko-KR" altLang="en-US"/>
-        </a:p>
-      </dgm:t>
     </dgm:pt>
     <dgm:pt modelId="{1A5F23E6-1593-4140-A42D-9E9A93D03572}" type="pres">
       <dgm:prSet presAssocID="{015AF7D0-D76E-44A5-9605-62050BAB1CA5}" presName="hierChild4" presStyleCnt="0"/>
@@ -2165,14 +1974,6 @@
     <dgm:pt modelId="{1F206DE1-D320-46AA-A7E0-DFA20F637A98}" type="pres">
       <dgm:prSet presAssocID="{52A80B56-7485-4B03-B3D2-6D2828247E72}" presName="Name37" presStyleLbl="parChTrans1D3" presStyleIdx="2" presStyleCnt="6"/>
       <dgm:spPr/>
-      <dgm:t>
-        <a:bodyPr/>
-        <a:lstStyle/>
-        <a:p>
-          <a:pPr latinLnBrk="1"/>
-          <a:endParaRPr lang="ko-KR" altLang="en-US"/>
-        </a:p>
-      </dgm:t>
     </dgm:pt>
     <dgm:pt modelId="{02705082-7AAD-4F36-B63C-C054B88187A4}" type="pres">
       <dgm:prSet presAssocID="{3F4980FD-EF6F-4B4E-A1F5-28A0A97B27A6}" presName="hierRoot2" presStyleCnt="0">
@@ -2193,26 +1994,10 @@
         </dgm:presLayoutVars>
       </dgm:prSet>
       <dgm:spPr/>
-      <dgm:t>
-        <a:bodyPr/>
-        <a:lstStyle/>
-        <a:p>
-          <a:pPr latinLnBrk="1"/>
-          <a:endParaRPr lang="ko-KR" altLang="en-US"/>
-        </a:p>
-      </dgm:t>
     </dgm:pt>
     <dgm:pt modelId="{5FFA856C-8ADD-4763-A40D-951708A30570}" type="pres">
       <dgm:prSet presAssocID="{3F4980FD-EF6F-4B4E-A1F5-28A0A97B27A6}" presName="rootConnector" presStyleLbl="node3" presStyleIdx="2" presStyleCnt="6"/>
       <dgm:spPr/>
-      <dgm:t>
-        <a:bodyPr/>
-        <a:lstStyle/>
-        <a:p>
-          <a:pPr latinLnBrk="1"/>
-          <a:endParaRPr lang="ko-KR" altLang="en-US"/>
-        </a:p>
-      </dgm:t>
     </dgm:pt>
     <dgm:pt modelId="{87D9EB66-6760-4E93-94C9-69C1B87FE984}" type="pres">
       <dgm:prSet presAssocID="{3F4980FD-EF6F-4B4E-A1F5-28A0A97B27A6}" presName="hierChild4" presStyleCnt="0"/>
@@ -2229,14 +2014,6 @@
     <dgm:pt modelId="{212AD8D4-1297-45BA-B232-D51A16EE5B75}" type="pres">
       <dgm:prSet presAssocID="{2E7DFCAA-C388-4E94-958C-CE53F688EABF}" presName="Name37" presStyleLbl="parChTrans1D2" presStyleIdx="3" presStyleCnt="4"/>
       <dgm:spPr/>
-      <dgm:t>
-        <a:bodyPr/>
-        <a:lstStyle/>
-        <a:p>
-          <a:pPr latinLnBrk="1"/>
-          <a:endParaRPr lang="ko-KR" altLang="en-US"/>
-        </a:p>
-      </dgm:t>
     </dgm:pt>
     <dgm:pt modelId="{8F9592A1-3724-4116-B623-E12453857AF0}" type="pres">
       <dgm:prSet presAssocID="{E6311717-626B-4F2E-8BA4-4749270F9D06}" presName="hierRoot2" presStyleCnt="0">
@@ -2257,26 +2034,10 @@
         </dgm:presLayoutVars>
       </dgm:prSet>
       <dgm:spPr/>
-      <dgm:t>
-        <a:bodyPr/>
-        <a:lstStyle/>
-        <a:p>
-          <a:pPr latinLnBrk="1"/>
-          <a:endParaRPr lang="ko-KR" altLang="en-US"/>
-        </a:p>
-      </dgm:t>
     </dgm:pt>
     <dgm:pt modelId="{A3C23058-F3BD-44C1-8F0D-2227F3E3C797}" type="pres">
       <dgm:prSet presAssocID="{E6311717-626B-4F2E-8BA4-4749270F9D06}" presName="rootConnector" presStyleLbl="node2" presStyleIdx="3" presStyleCnt="4"/>
       <dgm:spPr/>
-      <dgm:t>
-        <a:bodyPr/>
-        <a:lstStyle/>
-        <a:p>
-          <a:pPr latinLnBrk="1"/>
-          <a:endParaRPr lang="ko-KR" altLang="en-US"/>
-        </a:p>
-      </dgm:t>
     </dgm:pt>
     <dgm:pt modelId="{ABA629DC-C5A6-41BE-838D-6C4B336F21B8}" type="pres">
       <dgm:prSet presAssocID="{E6311717-626B-4F2E-8BA4-4749270F9D06}" presName="hierChild4" presStyleCnt="0"/>
@@ -2285,14 +2046,6 @@
     <dgm:pt modelId="{4303BFC2-E04C-45EE-8155-623104C18A12}" type="pres">
       <dgm:prSet presAssocID="{5B4F2434-D8DD-4151-922E-584A22EFA7A0}" presName="Name37" presStyleLbl="parChTrans1D3" presStyleIdx="3" presStyleCnt="6"/>
       <dgm:spPr/>
-      <dgm:t>
-        <a:bodyPr/>
-        <a:lstStyle/>
-        <a:p>
-          <a:pPr latinLnBrk="1"/>
-          <a:endParaRPr lang="ko-KR" altLang="en-US"/>
-        </a:p>
-      </dgm:t>
     </dgm:pt>
     <dgm:pt modelId="{B2163E07-DE25-4DE1-8B09-4EA96DA38FD7}" type="pres">
       <dgm:prSet presAssocID="{FCCC2359-B1B4-4E25-B09E-16EC57C8DB6D}" presName="hierRoot2" presStyleCnt="0">
@@ -2313,26 +2066,10 @@
         </dgm:presLayoutVars>
       </dgm:prSet>
       <dgm:spPr/>
-      <dgm:t>
-        <a:bodyPr/>
-        <a:lstStyle/>
-        <a:p>
-          <a:pPr latinLnBrk="1"/>
-          <a:endParaRPr lang="ko-KR" altLang="en-US"/>
-        </a:p>
-      </dgm:t>
     </dgm:pt>
     <dgm:pt modelId="{648E9F38-1905-4A63-A134-4DDAFCD2816A}" type="pres">
       <dgm:prSet presAssocID="{FCCC2359-B1B4-4E25-B09E-16EC57C8DB6D}" presName="rootConnector" presStyleLbl="node3" presStyleIdx="3" presStyleCnt="6"/>
       <dgm:spPr/>
-      <dgm:t>
-        <a:bodyPr/>
-        <a:lstStyle/>
-        <a:p>
-          <a:pPr latinLnBrk="1"/>
-          <a:endParaRPr lang="ko-KR" altLang="en-US"/>
-        </a:p>
-      </dgm:t>
     </dgm:pt>
     <dgm:pt modelId="{05C3ECC4-63E3-4055-B9EC-5022B1141287}" type="pres">
       <dgm:prSet presAssocID="{FCCC2359-B1B4-4E25-B09E-16EC57C8DB6D}" presName="hierChild4" presStyleCnt="0"/>
@@ -2345,14 +2082,6 @@
     <dgm:pt modelId="{D7C78D3F-DA6E-4FBF-A0A5-13A444F434B7}" type="pres">
       <dgm:prSet presAssocID="{24530C57-D9B0-4448-8DF2-8AC940705EBB}" presName="Name37" presStyleLbl="parChTrans1D3" presStyleIdx="4" presStyleCnt="6"/>
       <dgm:spPr/>
-      <dgm:t>
-        <a:bodyPr/>
-        <a:lstStyle/>
-        <a:p>
-          <a:pPr latinLnBrk="1"/>
-          <a:endParaRPr lang="ko-KR" altLang="en-US"/>
-        </a:p>
-      </dgm:t>
     </dgm:pt>
     <dgm:pt modelId="{A7DEFBB3-7890-4290-B5AF-B7AEC7A110E0}" type="pres">
       <dgm:prSet presAssocID="{879AEA08-7979-4D3D-839D-647ADF37C920}" presName="hierRoot2" presStyleCnt="0">
@@ -2373,26 +2102,10 @@
         </dgm:presLayoutVars>
       </dgm:prSet>
       <dgm:spPr/>
-      <dgm:t>
-        <a:bodyPr/>
-        <a:lstStyle/>
-        <a:p>
-          <a:pPr latinLnBrk="1"/>
-          <a:endParaRPr lang="ko-KR" altLang="en-US"/>
-        </a:p>
-      </dgm:t>
     </dgm:pt>
     <dgm:pt modelId="{139767D0-1B6A-4DEC-82EA-CA34B7908E8C}" type="pres">
       <dgm:prSet presAssocID="{879AEA08-7979-4D3D-839D-647ADF37C920}" presName="rootConnector" presStyleLbl="node3" presStyleIdx="4" presStyleCnt="6"/>
       <dgm:spPr/>
-      <dgm:t>
-        <a:bodyPr/>
-        <a:lstStyle/>
-        <a:p>
-          <a:pPr latinLnBrk="1"/>
-          <a:endParaRPr lang="ko-KR" altLang="en-US"/>
-        </a:p>
-      </dgm:t>
     </dgm:pt>
     <dgm:pt modelId="{19F83235-E945-458B-A3F5-319D46C6DC20}" type="pres">
       <dgm:prSet presAssocID="{879AEA08-7979-4D3D-839D-647ADF37C920}" presName="hierChild4" presStyleCnt="0"/>
@@ -2425,26 +2138,10 @@
         </dgm:presLayoutVars>
       </dgm:prSet>
       <dgm:spPr/>
-      <dgm:t>
-        <a:bodyPr/>
-        <a:lstStyle/>
-        <a:p>
-          <a:pPr latinLnBrk="1"/>
-          <a:endParaRPr lang="ko-KR" altLang="en-US"/>
-        </a:p>
-      </dgm:t>
     </dgm:pt>
     <dgm:pt modelId="{D43A2A74-84AB-4A26-AA4D-1A80AB1B0B11}" type="pres">
       <dgm:prSet presAssocID="{72804C54-EB47-481E-A45B-B2E5B8C53D6C}" presName="rootConnector" presStyleLbl="node3" presStyleIdx="5" presStyleCnt="6"/>
       <dgm:spPr/>
-      <dgm:t>
-        <a:bodyPr/>
-        <a:lstStyle/>
-        <a:p>
-          <a:pPr latinLnBrk="1"/>
-          <a:endParaRPr lang="ko-KR" altLang="en-US"/>
-        </a:p>
-      </dgm:t>
     </dgm:pt>
     <dgm:pt modelId="{4F581CEF-4F47-4AF8-9752-6A5A15AA6C4E}" type="pres">
       <dgm:prSet presAssocID="{72804C54-EB47-481E-A45B-B2E5B8C53D6C}" presName="hierChild4" presStyleCnt="0"/>
@@ -2464,50 +2161,50 @@
     </dgm:pt>
   </dgm:ptLst>
   <dgm:cxnLst>
+    <dgm:cxn modelId="{6A3C0600-8A1D-48F6-9527-17B836663D42}" type="presOf" srcId="{88C35971-9065-40A2-ADEF-892C1EB0C708}" destId="{FCA401A7-F0F7-4FCF-AADC-8BDAE59B8B50}" srcOrd="0" destOrd="0" presId="urn:microsoft.com/office/officeart/2005/8/layout/orgChart1"/>
+    <dgm:cxn modelId="{9F44B509-7A60-42A8-A38C-4E71F03A105F}" type="presOf" srcId="{015AF7D0-D76E-44A5-9605-62050BAB1CA5}" destId="{DFF679EC-605C-4B1A-B940-0F2325A1CEAE}" srcOrd="1" destOrd="0" presId="urn:microsoft.com/office/officeart/2005/8/layout/orgChart1"/>
+    <dgm:cxn modelId="{4ECFF80C-61D1-4B5D-871A-37A22665546F}" srcId="{E6311717-626B-4F2E-8BA4-4749270F9D06}" destId="{879AEA08-7979-4D3D-839D-647ADF37C920}" srcOrd="1" destOrd="0" parTransId="{24530C57-D9B0-4448-8DF2-8AC940705EBB}" sibTransId="{FF7C5B4A-0CF2-4EFA-B8E7-C6B32931946A}"/>
+    <dgm:cxn modelId="{EDA88B11-4D4B-4236-8796-31AF753F2035}" type="presOf" srcId="{CC8A2751-786B-451A-9150-116A08708715}" destId="{03F2C230-030C-42DC-BA3C-5C170C834056}" srcOrd="0" destOrd="0" presId="urn:microsoft.com/office/officeart/2005/8/layout/orgChart1"/>
+    <dgm:cxn modelId="{FA83CE23-4FE5-4225-A7B3-A7699E2B2F73}" type="presOf" srcId="{EF5ED396-5E88-4BBC-84CB-6F45A49A3378}" destId="{591188EB-F623-43D7-BA29-5B1437610DE0}" srcOrd="0" destOrd="0" presId="urn:microsoft.com/office/officeart/2005/8/layout/orgChart1"/>
+    <dgm:cxn modelId="{EA198725-FC67-41F6-B3E2-54686D7D83CD}" type="presOf" srcId="{24530C57-D9B0-4448-8DF2-8AC940705EBB}" destId="{D7C78D3F-DA6E-4FBF-A0A5-13A444F434B7}" srcOrd="0" destOrd="0" presId="urn:microsoft.com/office/officeart/2005/8/layout/orgChart1"/>
+    <dgm:cxn modelId="{4AD25827-91BB-4519-BDC3-56B9D7376E97}" type="presOf" srcId="{E6311717-626B-4F2E-8BA4-4749270F9D06}" destId="{A3C23058-F3BD-44C1-8F0D-2227F3E3C797}" srcOrd="1" destOrd="0" presId="urn:microsoft.com/office/officeart/2005/8/layout/orgChart1"/>
+    <dgm:cxn modelId="{3F60072D-C90E-42B7-A9EA-4FF3F61B533C}" type="presOf" srcId="{2E7DFCAA-C388-4E94-958C-CE53F688EABF}" destId="{212AD8D4-1297-45BA-B232-D51A16EE5B75}" srcOrd="0" destOrd="0" presId="urn:microsoft.com/office/officeart/2005/8/layout/orgChart1"/>
+    <dgm:cxn modelId="{9C729F2E-71A6-4EFA-9E33-4F73F3F01334}" srcId="{CC8A2751-786B-451A-9150-116A08708715}" destId="{B40732E3-D83B-4A0D-B83F-360EB34587FC}" srcOrd="0" destOrd="0" parTransId="{67A00846-B571-4B51-ABA6-D89B495506BD}" sibTransId="{AAC40745-BE59-45B4-B602-585B229DE1FC}"/>
+    <dgm:cxn modelId="{733EC13B-81E3-4ED4-BF18-43B84C3A9D9E}" srcId="{E6311717-626B-4F2E-8BA4-4749270F9D06}" destId="{72804C54-EB47-481E-A45B-B2E5B8C53D6C}" srcOrd="2" destOrd="0" parTransId="{06C2359A-7261-42EA-8613-374494480BDD}" sibTransId="{D44EDC02-84DE-4BBF-8E71-1B1F5EAAC39D}"/>
+    <dgm:cxn modelId="{89139D45-511D-481A-837C-CA47D4736149}" type="presOf" srcId="{3F4980FD-EF6F-4B4E-A1F5-28A0A97B27A6}" destId="{5FFA856C-8ADD-4763-A40D-951708A30570}" srcOrd="1" destOrd="0" presId="urn:microsoft.com/office/officeart/2005/8/layout/orgChart1"/>
+    <dgm:cxn modelId="{778BC946-FB9B-4D51-9F7A-6B0FC2D8C983}" type="presOf" srcId="{E6311717-626B-4F2E-8BA4-4749270F9D06}" destId="{6886E319-FB3E-452F-B7FB-7E98E7B1D368}" srcOrd="0" destOrd="0" presId="urn:microsoft.com/office/officeart/2005/8/layout/orgChart1"/>
+    <dgm:cxn modelId="{96C9CF47-C499-4603-B355-C6FBE63D20E9}" type="presOf" srcId="{FCCC2359-B1B4-4E25-B09E-16EC57C8DB6D}" destId="{6E0094E9-BFCA-459C-88BC-ABA6C563CD01}" srcOrd="0" destOrd="0" presId="urn:microsoft.com/office/officeart/2005/8/layout/orgChart1"/>
+    <dgm:cxn modelId="{2879AB48-382F-41BF-80AC-2770A814D53D}" type="presOf" srcId="{3683DBEA-13EA-4D07-80BB-2A9C73E28BC7}" destId="{F93AC859-D706-44B9-BF98-FEDB85C4218E}" srcOrd="1" destOrd="0" presId="urn:microsoft.com/office/officeart/2005/8/layout/orgChart1"/>
+    <dgm:cxn modelId="{54CBDD48-3047-46B0-99FC-1B9D122E0554}" type="presOf" srcId="{3009C225-DAB8-4C2A-AFC8-1DDE699788BC}" destId="{03FF087F-9598-49F1-B06A-BEEA5FE444BE}" srcOrd="0" destOrd="0" presId="urn:microsoft.com/office/officeart/2005/8/layout/orgChart1"/>
+    <dgm:cxn modelId="{4D3D5D6A-B1A9-416D-B0FC-B00276484BE3}" srcId="{015AF7D0-D76E-44A5-9605-62050BAB1CA5}" destId="{3F4980FD-EF6F-4B4E-A1F5-28A0A97B27A6}" srcOrd="0" destOrd="0" parTransId="{52A80B56-7485-4B03-B3D2-6D2828247E72}" sibTransId="{D578B3E2-43E3-4F35-99DB-2DEE8CD3386D}"/>
+    <dgm:cxn modelId="{5CD0154F-CE0C-49B3-B596-E17B5A7959CD}" type="presOf" srcId="{B40732E3-D83B-4A0D-B83F-360EB34587FC}" destId="{B51639BB-0F5A-43D2-86F5-00ADDBE24D3B}" srcOrd="0" destOrd="0" presId="urn:microsoft.com/office/officeart/2005/8/layout/orgChart1"/>
+    <dgm:cxn modelId="{74E1B152-3868-4E62-8A56-FCDB03FEB579}" type="presOf" srcId="{879AEA08-7979-4D3D-839D-647ADF37C920}" destId="{A7FEED8A-90B3-40A8-9710-599D104043AB}" srcOrd="0" destOrd="0" presId="urn:microsoft.com/office/officeart/2005/8/layout/orgChart1"/>
+    <dgm:cxn modelId="{58AAFD73-F6A8-4DE7-B642-EF802EEB53CA}" srcId="{3683DBEA-13EA-4D07-80BB-2A9C73E28BC7}" destId="{88C35971-9065-40A2-ADEF-892C1EB0C708}" srcOrd="0" destOrd="0" parTransId="{3009C225-DAB8-4C2A-AFC8-1DDE699788BC}" sibTransId="{E3486A5E-CC18-476D-A4F6-0D120C3A2883}"/>
+    <dgm:cxn modelId="{F830755A-25DD-406C-BA46-08CC3A176937}" type="presOf" srcId="{72804C54-EB47-481E-A45B-B2E5B8C53D6C}" destId="{D43A2A74-84AB-4A26-AA4D-1A80AB1B0B11}" srcOrd="1" destOrd="0" presId="urn:microsoft.com/office/officeart/2005/8/layout/orgChart1"/>
+    <dgm:cxn modelId="{8A71DF5A-B245-4E54-8BCA-FA5E0A8A2882}" type="presOf" srcId="{C78D9D7A-38EB-4EA2-B307-6FF36F07A647}" destId="{86B09D1C-A1EB-4CC0-9369-CEF94FCCAFF6}" srcOrd="0" destOrd="0" presId="urn:microsoft.com/office/officeart/2005/8/layout/orgChart1"/>
+    <dgm:cxn modelId="{7FEFEF7A-E5D3-4A12-93E7-94AF60F7957F}" type="presOf" srcId="{67B9A95F-5AAE-4893-BD93-75B377676DA9}" destId="{38B64126-36AF-4457-A9AF-DBDB72EBB65F}" srcOrd="0" destOrd="0" presId="urn:microsoft.com/office/officeart/2005/8/layout/orgChart1"/>
+    <dgm:cxn modelId="{DC217082-7E9D-4F27-97CB-41FE7651AEBC}" srcId="{B40732E3-D83B-4A0D-B83F-360EB34587FC}" destId="{E6311717-626B-4F2E-8BA4-4749270F9D06}" srcOrd="3" destOrd="0" parTransId="{2E7DFCAA-C388-4E94-958C-CE53F688EABF}" sibTransId="{BFC9333D-6BAC-4475-907E-31C6669F5B68}"/>
+    <dgm:cxn modelId="{CF049688-86BB-439F-9270-69A106E1345B}" type="presOf" srcId="{B40732E3-D83B-4A0D-B83F-360EB34587FC}" destId="{758FB412-75EB-43C4-9A45-4EEDD4A0602B}" srcOrd="1" destOrd="0" presId="urn:microsoft.com/office/officeart/2005/8/layout/orgChart1"/>
+    <dgm:cxn modelId="{B1AE0F8A-1636-41D9-BD57-41B59E29FE4B}" srcId="{B40732E3-D83B-4A0D-B83F-360EB34587FC}" destId="{3683DBEA-13EA-4D07-80BB-2A9C73E28BC7}" srcOrd="1" destOrd="0" parTransId="{67B9A95F-5AAE-4893-BD93-75B377676DA9}" sibTransId="{B0255E0C-6565-434F-8BCD-5B7DB1513743}"/>
+    <dgm:cxn modelId="{39587E8F-002D-472F-AA64-12260021003B}" type="presOf" srcId="{F2D58DA3-C531-4A24-A0F4-325459A4ADBB}" destId="{CFC029BB-BFA8-4BB8-BFB7-4D383D436251}" srcOrd="0" destOrd="0" presId="urn:microsoft.com/office/officeart/2005/8/layout/orgChart1"/>
+    <dgm:cxn modelId="{5DD08D98-49A7-4650-884F-3497BF1E8832}" type="presOf" srcId="{879AEA08-7979-4D3D-839D-647ADF37C920}" destId="{139767D0-1B6A-4DEC-82EA-CA34B7908E8C}" srcOrd="1" destOrd="0" presId="urn:microsoft.com/office/officeart/2005/8/layout/orgChart1"/>
+    <dgm:cxn modelId="{60675B99-9505-42F3-81BF-C18CDC39F757}" type="presOf" srcId="{3683DBEA-13EA-4D07-80BB-2A9C73E28BC7}" destId="{8FBEFB16-B63A-4636-8866-0E948E61ADDF}" srcOrd="0" destOrd="0" presId="urn:microsoft.com/office/officeart/2005/8/layout/orgChart1"/>
+    <dgm:cxn modelId="{BCD03BA7-C492-4CC4-9C9E-4B5A5FE52ED0}" type="presOf" srcId="{EF5ED396-5E88-4BBC-84CB-6F45A49A3378}" destId="{8853B27D-E2ED-4574-A493-8C7421898EAB}" srcOrd="1" destOrd="0" presId="urn:microsoft.com/office/officeart/2005/8/layout/orgChart1"/>
+    <dgm:cxn modelId="{14B2FFA7-6FC5-4E05-B228-DE1D34001A0D}" type="presOf" srcId="{88C35971-9065-40A2-ADEF-892C1EB0C708}" destId="{87965645-DE17-4D52-B6F8-B3991B6D3BAC}" srcOrd="1" destOrd="0" presId="urn:microsoft.com/office/officeart/2005/8/layout/orgChart1"/>
+    <dgm:cxn modelId="{EFAC01BB-47CD-4EB9-ACC9-B366712C66BD}" type="presOf" srcId="{5B4F2434-D8DD-4151-922E-584A22EFA7A0}" destId="{4303BFC2-E04C-45EE-8155-623104C18A12}" srcOrd="0" destOrd="0" presId="urn:microsoft.com/office/officeart/2005/8/layout/orgChart1"/>
+    <dgm:cxn modelId="{628F04BD-F5AD-4AF6-AA14-6BBF4A291541}" type="presOf" srcId="{015AF7D0-D76E-44A5-9605-62050BAB1CA5}" destId="{71FDB553-A13F-40B2-9364-F34952E7A075}" srcOrd="0" destOrd="0" presId="urn:microsoft.com/office/officeart/2005/8/layout/orgChart1"/>
+    <dgm:cxn modelId="{AF208AC8-BCA7-4DAF-8C20-7E445C8F898D}" type="presOf" srcId="{3F4980FD-EF6F-4B4E-A1F5-28A0A97B27A6}" destId="{38B3BE6E-3C5B-4D07-B728-D17BFBD35733}" srcOrd="0" destOrd="0" presId="urn:microsoft.com/office/officeart/2005/8/layout/orgChart1"/>
+    <dgm:cxn modelId="{F0BDB2C8-0EAF-4FA8-9283-98EEA9CE0683}" srcId="{B40732E3-D83B-4A0D-B83F-360EB34587FC}" destId="{015AF7D0-D76E-44A5-9605-62050BAB1CA5}" srcOrd="2" destOrd="0" parTransId="{F561F8EC-5B91-4850-859C-CA54A0937659}" sibTransId="{F3974A1F-A4F0-46A1-BC32-246F4DD3CBAC}"/>
     <dgm:cxn modelId="{28053ACB-B7FF-4C13-8BEA-A365C2AE3F7C}" srcId="{B40732E3-D83B-4A0D-B83F-360EB34587FC}" destId="{F2D58DA3-C531-4A24-A0F4-325459A4ADBB}" srcOrd="0" destOrd="0" parTransId="{9CAABF4B-0500-439A-9F39-494F085689C6}" sibTransId="{C9B3C0E1-B3F6-4D47-943A-4764F18DAE73}"/>
-    <dgm:cxn modelId="{74E1B152-3868-4E62-8A56-FCDB03FEB579}" type="presOf" srcId="{879AEA08-7979-4D3D-839D-647ADF37C920}" destId="{A7FEED8A-90B3-40A8-9710-599D104043AB}" srcOrd="0" destOrd="0" presId="urn:microsoft.com/office/officeart/2005/8/layout/orgChart1"/>
-    <dgm:cxn modelId="{6A3C0600-8A1D-48F6-9527-17B836663D42}" type="presOf" srcId="{88C35971-9065-40A2-ADEF-892C1EB0C708}" destId="{FCA401A7-F0F7-4FCF-AADC-8BDAE59B8B50}" srcOrd="0" destOrd="0" presId="urn:microsoft.com/office/officeart/2005/8/layout/orgChart1"/>
-    <dgm:cxn modelId="{733EC13B-81E3-4ED4-BF18-43B84C3A9D9E}" srcId="{E6311717-626B-4F2E-8BA4-4749270F9D06}" destId="{72804C54-EB47-481E-A45B-B2E5B8C53D6C}" srcOrd="2" destOrd="0" parTransId="{06C2359A-7261-42EA-8613-374494480BDD}" sibTransId="{D44EDC02-84DE-4BBF-8E71-1B1F5EAAC39D}"/>
-    <dgm:cxn modelId="{9F44B509-7A60-42A8-A38C-4E71F03A105F}" type="presOf" srcId="{015AF7D0-D76E-44A5-9605-62050BAB1CA5}" destId="{DFF679EC-605C-4B1A-B940-0F2325A1CEAE}" srcOrd="1" destOrd="0" presId="urn:microsoft.com/office/officeart/2005/8/layout/orgChart1"/>
-    <dgm:cxn modelId="{54CBDD48-3047-46B0-99FC-1B9D122E0554}" type="presOf" srcId="{3009C225-DAB8-4C2A-AFC8-1DDE699788BC}" destId="{03FF087F-9598-49F1-B06A-BEEA5FE444BE}" srcOrd="0" destOrd="0" presId="urn:microsoft.com/office/officeart/2005/8/layout/orgChart1"/>
+    <dgm:cxn modelId="{073E6FD5-DCDD-4272-A4D5-5FFC59FB1D83}" type="presOf" srcId="{FCCC2359-B1B4-4E25-B09E-16EC57C8DB6D}" destId="{648E9F38-1905-4A63-A134-4DDAFCD2816A}" srcOrd="1" destOrd="0" presId="urn:microsoft.com/office/officeart/2005/8/layout/orgChart1"/>
+    <dgm:cxn modelId="{F7A761E3-8F1A-4DB8-BB39-005A84AA99C6}" type="presOf" srcId="{9CAABF4B-0500-439A-9F39-494F085689C6}" destId="{4D64F637-88F3-4121-B3C9-8855CD196B51}" srcOrd="0" destOrd="0" presId="urn:microsoft.com/office/officeart/2005/8/layout/orgChart1"/>
+    <dgm:cxn modelId="{8F8ECCEE-8260-482A-BF3E-076722E9FAE2}" type="presOf" srcId="{52A80B56-7485-4B03-B3D2-6D2828247E72}" destId="{1F206DE1-D320-46AA-A7E0-DFA20F637A98}" srcOrd="0" destOrd="0" presId="urn:microsoft.com/office/officeart/2005/8/layout/orgChart1"/>
+    <dgm:cxn modelId="{90D35BEF-CDC0-4516-A4CC-5CE2F8B5BB2B}" type="presOf" srcId="{72804C54-EB47-481E-A45B-B2E5B8C53D6C}" destId="{0DC3DC40-19DF-4F55-BB65-FDF102577F73}" srcOrd="0" destOrd="0" presId="urn:microsoft.com/office/officeart/2005/8/layout/orgChart1"/>
     <dgm:cxn modelId="{B12A58EF-D32D-46E5-87D1-692BDA28F3ED}" type="presOf" srcId="{F2D58DA3-C531-4A24-A0F4-325459A4ADBB}" destId="{F4505FAD-30A2-4A4A-9D58-F3F01643B98C}" srcOrd="1" destOrd="0" presId="urn:microsoft.com/office/officeart/2005/8/layout/orgChart1"/>
-    <dgm:cxn modelId="{EDA88B11-4D4B-4236-8796-31AF753F2035}" type="presOf" srcId="{CC8A2751-786B-451A-9150-116A08708715}" destId="{03F2C230-030C-42DC-BA3C-5C170C834056}" srcOrd="0" destOrd="0" presId="urn:microsoft.com/office/officeart/2005/8/layout/orgChart1"/>
-    <dgm:cxn modelId="{89139D45-511D-481A-837C-CA47D4736149}" type="presOf" srcId="{3F4980FD-EF6F-4B4E-A1F5-28A0A97B27A6}" destId="{5FFA856C-8ADD-4763-A40D-951708A30570}" srcOrd="1" destOrd="0" presId="urn:microsoft.com/office/officeart/2005/8/layout/orgChart1"/>
-    <dgm:cxn modelId="{073E6FD5-DCDD-4272-A4D5-5FFC59FB1D83}" type="presOf" srcId="{FCCC2359-B1B4-4E25-B09E-16EC57C8DB6D}" destId="{648E9F38-1905-4A63-A134-4DDAFCD2816A}" srcOrd="1" destOrd="0" presId="urn:microsoft.com/office/officeart/2005/8/layout/orgChart1"/>
-    <dgm:cxn modelId="{9C729F2E-71A6-4EFA-9E33-4F73F3F01334}" srcId="{CC8A2751-786B-451A-9150-116A08708715}" destId="{B40732E3-D83B-4A0D-B83F-360EB34587FC}" srcOrd="0" destOrd="0" parTransId="{67A00846-B571-4B51-ABA6-D89B495506BD}" sibTransId="{AAC40745-BE59-45B4-B602-585B229DE1FC}"/>
-    <dgm:cxn modelId="{5CD0154F-CE0C-49B3-B596-E17B5A7959CD}" type="presOf" srcId="{B40732E3-D83B-4A0D-B83F-360EB34587FC}" destId="{B51639BB-0F5A-43D2-86F5-00ADDBE24D3B}" srcOrd="0" destOrd="0" presId="urn:microsoft.com/office/officeart/2005/8/layout/orgChart1"/>
-    <dgm:cxn modelId="{8A71DF5A-B245-4E54-8BCA-FA5E0A8A2882}" type="presOf" srcId="{C78D9D7A-38EB-4EA2-B307-6FF36F07A647}" destId="{86B09D1C-A1EB-4CC0-9369-CEF94FCCAFF6}" srcOrd="0" destOrd="0" presId="urn:microsoft.com/office/officeart/2005/8/layout/orgChart1"/>
-    <dgm:cxn modelId="{AF208AC8-BCA7-4DAF-8C20-7E445C8F898D}" type="presOf" srcId="{3F4980FD-EF6F-4B4E-A1F5-28A0A97B27A6}" destId="{38B3BE6E-3C5B-4D07-B728-D17BFBD35733}" srcOrd="0" destOrd="0" presId="urn:microsoft.com/office/officeart/2005/8/layout/orgChart1"/>
-    <dgm:cxn modelId="{EFAC01BB-47CD-4EB9-ACC9-B366712C66BD}" type="presOf" srcId="{5B4F2434-D8DD-4151-922E-584A22EFA7A0}" destId="{4303BFC2-E04C-45EE-8155-623104C18A12}" srcOrd="0" destOrd="0" presId="urn:microsoft.com/office/officeart/2005/8/layout/orgChart1"/>
-    <dgm:cxn modelId="{96C9CF47-C499-4603-B355-C6FBE63D20E9}" type="presOf" srcId="{FCCC2359-B1B4-4E25-B09E-16EC57C8DB6D}" destId="{6E0094E9-BFCA-459C-88BC-ABA6C563CD01}" srcOrd="0" destOrd="0" presId="urn:microsoft.com/office/officeart/2005/8/layout/orgChart1"/>
-    <dgm:cxn modelId="{7FEFEF7A-E5D3-4A12-93E7-94AF60F7957F}" type="presOf" srcId="{67B9A95F-5AAE-4893-BD93-75B377676DA9}" destId="{38B64126-36AF-4457-A9AF-DBDB72EBB65F}" srcOrd="0" destOrd="0" presId="urn:microsoft.com/office/officeart/2005/8/layout/orgChart1"/>
+    <dgm:cxn modelId="{9C8FFDF2-D1BC-4084-A7A0-444779F02A1F}" srcId="{E6311717-626B-4F2E-8BA4-4749270F9D06}" destId="{FCCC2359-B1B4-4E25-B09E-16EC57C8DB6D}" srcOrd="0" destOrd="0" parTransId="{5B4F2434-D8DD-4151-922E-584A22EFA7A0}" sibTransId="{837061D8-ED10-4223-B4D1-661A7C150089}"/>
     <dgm:cxn modelId="{605DC1F7-0305-4775-8DB2-A20E756770EC}" srcId="{F2D58DA3-C531-4A24-A0F4-325459A4ADBB}" destId="{EF5ED396-5E88-4BBC-84CB-6F45A49A3378}" srcOrd="0" destOrd="0" parTransId="{C78D9D7A-38EB-4EA2-B307-6FF36F07A647}" sibTransId="{18D636DF-262E-4117-B1AD-126D065F16EF}"/>
-    <dgm:cxn modelId="{5DD08D98-49A7-4650-884F-3497BF1E8832}" type="presOf" srcId="{879AEA08-7979-4D3D-839D-647ADF37C920}" destId="{139767D0-1B6A-4DEC-82EA-CA34B7908E8C}" srcOrd="1" destOrd="0" presId="urn:microsoft.com/office/officeart/2005/8/layout/orgChart1"/>
-    <dgm:cxn modelId="{FA83CE23-4FE5-4225-A7B3-A7699E2B2F73}" type="presOf" srcId="{EF5ED396-5E88-4BBC-84CB-6F45A49A3378}" destId="{591188EB-F623-43D7-BA29-5B1437610DE0}" srcOrd="0" destOrd="0" presId="urn:microsoft.com/office/officeart/2005/8/layout/orgChart1"/>
-    <dgm:cxn modelId="{8F8ECCEE-8260-482A-BF3E-076722E9FAE2}" type="presOf" srcId="{52A80B56-7485-4B03-B3D2-6D2828247E72}" destId="{1F206DE1-D320-46AA-A7E0-DFA20F637A98}" srcOrd="0" destOrd="0" presId="urn:microsoft.com/office/officeart/2005/8/layout/orgChart1"/>
-    <dgm:cxn modelId="{4ECFF80C-61D1-4B5D-871A-37A22665546F}" srcId="{E6311717-626B-4F2E-8BA4-4749270F9D06}" destId="{879AEA08-7979-4D3D-839D-647ADF37C920}" srcOrd="1" destOrd="0" parTransId="{24530C57-D9B0-4448-8DF2-8AC940705EBB}" sibTransId="{FF7C5B4A-0CF2-4EFA-B8E7-C6B32931946A}"/>
-    <dgm:cxn modelId="{B1AE0F8A-1636-41D9-BD57-41B59E29FE4B}" srcId="{B40732E3-D83B-4A0D-B83F-360EB34587FC}" destId="{3683DBEA-13EA-4D07-80BB-2A9C73E28BC7}" srcOrd="1" destOrd="0" parTransId="{67B9A95F-5AAE-4893-BD93-75B377676DA9}" sibTransId="{B0255E0C-6565-434F-8BCD-5B7DB1513743}"/>
-    <dgm:cxn modelId="{58AAFD73-F6A8-4DE7-B642-EF802EEB53CA}" srcId="{3683DBEA-13EA-4D07-80BB-2A9C73E28BC7}" destId="{88C35971-9065-40A2-ADEF-892C1EB0C708}" srcOrd="0" destOrd="0" parTransId="{3009C225-DAB8-4C2A-AFC8-1DDE699788BC}" sibTransId="{E3486A5E-CC18-476D-A4F6-0D120C3A2883}"/>
-    <dgm:cxn modelId="{F7A761E3-8F1A-4DB8-BB39-005A84AA99C6}" type="presOf" srcId="{9CAABF4B-0500-439A-9F39-494F085689C6}" destId="{4D64F637-88F3-4121-B3C9-8855CD196B51}" srcOrd="0" destOrd="0" presId="urn:microsoft.com/office/officeart/2005/8/layout/orgChart1"/>
-    <dgm:cxn modelId="{2879AB48-382F-41BF-80AC-2770A814D53D}" type="presOf" srcId="{3683DBEA-13EA-4D07-80BB-2A9C73E28BC7}" destId="{F93AC859-D706-44B9-BF98-FEDB85C4218E}" srcOrd="1" destOrd="0" presId="urn:microsoft.com/office/officeart/2005/8/layout/orgChart1"/>
-    <dgm:cxn modelId="{9C8FFDF2-D1BC-4084-A7A0-444779F02A1F}" srcId="{E6311717-626B-4F2E-8BA4-4749270F9D06}" destId="{FCCC2359-B1B4-4E25-B09E-16EC57C8DB6D}" srcOrd="0" destOrd="0" parTransId="{5B4F2434-D8DD-4151-922E-584A22EFA7A0}" sibTransId="{837061D8-ED10-4223-B4D1-661A7C150089}"/>
+    <dgm:cxn modelId="{13FB15FB-2C7A-4CD9-BED7-4C7B0A099156}" type="presOf" srcId="{F561F8EC-5B91-4850-859C-CA54A0937659}" destId="{11177717-C592-4673-927F-384602F23B9A}" srcOrd="0" destOrd="0" presId="urn:microsoft.com/office/officeart/2005/8/layout/orgChart1"/>
     <dgm:cxn modelId="{BD4F79FB-52F5-42C0-9A65-63462EAD029B}" type="presOf" srcId="{06C2359A-7261-42EA-8613-374494480BDD}" destId="{A72DF487-A092-48FD-B999-071B96735D42}" srcOrd="0" destOrd="0" presId="urn:microsoft.com/office/officeart/2005/8/layout/orgChart1"/>
-    <dgm:cxn modelId="{3F60072D-C90E-42B7-A9EA-4FF3F61B533C}" type="presOf" srcId="{2E7DFCAA-C388-4E94-958C-CE53F688EABF}" destId="{212AD8D4-1297-45BA-B232-D51A16EE5B75}" srcOrd="0" destOrd="0" presId="urn:microsoft.com/office/officeart/2005/8/layout/orgChart1"/>
-    <dgm:cxn modelId="{628F04BD-F5AD-4AF6-AA14-6BBF4A291541}" type="presOf" srcId="{015AF7D0-D76E-44A5-9605-62050BAB1CA5}" destId="{71FDB553-A13F-40B2-9364-F34952E7A075}" srcOrd="0" destOrd="0" presId="urn:microsoft.com/office/officeart/2005/8/layout/orgChart1"/>
-    <dgm:cxn modelId="{39587E8F-002D-472F-AA64-12260021003B}" type="presOf" srcId="{F2D58DA3-C531-4A24-A0F4-325459A4ADBB}" destId="{CFC029BB-BFA8-4BB8-BFB7-4D383D436251}" srcOrd="0" destOrd="0" presId="urn:microsoft.com/office/officeart/2005/8/layout/orgChart1"/>
-    <dgm:cxn modelId="{60675B99-9505-42F3-81BF-C18CDC39F757}" type="presOf" srcId="{3683DBEA-13EA-4D07-80BB-2A9C73E28BC7}" destId="{8FBEFB16-B63A-4636-8866-0E948E61ADDF}" srcOrd="0" destOrd="0" presId="urn:microsoft.com/office/officeart/2005/8/layout/orgChart1"/>
-    <dgm:cxn modelId="{14B2FFA7-6FC5-4E05-B228-DE1D34001A0D}" type="presOf" srcId="{88C35971-9065-40A2-ADEF-892C1EB0C708}" destId="{87965645-DE17-4D52-B6F8-B3991B6D3BAC}" srcOrd="1" destOrd="0" presId="urn:microsoft.com/office/officeart/2005/8/layout/orgChart1"/>
-    <dgm:cxn modelId="{F0BDB2C8-0EAF-4FA8-9283-98EEA9CE0683}" srcId="{B40732E3-D83B-4A0D-B83F-360EB34587FC}" destId="{015AF7D0-D76E-44A5-9605-62050BAB1CA5}" srcOrd="2" destOrd="0" parTransId="{F561F8EC-5B91-4850-859C-CA54A0937659}" sibTransId="{F3974A1F-A4F0-46A1-BC32-246F4DD3CBAC}"/>
-    <dgm:cxn modelId="{DC217082-7E9D-4F27-97CB-41FE7651AEBC}" srcId="{B40732E3-D83B-4A0D-B83F-360EB34587FC}" destId="{E6311717-626B-4F2E-8BA4-4749270F9D06}" srcOrd="3" destOrd="0" parTransId="{2E7DFCAA-C388-4E94-958C-CE53F688EABF}" sibTransId="{BFC9333D-6BAC-4475-907E-31C6669F5B68}"/>
-    <dgm:cxn modelId="{13FB15FB-2C7A-4CD9-BED7-4C7B0A099156}" type="presOf" srcId="{F561F8EC-5B91-4850-859C-CA54A0937659}" destId="{11177717-C592-4673-927F-384602F23B9A}" srcOrd="0" destOrd="0" presId="urn:microsoft.com/office/officeart/2005/8/layout/orgChart1"/>
-    <dgm:cxn modelId="{4D3D5D6A-B1A9-416D-B0FC-B00276484BE3}" srcId="{015AF7D0-D76E-44A5-9605-62050BAB1CA5}" destId="{3F4980FD-EF6F-4B4E-A1F5-28A0A97B27A6}" srcOrd="0" destOrd="0" parTransId="{52A80B56-7485-4B03-B3D2-6D2828247E72}" sibTransId="{D578B3E2-43E3-4F35-99DB-2DEE8CD3386D}"/>
-    <dgm:cxn modelId="{BCD03BA7-C492-4CC4-9C9E-4B5A5FE52ED0}" type="presOf" srcId="{EF5ED396-5E88-4BBC-84CB-6F45A49A3378}" destId="{8853B27D-E2ED-4574-A493-8C7421898EAB}" srcOrd="1" destOrd="0" presId="urn:microsoft.com/office/officeart/2005/8/layout/orgChart1"/>
-    <dgm:cxn modelId="{90D35BEF-CDC0-4516-A4CC-5CE2F8B5BB2B}" type="presOf" srcId="{72804C54-EB47-481E-A45B-B2E5B8C53D6C}" destId="{0DC3DC40-19DF-4F55-BB65-FDF102577F73}" srcOrd="0" destOrd="0" presId="urn:microsoft.com/office/officeart/2005/8/layout/orgChart1"/>
-    <dgm:cxn modelId="{CF049688-86BB-439F-9270-69A106E1345B}" type="presOf" srcId="{B40732E3-D83B-4A0D-B83F-360EB34587FC}" destId="{758FB412-75EB-43C4-9A45-4EEDD4A0602B}" srcOrd="1" destOrd="0" presId="urn:microsoft.com/office/officeart/2005/8/layout/orgChart1"/>
-    <dgm:cxn modelId="{EA198725-FC67-41F6-B3E2-54686D7D83CD}" type="presOf" srcId="{24530C57-D9B0-4448-8DF2-8AC940705EBB}" destId="{D7C78D3F-DA6E-4FBF-A0A5-13A444F434B7}" srcOrd="0" destOrd="0" presId="urn:microsoft.com/office/officeart/2005/8/layout/orgChart1"/>
-    <dgm:cxn modelId="{F830755A-25DD-406C-BA46-08CC3A176937}" type="presOf" srcId="{72804C54-EB47-481E-A45B-B2E5B8C53D6C}" destId="{D43A2A74-84AB-4A26-AA4D-1A80AB1B0B11}" srcOrd="1" destOrd="0" presId="urn:microsoft.com/office/officeart/2005/8/layout/orgChart1"/>
-    <dgm:cxn modelId="{4AD25827-91BB-4519-BDC3-56B9D7376E97}" type="presOf" srcId="{E6311717-626B-4F2E-8BA4-4749270F9D06}" destId="{A3C23058-F3BD-44C1-8F0D-2227F3E3C797}" srcOrd="1" destOrd="0" presId="urn:microsoft.com/office/officeart/2005/8/layout/orgChart1"/>
-    <dgm:cxn modelId="{778BC946-FB9B-4D51-9F7A-6B0FC2D8C983}" type="presOf" srcId="{E6311717-626B-4F2E-8BA4-4749270F9D06}" destId="{6886E319-FB3E-452F-B7FB-7E98E7B1D368}" srcOrd="0" destOrd="0" presId="urn:microsoft.com/office/officeart/2005/8/layout/orgChart1"/>
     <dgm:cxn modelId="{B4E0D0F5-A792-4B9F-9AEB-408FD2CA0386}" type="presParOf" srcId="{03F2C230-030C-42DC-BA3C-5C170C834056}" destId="{298AA42C-39C2-48F7-BDA1-262B7B503497}" srcOrd="0" destOrd="0" presId="urn:microsoft.com/office/officeart/2005/8/layout/orgChart1"/>
     <dgm:cxn modelId="{9633D476-BB5C-46D2-BDFF-B06854AE0A16}" type="presParOf" srcId="{298AA42C-39C2-48F7-BDA1-262B7B503497}" destId="{07DD2576-A947-4369-B5CE-6A2B7C002106}" srcOrd="0" destOrd="0" presId="urn:microsoft.com/office/officeart/2005/8/layout/orgChart1"/>
     <dgm:cxn modelId="{87D82D80-306B-4F8F-B415-7F779CB26F82}" type="presParOf" srcId="{07DD2576-A947-4369-B5CE-6A2B7C002106}" destId="{B51639BB-0F5A-43D2-86F5-00ADDBE24D3B}" srcOrd="0" destOrd="0" presId="urn:microsoft.com/office/officeart/2005/8/layout/orgChart1"/>
@@ -3239,7 +2936,7 @@
         </a:bodyPr>
         <a:lstStyle/>
         <a:p>
-          <a:pPr lvl="0" algn="ctr" defTabSz="622300" latinLnBrk="1">
+          <a:pPr marL="0" lvl="0" indent="0" algn="ctr" defTabSz="622300" latinLnBrk="1">
             <a:lnSpc>
               <a:spcPct val="90000"/>
             </a:lnSpc>
@@ -3249,23 +2946,19 @@
             <a:spcAft>
               <a:spcPct val="35000"/>
             </a:spcAft>
+            <a:buNone/>
           </a:pPr>
           <a:r>
-            <a:rPr lang="en-US" altLang="ko-KR" sz="1400" kern="1200" dirty="0" smtClean="0">
+            <a:rPr lang="en-US" altLang="ko-KR" sz="1400" kern="1200" dirty="0">
               <a:solidFill>
                 <a:schemeClr val="bg1"/>
               </a:solidFill>
             </a:rPr>
             <a:t>Amuse2</a:t>
           </a:r>
-          <a:endParaRPr lang="en-US" altLang="ko-KR" sz="1400" kern="1200" dirty="0" smtClean="0">
-            <a:solidFill>
-              <a:schemeClr val="bg1"/>
-            </a:solidFill>
-          </a:endParaRPr>
         </a:p>
         <a:p>
-          <a:pPr lvl="0" algn="ctr" defTabSz="622300" latinLnBrk="1">
+          <a:pPr marL="0" lvl="0" indent="0" algn="ctr" defTabSz="622300" latinLnBrk="1">
             <a:lnSpc>
               <a:spcPct val="90000"/>
             </a:lnSpc>
@@ -3275,9 +2968,10 @@
             <a:spcAft>
               <a:spcPct val="35000"/>
             </a:spcAft>
+            <a:buNone/>
           </a:pPr>
           <a:r>
-            <a:rPr lang="en-US" altLang="ko-KR" sz="1400" kern="1200" dirty="0" smtClean="0">
+            <a:rPr lang="en-US" altLang="ko-KR" sz="1400" kern="1200" dirty="0">
               <a:solidFill>
                 <a:schemeClr val="bg1"/>
               </a:solidFill>
@@ -3351,7 +3045,7 @@
         </a:bodyPr>
         <a:lstStyle/>
         <a:p>
-          <a:pPr lvl="0" algn="ctr" defTabSz="622300" latinLnBrk="1">
+          <a:pPr marL="0" lvl="0" indent="0" algn="ctr" defTabSz="622300" latinLnBrk="1">
             <a:lnSpc>
               <a:spcPct val="90000"/>
             </a:lnSpc>
@@ -3361,20 +3055,16 @@
             <a:spcAft>
               <a:spcPct val="35000"/>
             </a:spcAft>
+            <a:buNone/>
           </a:pPr>
           <a:r>
-            <a:rPr lang="en-US" altLang="ko-KR" sz="1400" kern="1200" dirty="0" smtClean="0">
+            <a:rPr lang="en-US" altLang="ko-KR" sz="1400" kern="1200" dirty="0">
               <a:solidFill>
                 <a:schemeClr val="bg1"/>
               </a:solidFill>
             </a:rPr>
             <a:t>Inputamuseclass2</a:t>
           </a:r>
-          <a:endParaRPr lang="en-US" altLang="ko-KR" sz="1400" kern="1200" dirty="0" smtClean="0">
-            <a:solidFill>
-              <a:schemeClr val="bg1"/>
-            </a:solidFill>
-          </a:endParaRPr>
         </a:p>
       </dsp:txBody>
       <dsp:txXfrm>
@@ -3437,7 +3127,7 @@
         </a:bodyPr>
         <a:lstStyle/>
         <a:p>
-          <a:pPr lvl="0" algn="ctr" defTabSz="622300" latinLnBrk="1">
+          <a:pPr marL="0" lvl="0" indent="0" algn="ctr" defTabSz="622300" latinLnBrk="1">
             <a:lnSpc>
               <a:spcPct val="90000"/>
             </a:lnSpc>
@@ -3447,9 +3137,10 @@
             <a:spcAft>
               <a:spcPct val="35000"/>
             </a:spcAft>
+            <a:buNone/>
           </a:pPr>
           <a:r>
-            <a:rPr lang="en-US" altLang="ko-KR" sz="1400" kern="1200" dirty="0" err="1" smtClean="0">
+            <a:rPr lang="en-US" altLang="ko-KR" sz="1400" kern="1200" dirty="0" err="1">
               <a:solidFill>
                 <a:schemeClr val="bg1"/>
               </a:solidFill>
@@ -3457,21 +3148,16 @@
             <a:t>daynightticket</a:t>
           </a:r>
           <a:r>
-            <a:rPr lang="en-US" altLang="ko-KR" sz="1400" kern="1200" dirty="0" smtClean="0">
+            <a:rPr lang="en-US" altLang="ko-KR" sz="1400" kern="1200" dirty="0">
               <a:solidFill>
                 <a:schemeClr val="bg1"/>
               </a:solidFill>
             </a:rPr>
             <a:t>()</a:t>
           </a:r>
-          <a:endParaRPr lang="en-US" altLang="ko-KR" sz="1400" kern="1200" dirty="0" smtClean="0">
-            <a:solidFill>
-              <a:schemeClr val="bg1"/>
-            </a:solidFill>
-          </a:endParaRPr>
         </a:p>
         <a:p>
-          <a:pPr lvl="0" algn="ctr" defTabSz="622300" latinLnBrk="1">
+          <a:pPr marL="0" lvl="0" indent="0" algn="ctr" defTabSz="622300" latinLnBrk="1">
             <a:lnSpc>
               <a:spcPct val="90000"/>
             </a:lnSpc>
@@ -3481,9 +3167,10 @@
             <a:spcAft>
               <a:spcPct val="35000"/>
             </a:spcAft>
+            <a:buNone/>
           </a:pPr>
           <a:r>
-            <a:rPr lang="en-US" altLang="ko-KR" sz="1400" kern="1200" dirty="0" err="1" smtClean="0">
+            <a:rPr lang="en-US" altLang="ko-KR" sz="1400" kern="1200" dirty="0" err="1">
               <a:solidFill>
                 <a:schemeClr val="bg1"/>
               </a:solidFill>
@@ -3491,7 +3178,7 @@
             <a:t>customeridselect</a:t>
           </a:r>
           <a:r>
-            <a:rPr lang="en-US" altLang="ko-KR" sz="1400" kern="1200" dirty="0" smtClean="0">
+            <a:rPr lang="en-US" altLang="ko-KR" sz="1400" kern="1200" dirty="0">
               <a:solidFill>
                 <a:schemeClr val="bg1"/>
               </a:solidFill>
@@ -3500,7 +3187,7 @@
           </a:r>
         </a:p>
         <a:p>
-          <a:pPr lvl="0" algn="ctr" defTabSz="622300" latinLnBrk="1">
+          <a:pPr marL="0" lvl="0" indent="0" algn="ctr" defTabSz="622300" latinLnBrk="1">
             <a:lnSpc>
               <a:spcPct val="90000"/>
             </a:lnSpc>
@@ -3510,9 +3197,10 @@
             <a:spcAft>
               <a:spcPct val="35000"/>
             </a:spcAft>
+            <a:buNone/>
           </a:pPr>
           <a:r>
-            <a:rPr lang="en-US" altLang="ko-KR" sz="1400" kern="1200" dirty="0" err="1" smtClean="0">
+            <a:rPr lang="en-US" altLang="ko-KR" sz="1400" kern="1200" dirty="0" err="1">
               <a:solidFill>
                 <a:schemeClr val="bg1"/>
               </a:solidFill>
@@ -3520,7 +3208,7 @@
             <a:t>ordercount</a:t>
           </a:r>
           <a:r>
-            <a:rPr lang="en-US" altLang="ko-KR" sz="1400" kern="1200" dirty="0" smtClean="0">
+            <a:rPr lang="en-US" altLang="ko-KR" sz="1400" kern="1200" dirty="0">
               <a:solidFill>
                 <a:schemeClr val="bg1"/>
               </a:solidFill>
@@ -3529,7 +3217,7 @@
           </a:r>
         </a:p>
         <a:p>
-          <a:pPr lvl="0" algn="ctr" defTabSz="622300" latinLnBrk="1">
+          <a:pPr marL="0" lvl="0" indent="0" algn="ctr" defTabSz="622300" latinLnBrk="1">
             <a:lnSpc>
               <a:spcPct val="90000"/>
             </a:lnSpc>
@@ -3539,9 +3227,10 @@
             <a:spcAft>
               <a:spcPct val="35000"/>
             </a:spcAft>
+            <a:buNone/>
           </a:pPr>
           <a:r>
-            <a:rPr lang="en-US" altLang="ko-KR" sz="1400" kern="1200" dirty="0" smtClean="0">
+            <a:rPr lang="en-US" altLang="ko-KR" sz="1400" kern="1200" dirty="0">
               <a:solidFill>
                 <a:schemeClr val="bg1"/>
               </a:solidFill>
@@ -3550,7 +3239,7 @@
           </a:r>
         </a:p>
         <a:p>
-          <a:pPr lvl="0" algn="ctr" defTabSz="622300" latinLnBrk="1">
+          <a:pPr marL="0" lvl="0" indent="0" algn="ctr" defTabSz="622300" latinLnBrk="1">
             <a:lnSpc>
               <a:spcPct val="90000"/>
             </a:lnSpc>
@@ -3560,9 +3249,10 @@
             <a:spcAft>
               <a:spcPct val="35000"/>
             </a:spcAft>
+            <a:buNone/>
           </a:pPr>
           <a:r>
-            <a:rPr lang="en-US" altLang="ko-KR" sz="1400" kern="1200" dirty="0" err="1" smtClean="0">
+            <a:rPr lang="en-US" altLang="ko-KR" sz="1400" kern="1200" dirty="0" err="1">
               <a:solidFill>
                 <a:schemeClr val="bg1"/>
               </a:solidFill>
@@ -3570,7 +3260,7 @@
             <a:t>askcloseticket</a:t>
           </a:r>
           <a:r>
-            <a:rPr lang="en-US" altLang="ko-KR" sz="1400" kern="1200" dirty="0" smtClean="0">
+            <a:rPr lang="en-US" altLang="ko-KR" sz="1400" kern="1200" dirty="0">
               <a:solidFill>
                 <a:schemeClr val="bg1"/>
               </a:solidFill>
@@ -3579,7 +3269,7 @@
           </a:r>
         </a:p>
         <a:p>
-          <a:pPr lvl="0" algn="ctr" defTabSz="622300" latinLnBrk="1">
+          <a:pPr marL="0" lvl="0" indent="0" algn="ctr" defTabSz="622300" latinLnBrk="1">
             <a:lnSpc>
               <a:spcPct val="90000"/>
             </a:lnSpc>
@@ -3589,9 +3279,10 @@
             <a:spcAft>
               <a:spcPct val="35000"/>
             </a:spcAft>
+            <a:buNone/>
           </a:pPr>
           <a:r>
-            <a:rPr lang="en-US" altLang="ko-KR" sz="1400" kern="1200" dirty="0" err="1" smtClean="0">
+            <a:rPr lang="en-US" altLang="ko-KR" sz="1400" kern="1200" dirty="0" err="1">
               <a:solidFill>
                 <a:schemeClr val="bg1"/>
               </a:solidFill>
@@ -3599,7 +3290,7 @@
             <a:t>continueecheck</a:t>
           </a:r>
           <a:r>
-            <a:rPr lang="en-US" altLang="ko-KR" sz="1400" kern="1200" dirty="0" smtClean="0">
+            <a:rPr lang="en-US" altLang="ko-KR" sz="1400" kern="1200" dirty="0">
               <a:solidFill>
                 <a:schemeClr val="bg1"/>
               </a:solidFill>
@@ -3673,7 +3364,7 @@
         </a:bodyPr>
         <a:lstStyle/>
         <a:p>
-          <a:pPr lvl="0" algn="ctr" defTabSz="622300" latinLnBrk="1">
+          <a:pPr marL="0" lvl="0" indent="0" algn="ctr" defTabSz="622300" latinLnBrk="1">
             <a:lnSpc>
               <a:spcPct val="90000"/>
             </a:lnSpc>
@@ -3683,9 +3374,10 @@
             <a:spcAft>
               <a:spcPct val="35000"/>
             </a:spcAft>
+            <a:buNone/>
           </a:pPr>
           <a:r>
-            <a:rPr lang="en-US" altLang="ko-KR" sz="1400" kern="1200" dirty="0" smtClean="0">
+            <a:rPr lang="en-US" altLang="ko-KR" sz="1400" kern="1200" dirty="0">
               <a:solidFill>
                 <a:schemeClr val="bg1"/>
               </a:solidFill>
@@ -3759,7 +3451,7 @@
         </a:bodyPr>
         <a:lstStyle/>
         <a:p>
-          <a:pPr lvl="0" algn="ctr" defTabSz="622300" latinLnBrk="1">
+          <a:pPr marL="0" lvl="0" indent="0" algn="ctr" defTabSz="622300" latinLnBrk="1">
             <a:lnSpc>
               <a:spcPct val="90000"/>
             </a:lnSpc>
@@ -3769,9 +3461,10 @@
             <a:spcAft>
               <a:spcPct val="35000"/>
             </a:spcAft>
+            <a:buNone/>
           </a:pPr>
           <a:r>
-            <a:rPr lang="en-US" altLang="ko-KR" sz="1400" kern="1200" dirty="0" err="1" smtClean="0">
+            <a:rPr lang="en-US" altLang="ko-KR" sz="1400" kern="1200" dirty="0" err="1">
               <a:solidFill>
                 <a:schemeClr val="bg1"/>
               </a:solidFill>
@@ -3779,21 +3472,16 @@
             <a:t>dayageprice</a:t>
           </a:r>
           <a:r>
-            <a:rPr lang="en-US" altLang="ko-KR" sz="1400" kern="1200" dirty="0" smtClean="0">
+            <a:rPr lang="en-US" altLang="ko-KR" sz="1400" kern="1200" dirty="0">
               <a:solidFill>
                 <a:schemeClr val="bg1"/>
               </a:solidFill>
             </a:rPr>
             <a:t>[]</a:t>
           </a:r>
-          <a:endParaRPr lang="en-US" altLang="ko-KR" sz="1400" kern="1200" dirty="0" smtClean="0">
-            <a:solidFill>
-              <a:schemeClr val="bg1"/>
-            </a:solidFill>
-          </a:endParaRPr>
         </a:p>
         <a:p>
-          <a:pPr lvl="0" algn="ctr" defTabSz="622300" latinLnBrk="1">
+          <a:pPr marL="0" lvl="0" indent="0" algn="ctr" defTabSz="622300" latinLnBrk="1">
             <a:lnSpc>
               <a:spcPct val="90000"/>
             </a:lnSpc>
@@ -3803,9 +3491,10 @@
             <a:spcAft>
               <a:spcPct val="35000"/>
             </a:spcAft>
+            <a:buNone/>
           </a:pPr>
           <a:r>
-            <a:rPr lang="en-US" altLang="ko-KR" sz="1400" kern="1200" dirty="0" err="1" smtClean="0">
+            <a:rPr lang="en-US" altLang="ko-KR" sz="1400" kern="1200" dirty="0" err="1">
               <a:solidFill>
                 <a:schemeClr val="bg1"/>
               </a:solidFill>
@@ -3813,21 +3502,16 @@
             <a:t>nightageprice</a:t>
           </a:r>
           <a:r>
-            <a:rPr lang="en-US" altLang="ko-KR" sz="1400" kern="1200" dirty="0" smtClean="0">
+            <a:rPr lang="en-US" altLang="ko-KR" sz="1400" kern="1200" dirty="0">
               <a:solidFill>
                 <a:schemeClr val="bg1"/>
               </a:solidFill>
             </a:rPr>
             <a:t>[]</a:t>
           </a:r>
-          <a:endParaRPr lang="en-US" altLang="ko-KR" sz="1400" kern="1200" dirty="0" smtClean="0">
-            <a:solidFill>
-              <a:schemeClr val="bg1"/>
-            </a:solidFill>
-          </a:endParaRPr>
         </a:p>
         <a:p>
-          <a:pPr lvl="0" algn="ctr" defTabSz="622300" latinLnBrk="1">
+          <a:pPr marL="0" lvl="0" indent="0" algn="ctr" defTabSz="622300" latinLnBrk="1">
             <a:lnSpc>
               <a:spcPct val="90000"/>
             </a:lnSpc>
@@ -3837,9 +3521,10 @@
             <a:spcAft>
               <a:spcPct val="35000"/>
             </a:spcAft>
+            <a:buNone/>
           </a:pPr>
           <a:r>
-            <a:rPr lang="en-US" altLang="ko-KR" sz="1400" kern="1200" dirty="0" smtClean="0">
+            <a:rPr lang="en-US" altLang="ko-KR" sz="1400" kern="1200" dirty="0">
               <a:solidFill>
                 <a:schemeClr val="bg1"/>
               </a:solidFill>
@@ -3847,7 +3532,7 @@
             <a:t>nothing/disabled/national/</a:t>
           </a:r>
           <a:r>
-            <a:rPr lang="en-US" altLang="ko-KR" sz="1400" kern="1200" dirty="0" err="1" smtClean="0">
+            <a:rPr lang="en-US" altLang="ko-KR" sz="1400" kern="1200" dirty="0" err="1">
               <a:solidFill>
                 <a:schemeClr val="bg1"/>
               </a:solidFill>
@@ -3855,21 +3540,16 @@
             <a:t>multi_child</a:t>
           </a:r>
           <a:r>
-            <a:rPr lang="en-US" altLang="ko-KR" sz="1400" kern="1200" dirty="0" smtClean="0">
+            <a:rPr lang="en-US" altLang="ko-KR" sz="1400" kern="1200" dirty="0">
               <a:solidFill>
                 <a:schemeClr val="bg1"/>
               </a:solidFill>
             </a:rPr>
             <a:t>/ pregnant</a:t>
           </a:r>
-          <a:endParaRPr lang="en-US" altLang="ko-KR" sz="1400" kern="1200" dirty="0" smtClean="0">
-            <a:solidFill>
-              <a:schemeClr val="bg1"/>
-            </a:solidFill>
-          </a:endParaRPr>
         </a:p>
         <a:p>
-          <a:pPr lvl="0" algn="ctr" defTabSz="622300" latinLnBrk="1">
+          <a:pPr marL="0" lvl="0" indent="0" algn="ctr" defTabSz="622300" latinLnBrk="1">
             <a:lnSpc>
               <a:spcPct val="90000"/>
             </a:lnSpc>
@@ -3879,9 +3559,10 @@
             <a:spcAft>
               <a:spcPct val="35000"/>
             </a:spcAft>
+            <a:buNone/>
           </a:pPr>
           <a:r>
-            <a:rPr lang="en-US" altLang="ko-KR" sz="1400" kern="1200" dirty="0" smtClean="0">
+            <a:rPr lang="en-US" altLang="ko-KR" sz="1400" kern="1200" dirty="0">
               <a:solidFill>
                 <a:schemeClr val="bg1"/>
               </a:solidFill>
@@ -3955,7 +3636,7 @@
         </a:bodyPr>
         <a:lstStyle/>
         <a:p>
-          <a:pPr lvl="0" algn="ctr" defTabSz="622300" latinLnBrk="1">
+          <a:pPr marL="0" lvl="0" indent="0" algn="ctr" defTabSz="622300" latinLnBrk="1">
             <a:lnSpc>
               <a:spcPct val="90000"/>
             </a:lnSpc>
@@ -3965,9 +3646,10 @@
             <a:spcAft>
               <a:spcPct val="35000"/>
             </a:spcAft>
+            <a:buNone/>
           </a:pPr>
           <a:r>
-            <a:rPr lang="en-US" altLang="ko-KR" sz="1400" kern="1200" dirty="0" smtClean="0">
+            <a:rPr lang="en-US" altLang="ko-KR" sz="1400" kern="1200" dirty="0">
               <a:solidFill>
                 <a:schemeClr val="bg1"/>
               </a:solidFill>
@@ -4041,7 +3723,7 @@
         </a:bodyPr>
         <a:lstStyle/>
         <a:p>
-          <a:pPr lvl="0" algn="ctr" defTabSz="622300" latinLnBrk="1">
+          <a:pPr marL="0" lvl="0" indent="0" algn="ctr" defTabSz="622300" latinLnBrk="1">
             <a:lnSpc>
               <a:spcPct val="90000"/>
             </a:lnSpc>
@@ -4051,9 +3733,10 @@
             <a:spcAft>
               <a:spcPct val="35000"/>
             </a:spcAft>
+            <a:buNone/>
           </a:pPr>
           <a:r>
-            <a:rPr lang="en-US" altLang="ko-KR" sz="1400" kern="1200" dirty="0" err="1" smtClean="0">
+            <a:rPr lang="en-US" altLang="ko-KR" sz="1400" kern="1200" dirty="0" err="1">
               <a:solidFill>
                 <a:schemeClr val="bg1"/>
               </a:solidFill>
@@ -4061,21 +3744,16 @@
             <a:t>calage</a:t>
           </a:r>
           <a:r>
-            <a:rPr lang="en-US" altLang="ko-KR" sz="1400" kern="1200" dirty="0" smtClean="0">
+            <a:rPr lang="en-US" altLang="ko-KR" sz="1400" kern="1200" dirty="0">
               <a:solidFill>
                 <a:schemeClr val="bg1"/>
               </a:solidFill>
             </a:rPr>
             <a:t>()</a:t>
           </a:r>
-          <a:endParaRPr lang="en-US" altLang="ko-KR" sz="1400" kern="1200" dirty="0" smtClean="0">
-            <a:solidFill>
-              <a:schemeClr val="bg1"/>
-            </a:solidFill>
-          </a:endParaRPr>
         </a:p>
         <a:p>
-          <a:pPr lvl="0" algn="ctr" defTabSz="622300" latinLnBrk="1">
+          <a:pPr marL="0" lvl="0" indent="0" algn="ctr" defTabSz="622300" latinLnBrk="1">
             <a:lnSpc>
               <a:spcPct val="90000"/>
             </a:lnSpc>
@@ -4085,9 +3763,10 @@
             <a:spcAft>
               <a:spcPct val="35000"/>
             </a:spcAft>
+            <a:buNone/>
           </a:pPr>
           <a:r>
-            <a:rPr lang="en-US" altLang="ko-KR" sz="1400" kern="1200" dirty="0" err="1" smtClean="0">
+            <a:rPr lang="en-US" altLang="ko-KR" sz="1400" kern="1200" dirty="0" err="1">
               <a:solidFill>
                 <a:schemeClr val="bg1"/>
               </a:solidFill>
@@ -4095,21 +3774,16 @@
             <a:t>calday</a:t>
           </a:r>
           <a:r>
-            <a:rPr lang="en-US" altLang="ko-KR" sz="1400" kern="1200" dirty="0" smtClean="0">
+            <a:rPr lang="en-US" altLang="ko-KR" sz="1400" kern="1200" dirty="0">
               <a:solidFill>
                 <a:schemeClr val="bg1"/>
               </a:solidFill>
             </a:rPr>
             <a:t>()</a:t>
           </a:r>
-          <a:endParaRPr lang="en-US" altLang="ko-KR" sz="1400" kern="1200" dirty="0" smtClean="0">
-            <a:solidFill>
-              <a:schemeClr val="bg1"/>
-            </a:solidFill>
-          </a:endParaRPr>
         </a:p>
         <a:p>
-          <a:pPr lvl="0" algn="ctr" defTabSz="622300" latinLnBrk="1">
+          <a:pPr marL="0" lvl="0" indent="0" algn="ctr" defTabSz="622300" latinLnBrk="1">
             <a:lnSpc>
               <a:spcPct val="90000"/>
             </a:lnSpc>
@@ -4119,9 +3793,10 @@
             <a:spcAft>
               <a:spcPct val="35000"/>
             </a:spcAft>
+            <a:buNone/>
           </a:pPr>
           <a:r>
-            <a:rPr lang="en-US" altLang="ko-KR" sz="1400" kern="1200" dirty="0" err="1" smtClean="0">
+            <a:rPr lang="en-US" altLang="ko-KR" sz="1400" kern="1200" dirty="0" err="1">
               <a:solidFill>
                 <a:schemeClr val="bg1"/>
               </a:solidFill>
@@ -4129,18 +3804,13 @@
             <a:t>calnight</a:t>
           </a:r>
           <a:r>
-            <a:rPr lang="en-US" altLang="ko-KR" sz="1400" kern="1200" dirty="0" smtClean="0">
+            <a:rPr lang="en-US" altLang="ko-KR" sz="1400" kern="1200" dirty="0">
               <a:solidFill>
                 <a:schemeClr val="bg1"/>
               </a:solidFill>
             </a:rPr>
             <a:t>()</a:t>
           </a:r>
-          <a:endParaRPr lang="en-US" altLang="ko-KR" sz="1400" kern="1200" dirty="0" smtClean="0">
-            <a:solidFill>
-              <a:schemeClr val="bg1"/>
-            </a:solidFill>
-          </a:endParaRPr>
         </a:p>
       </dsp:txBody>
       <dsp:txXfrm>
@@ -4203,7 +3873,7 @@
         </a:bodyPr>
         <a:lstStyle/>
         <a:p>
-          <a:pPr lvl="0" algn="ctr" defTabSz="622300" latinLnBrk="1">
+          <a:pPr marL="0" lvl="0" indent="0" algn="ctr" defTabSz="622300" latinLnBrk="1">
             <a:lnSpc>
               <a:spcPct val="90000"/>
             </a:lnSpc>
@@ -4213,9 +3883,10 @@
             <a:spcAft>
               <a:spcPct val="35000"/>
             </a:spcAft>
+            <a:buNone/>
           </a:pPr>
           <a:r>
-            <a:rPr lang="en-US" altLang="ko-KR" sz="1400" kern="1200" dirty="0" smtClean="0">
+            <a:rPr lang="en-US" altLang="ko-KR" sz="1400" kern="1200" dirty="0">
               <a:solidFill>
                 <a:schemeClr val="bg1"/>
               </a:solidFill>
@@ -4289,7 +3960,7 @@
         </a:bodyPr>
         <a:lstStyle/>
         <a:p>
-          <a:pPr lvl="0" algn="ctr" defTabSz="622300" latinLnBrk="1">
+          <a:pPr marL="0" lvl="0" indent="0" algn="ctr" defTabSz="622300" latinLnBrk="1">
             <a:lnSpc>
               <a:spcPct val="90000"/>
             </a:lnSpc>
@@ -4299,9 +3970,10 @@
             <a:spcAft>
               <a:spcPct val="35000"/>
             </a:spcAft>
+            <a:buNone/>
           </a:pPr>
           <a:r>
-            <a:rPr lang="en-US" altLang="ko-KR" sz="1400" kern="1200" dirty="0" err="1" smtClean="0">
+            <a:rPr lang="en-US" altLang="ko-KR" sz="1400" kern="1200" dirty="0" err="1">
               <a:solidFill>
                 <a:schemeClr val="bg1"/>
               </a:solidFill>
@@ -4309,7 +3981,7 @@
             <a:t>filewrite</a:t>
           </a:r>
           <a:r>
-            <a:rPr lang="en-US" altLang="ko-KR" sz="1400" kern="1200" dirty="0" smtClean="0">
+            <a:rPr lang="en-US" altLang="ko-KR" sz="1400" kern="1200" dirty="0">
               <a:solidFill>
                 <a:schemeClr val="bg1"/>
               </a:solidFill>
@@ -4318,7 +3990,7 @@
           </a:r>
         </a:p>
         <a:p>
-          <a:pPr lvl="0" algn="ctr" defTabSz="622300" latinLnBrk="1">
+          <a:pPr marL="0" lvl="0" indent="0" algn="ctr" defTabSz="622300" latinLnBrk="1">
             <a:lnSpc>
               <a:spcPct val="90000"/>
             </a:lnSpc>
@@ -4328,9 +4000,10 @@
             <a:spcAft>
               <a:spcPct val="35000"/>
             </a:spcAft>
+            <a:buNone/>
           </a:pPr>
           <a:r>
-            <a:rPr lang="en-US" altLang="ko-KR" sz="1400" kern="1200" dirty="0" err="1" smtClean="0">
+            <a:rPr lang="en-US" altLang="ko-KR" sz="1400" kern="1200" dirty="0" err="1">
               <a:solidFill>
                 <a:schemeClr val="bg1"/>
               </a:solidFill>
@@ -4338,7 +4011,7 @@
             <a:t>printtwo</a:t>
           </a:r>
           <a:r>
-            <a:rPr lang="en-US" altLang="ko-KR" sz="1400" kern="1200" dirty="0" smtClean="0">
+            <a:rPr lang="en-US" altLang="ko-KR" sz="1400" kern="1200" dirty="0">
               <a:solidFill>
                 <a:schemeClr val="bg1"/>
               </a:solidFill>
@@ -4347,7 +4020,7 @@
           </a:r>
         </a:p>
         <a:p>
-          <a:pPr lvl="0" algn="ctr" defTabSz="622300" latinLnBrk="1">
+          <a:pPr marL="0" lvl="0" indent="0" algn="ctr" defTabSz="622300" latinLnBrk="1">
             <a:lnSpc>
               <a:spcPct val="90000"/>
             </a:lnSpc>
@@ -4357,9 +4030,10 @@
             <a:spcAft>
               <a:spcPct val="35000"/>
             </a:spcAft>
+            <a:buNone/>
           </a:pPr>
           <a:r>
-            <a:rPr lang="en-US" altLang="ko-KR" sz="1400" kern="1200" dirty="0" err="1" smtClean="0">
+            <a:rPr lang="en-US" altLang="ko-KR" sz="1400" kern="1200" dirty="0" err="1">
               <a:solidFill>
                 <a:schemeClr val="bg1"/>
               </a:solidFill>
@@ -4367,21 +4041,16 @@
             <a:t>printcustomer</a:t>
           </a:r>
           <a:r>
-            <a:rPr lang="en-US" altLang="ko-KR" sz="1400" kern="1200" dirty="0" smtClean="0">
+            <a:rPr lang="en-US" altLang="ko-KR" sz="1400" kern="1200" dirty="0">
               <a:solidFill>
                 <a:schemeClr val="bg1"/>
               </a:solidFill>
             </a:rPr>
             <a:t>()</a:t>
           </a:r>
-          <a:endParaRPr lang="en-US" altLang="ko-KR" sz="1400" kern="1200" dirty="0" smtClean="0">
-            <a:solidFill>
-              <a:schemeClr val="bg1"/>
-            </a:solidFill>
-          </a:endParaRPr>
         </a:p>
         <a:p>
-          <a:pPr lvl="0" algn="ctr" defTabSz="622300" latinLnBrk="1">
+          <a:pPr marL="0" lvl="0" indent="0" algn="ctr" defTabSz="622300" latinLnBrk="1">
             <a:lnSpc>
               <a:spcPct val="90000"/>
             </a:lnSpc>
@@ -4391,9 +4060,10 @@
             <a:spcAft>
               <a:spcPct val="35000"/>
             </a:spcAft>
+            <a:buNone/>
           </a:pPr>
           <a:r>
-            <a:rPr lang="en-US" altLang="ko-KR" sz="1400" kern="1200" dirty="0" err="1" smtClean="0">
+            <a:rPr lang="en-US" altLang="ko-KR" sz="1400" kern="1200" dirty="0" err="1">
               <a:solidFill>
                 <a:schemeClr val="bg1"/>
               </a:solidFill>
@@ -4401,7 +4071,7 @@
             <a:t>printtotal</a:t>
           </a:r>
           <a:r>
-            <a:rPr lang="en-US" altLang="ko-KR" sz="1400" kern="1200" dirty="0" smtClean="0">
+            <a:rPr lang="en-US" altLang="ko-KR" sz="1400" kern="1200" dirty="0">
               <a:solidFill>
                 <a:schemeClr val="bg1"/>
               </a:solidFill>
@@ -4475,7 +4145,7 @@
         </a:bodyPr>
         <a:lstStyle/>
         <a:p>
-          <a:pPr lvl="0" algn="ctr" defTabSz="622300" latinLnBrk="1">
+          <a:pPr marL="0" lvl="0" indent="0" algn="ctr" defTabSz="622300" latinLnBrk="1">
             <a:lnSpc>
               <a:spcPct val="90000"/>
             </a:lnSpc>
@@ -4485,9 +4155,10 @@
             <a:spcAft>
               <a:spcPct val="35000"/>
             </a:spcAft>
+            <a:buNone/>
           </a:pPr>
           <a:r>
-            <a:rPr lang="en-US" altLang="ko-KR" sz="1400" kern="1200" dirty="0" err="1" smtClean="0">
+            <a:rPr lang="en-US" altLang="ko-KR" sz="1400" kern="1200" dirty="0" err="1">
               <a:solidFill>
                 <a:schemeClr val="bg1"/>
               </a:solidFill>
@@ -4495,7 +4166,7 @@
             <a:t>printarray</a:t>
           </a:r>
           <a:r>
-            <a:rPr lang="en-US" altLang="ko-KR" sz="1400" kern="1200" dirty="0" smtClean="0">
+            <a:rPr lang="en-US" altLang="ko-KR" sz="1400" kern="1200" dirty="0">
               <a:solidFill>
                 <a:schemeClr val="bg1"/>
               </a:solidFill>
@@ -4504,7 +4175,7 @@
           </a:r>
         </a:p>
         <a:p>
-          <a:pPr lvl="0" algn="ctr" defTabSz="622300" latinLnBrk="1">
+          <a:pPr marL="0" lvl="0" indent="0" algn="ctr" defTabSz="622300" latinLnBrk="1">
             <a:lnSpc>
               <a:spcPct val="90000"/>
             </a:lnSpc>
@@ -4514,9 +4185,10 @@
             <a:spcAft>
               <a:spcPct val="35000"/>
             </a:spcAft>
+            <a:buNone/>
           </a:pPr>
           <a:r>
-            <a:rPr lang="en-US" altLang="ko-KR" sz="1400" kern="1200" dirty="0" err="1" smtClean="0">
+            <a:rPr lang="en-US" altLang="ko-KR" sz="1400" kern="1200" dirty="0" err="1">
               <a:solidFill>
                 <a:schemeClr val="bg1"/>
               </a:solidFill>
@@ -4524,7 +4196,7 @@
             <a:t>printcsv</a:t>
           </a:r>
           <a:r>
-            <a:rPr lang="en-US" altLang="ko-KR" sz="1400" kern="1200" dirty="0" smtClean="0">
+            <a:rPr lang="en-US" altLang="ko-KR" sz="1400" kern="1200" dirty="0">
               <a:solidFill>
                 <a:schemeClr val="bg1"/>
               </a:solidFill>
@@ -4598,7 +4270,7 @@
         </a:bodyPr>
         <a:lstStyle/>
         <a:p>
-          <a:pPr lvl="0" algn="ctr" defTabSz="622300" latinLnBrk="1">
+          <a:pPr marL="0" lvl="0" indent="0" algn="ctr" defTabSz="622300" latinLnBrk="1">
             <a:lnSpc>
               <a:spcPct val="90000"/>
             </a:lnSpc>
@@ -4608,9 +4280,10 @@
             <a:spcAft>
               <a:spcPct val="35000"/>
             </a:spcAft>
+            <a:buNone/>
           </a:pPr>
           <a:r>
-            <a:rPr lang="en-US" altLang="ko-KR" sz="1400" kern="1200" dirty="0" err="1" smtClean="0">
+            <a:rPr lang="en-US" altLang="ko-KR" sz="1400" kern="1200" dirty="0" err="1">
               <a:solidFill>
                 <a:schemeClr val="bg1"/>
               </a:solidFill>
@@ -4618,7 +4291,7 @@
             <a:t>printchoose</a:t>
           </a:r>
           <a:r>
-            <a:rPr lang="en-US" altLang="ko-KR" sz="1400" kern="1200" dirty="0" smtClean="0">
+            <a:rPr lang="en-US" altLang="ko-KR" sz="1400" kern="1200" dirty="0">
               <a:solidFill>
                 <a:schemeClr val="bg1"/>
               </a:solidFill>
@@ -4627,7 +4300,7 @@
           </a:r>
         </a:p>
         <a:p>
-          <a:pPr lvl="0" algn="ctr" defTabSz="622300" latinLnBrk="1">
+          <a:pPr marL="0" lvl="0" indent="0" algn="ctr" defTabSz="622300" latinLnBrk="1">
             <a:lnSpc>
               <a:spcPct val="90000"/>
             </a:lnSpc>
@@ -4637,9 +4310,10 @@
             <a:spcAft>
               <a:spcPct val="35000"/>
             </a:spcAft>
+            <a:buNone/>
           </a:pPr>
           <a:r>
-            <a:rPr lang="en-US" altLang="ko-KR" sz="1400" kern="1200" dirty="0" err="1" smtClean="0">
+            <a:rPr lang="en-US" altLang="ko-KR" sz="1400" kern="1200" dirty="0" err="1">
               <a:solidFill>
                 <a:schemeClr val="bg1"/>
               </a:solidFill>
@@ -4647,7 +4321,7 @@
             <a:t>printdiscount</a:t>
           </a:r>
           <a:r>
-            <a:rPr lang="en-US" altLang="ko-KR" sz="1400" kern="1200" dirty="0" smtClean="0">
+            <a:rPr lang="en-US" altLang="ko-KR" sz="1400" kern="1200" dirty="0">
               <a:solidFill>
                 <a:schemeClr val="bg1"/>
               </a:solidFill>
@@ -4656,7 +4330,7 @@
           </a:r>
         </a:p>
         <a:p>
-          <a:pPr lvl="0" algn="ctr" defTabSz="622300" latinLnBrk="1">
+          <a:pPr marL="0" lvl="0" indent="0" algn="ctr" defTabSz="622300" latinLnBrk="1">
             <a:lnSpc>
               <a:spcPct val="90000"/>
             </a:lnSpc>
@@ -4666,9 +4340,10 @@
             <a:spcAft>
               <a:spcPct val="35000"/>
             </a:spcAft>
+            <a:buNone/>
           </a:pPr>
           <a:r>
-            <a:rPr lang="en-US" altLang="ko-KR" sz="1400" kern="1200" dirty="0" smtClean="0">
+            <a:rPr lang="en-US" altLang="ko-KR" sz="1400" kern="1200" dirty="0">
               <a:solidFill>
                 <a:schemeClr val="bg1"/>
               </a:solidFill>
@@ -6953,7 +6628,7 @@
           <a:p>
             <a:fld id="{CE945CB3-9F16-4EA5-8237-DA014A89004F}" type="datetimeFigureOut">
               <a:rPr lang="ko-KR" altLang="en-US" smtClean="0"/>
-              <a:t>2021-04-20</a:t>
+              <a:t>2021-04-21</a:t>
             </a:fld>
             <a:endParaRPr lang="ko-KR" altLang="en-US"/>
           </a:p>
@@ -7017,38 +6692,37 @@
           <a:p>
             <a:pPr lvl="0"/>
             <a:r>
-              <a:rPr lang="ko-KR" altLang="en-US" smtClean="0"/>
+              <a:rPr lang="ko-KR" altLang="en-US"/>
               <a:t>마스터 텍스트 스타일을 편집합니다</a:t>
             </a:r>
           </a:p>
           <a:p>
             <a:pPr lvl="1"/>
             <a:r>
-              <a:rPr lang="ko-KR" altLang="en-US" smtClean="0"/>
+              <a:rPr lang="ko-KR" altLang="en-US"/>
               <a:t>둘째 수준</a:t>
             </a:r>
           </a:p>
           <a:p>
             <a:pPr lvl="2"/>
             <a:r>
-              <a:rPr lang="ko-KR" altLang="en-US" smtClean="0"/>
+              <a:rPr lang="ko-KR" altLang="en-US"/>
               <a:t>셋째 수준</a:t>
             </a:r>
           </a:p>
           <a:p>
             <a:pPr lvl="3"/>
             <a:r>
-              <a:rPr lang="ko-KR" altLang="en-US" smtClean="0"/>
+              <a:rPr lang="ko-KR" altLang="en-US"/>
               <a:t>넷째 수준</a:t>
             </a:r>
           </a:p>
           <a:p>
             <a:pPr lvl="4"/>
             <a:r>
-              <a:rPr lang="ko-KR" altLang="en-US" smtClean="0"/>
+              <a:rPr lang="ko-KR" altLang="en-US"/>
               <a:t>다섯째 수준</a:t>
             </a:r>
-            <a:endParaRPr lang="ko-KR" altLang="en-US"/>
           </a:p>
         </p:txBody>
       </p:sp>
@@ -7268,7 +6942,7 @@
             <a:pPr marL="0" indent="0">
               <a:buNone/>
             </a:pPr>
-            <a:endParaRPr lang="en-US" altLang="ko-KR" dirty="0" smtClean="0"/>
+            <a:endParaRPr lang="en-US" altLang="ko-KR" dirty="0"/>
           </a:p>
         </p:txBody>
       </p:sp>
@@ -7299,6 +6973,90 @@
     <p:extLst>
       <p:ext uri="{BB962C8B-B14F-4D97-AF65-F5344CB8AC3E}">
         <p14:creationId xmlns:p14="http://schemas.microsoft.com/office/powerpoint/2010/main" val="538113914"/>
+      </p:ext>
+    </p:extLst>
+  </p:cSld>
+  <p:clrMapOvr>
+    <a:masterClrMapping/>
+  </p:clrMapOvr>
+</p:notes>
+</file>
+
+<file path=ppt/notesSlides/notesSlide2.xml><?xml version="1.0" encoding="utf-8"?>
+<p:notes xmlns:a="http://schemas.openxmlformats.org/drawingml/2006/main" xmlns:r="http://schemas.openxmlformats.org/officeDocument/2006/relationships" xmlns:p="http://schemas.openxmlformats.org/presentationml/2006/main">
+  <p:cSld>
+    <p:spTree>
+      <p:nvGrpSpPr>
+        <p:cNvPr id="1" name=""/>
+        <p:cNvGrpSpPr/>
+        <p:nvPr/>
+      </p:nvGrpSpPr>
+      <p:grpSpPr>
+        <a:xfrm>
+          <a:off x="0" y="0"/>
+          <a:ext cx="0" cy="0"/>
+          <a:chOff x="0" y="0"/>
+          <a:chExt cx="0" cy="0"/>
+        </a:xfrm>
+      </p:grpSpPr>
+      <p:sp>
+        <p:nvSpPr>
+          <p:cNvPr id="2" name="슬라이드 이미지 개체 틀 1"/>
+          <p:cNvSpPr>
+            <a:spLocks noGrp="1" noRot="1" noChangeAspect="1"/>
+          </p:cNvSpPr>
+          <p:nvPr>
+            <p:ph type="sldImg"/>
+          </p:nvPr>
+        </p:nvSpPr>
+        <p:spPr/>
+      </p:sp>
+      <p:sp>
+        <p:nvSpPr>
+          <p:cNvPr id="3" name="슬라이드 노트 개체 틀 2"/>
+          <p:cNvSpPr>
+            <a:spLocks noGrp="1"/>
+          </p:cNvSpPr>
+          <p:nvPr>
+            <p:ph type="body" idx="1"/>
+          </p:nvPr>
+        </p:nvSpPr>
+        <p:spPr/>
+        <p:txBody>
+          <a:bodyPr/>
+          <a:lstStyle/>
+          <a:p>
+            <a:endParaRPr lang="ko-KR" altLang="en-US" dirty="0"/>
+          </a:p>
+        </p:txBody>
+      </p:sp>
+      <p:sp>
+        <p:nvSpPr>
+          <p:cNvPr id="4" name="슬라이드 번호 개체 틀 3"/>
+          <p:cNvSpPr>
+            <a:spLocks noGrp="1"/>
+          </p:cNvSpPr>
+          <p:nvPr>
+            <p:ph type="sldNum" sz="quarter" idx="5"/>
+          </p:nvPr>
+        </p:nvSpPr>
+        <p:spPr/>
+        <p:txBody>
+          <a:bodyPr/>
+          <a:lstStyle/>
+          <a:p>
+            <a:fld id="{96544112-2047-4143-82C0-EA509958325D}" type="slidenum">
+              <a:rPr lang="ko-KR" altLang="en-US" smtClean="0"/>
+              <a:t>11</a:t>
+            </a:fld>
+            <a:endParaRPr lang="ko-KR" altLang="en-US"/>
+          </a:p>
+        </p:txBody>
+      </p:sp>
+    </p:spTree>
+    <p:extLst>
+      <p:ext uri="{BB962C8B-B14F-4D97-AF65-F5344CB8AC3E}">
+        <p14:creationId xmlns:p14="http://schemas.microsoft.com/office/powerpoint/2010/main" val="2945962126"/>
       </p:ext>
     </p:extLst>
   </p:cSld>
@@ -7350,10 +7108,9 @@
           </a:lstStyle>
           <a:p>
             <a:r>
-              <a:rPr lang="ko-KR" altLang="en-US" smtClean="0"/>
+              <a:rPr lang="ko-KR" altLang="en-US"/>
               <a:t>마스터 제목 스타일 편집</a:t>
             </a:r>
-            <a:endParaRPr lang="ko-KR" altLang="en-US"/>
           </a:p>
         </p:txBody>
       </p:sp>
@@ -7415,10 +7172,9 @@
           </a:lstStyle>
           <a:p>
             <a:r>
-              <a:rPr lang="ko-KR" altLang="en-US" smtClean="0"/>
+              <a:rPr lang="ko-KR" altLang="en-US"/>
               <a:t>마스터 부제목 스타일 편집</a:t>
             </a:r>
-            <a:endParaRPr lang="ko-KR" altLang="en-US"/>
           </a:p>
         </p:txBody>
       </p:sp>
@@ -7439,7 +7195,7 @@
           <a:p>
             <a:fld id="{CA5BF5DF-E0C0-495E-90D1-C1A61650ABB1}" type="datetimeFigureOut">
               <a:rPr lang="ko-KR" altLang="en-US" smtClean="0"/>
-              <a:t>2021-04-20</a:t>
+              <a:t>2021-04-21</a:t>
             </a:fld>
             <a:endParaRPr lang="ko-KR" altLang="en-US"/>
           </a:p>
@@ -7533,10 +7289,9 @@
           <a:lstStyle/>
           <a:p>
             <a:r>
-              <a:rPr lang="ko-KR" altLang="en-US" smtClean="0"/>
+              <a:rPr lang="ko-KR" altLang="en-US"/>
               <a:t>마스터 제목 스타일 편집</a:t>
             </a:r>
-            <a:endParaRPr lang="ko-KR" altLang="en-US"/>
           </a:p>
         </p:txBody>
       </p:sp>
@@ -7557,38 +7312,37 @@
           <a:p>
             <a:pPr lvl="0"/>
             <a:r>
-              <a:rPr lang="ko-KR" altLang="en-US" smtClean="0"/>
+              <a:rPr lang="ko-KR" altLang="en-US"/>
               <a:t>마스터 텍스트 스타일을 편집합니다</a:t>
             </a:r>
           </a:p>
           <a:p>
             <a:pPr lvl="1"/>
             <a:r>
-              <a:rPr lang="ko-KR" altLang="en-US" smtClean="0"/>
+              <a:rPr lang="ko-KR" altLang="en-US"/>
               <a:t>둘째 수준</a:t>
             </a:r>
           </a:p>
           <a:p>
             <a:pPr lvl="2"/>
             <a:r>
-              <a:rPr lang="ko-KR" altLang="en-US" smtClean="0"/>
+              <a:rPr lang="ko-KR" altLang="en-US"/>
               <a:t>셋째 수준</a:t>
             </a:r>
           </a:p>
           <a:p>
             <a:pPr lvl="3"/>
             <a:r>
-              <a:rPr lang="ko-KR" altLang="en-US" smtClean="0"/>
+              <a:rPr lang="ko-KR" altLang="en-US"/>
               <a:t>넷째 수준</a:t>
             </a:r>
           </a:p>
           <a:p>
             <a:pPr lvl="4"/>
             <a:r>
-              <a:rPr lang="ko-KR" altLang="en-US" smtClean="0"/>
+              <a:rPr lang="ko-KR" altLang="en-US"/>
               <a:t>다섯째 수준</a:t>
             </a:r>
-            <a:endParaRPr lang="ko-KR" altLang="en-US"/>
           </a:p>
         </p:txBody>
       </p:sp>
@@ -7609,7 +7363,7 @@
           <a:p>
             <a:fld id="{CA5BF5DF-E0C0-495E-90D1-C1A61650ABB1}" type="datetimeFigureOut">
               <a:rPr lang="ko-KR" altLang="en-US" smtClean="0"/>
-              <a:t>2021-04-20</a:t>
+              <a:t>2021-04-21</a:t>
             </a:fld>
             <a:endParaRPr lang="ko-KR" altLang="en-US"/>
           </a:p>
@@ -7708,10 +7462,9 @@
           <a:lstStyle/>
           <a:p>
             <a:r>
-              <a:rPr lang="ko-KR" altLang="en-US" smtClean="0"/>
+              <a:rPr lang="ko-KR" altLang="en-US"/>
               <a:t>마스터 제목 스타일 편집</a:t>
             </a:r>
-            <a:endParaRPr lang="ko-KR" altLang="en-US"/>
           </a:p>
         </p:txBody>
       </p:sp>
@@ -7737,38 +7490,37 @@
           <a:p>
             <a:pPr lvl="0"/>
             <a:r>
-              <a:rPr lang="ko-KR" altLang="en-US" smtClean="0"/>
+              <a:rPr lang="ko-KR" altLang="en-US"/>
               <a:t>마스터 텍스트 스타일을 편집합니다</a:t>
             </a:r>
           </a:p>
           <a:p>
             <a:pPr lvl="1"/>
             <a:r>
-              <a:rPr lang="ko-KR" altLang="en-US" smtClean="0"/>
+              <a:rPr lang="ko-KR" altLang="en-US"/>
               <a:t>둘째 수준</a:t>
             </a:r>
           </a:p>
           <a:p>
             <a:pPr lvl="2"/>
             <a:r>
-              <a:rPr lang="ko-KR" altLang="en-US" smtClean="0"/>
+              <a:rPr lang="ko-KR" altLang="en-US"/>
               <a:t>셋째 수준</a:t>
             </a:r>
           </a:p>
           <a:p>
             <a:pPr lvl="3"/>
             <a:r>
-              <a:rPr lang="ko-KR" altLang="en-US" smtClean="0"/>
+              <a:rPr lang="ko-KR" altLang="en-US"/>
               <a:t>넷째 수준</a:t>
             </a:r>
           </a:p>
           <a:p>
             <a:pPr lvl="4"/>
             <a:r>
-              <a:rPr lang="ko-KR" altLang="en-US" smtClean="0"/>
+              <a:rPr lang="ko-KR" altLang="en-US"/>
               <a:t>다섯째 수준</a:t>
             </a:r>
-            <a:endParaRPr lang="ko-KR" altLang="en-US"/>
           </a:p>
         </p:txBody>
       </p:sp>
@@ -7789,7 +7541,7 @@
           <a:p>
             <a:fld id="{CA5BF5DF-E0C0-495E-90D1-C1A61650ABB1}" type="datetimeFigureOut">
               <a:rPr lang="ko-KR" altLang="en-US" smtClean="0"/>
-              <a:t>2021-04-20</a:t>
+              <a:t>2021-04-21</a:t>
             </a:fld>
             <a:endParaRPr lang="ko-KR" altLang="en-US"/>
           </a:p>
@@ -7883,10 +7635,9 @@
           <a:lstStyle/>
           <a:p>
             <a:r>
-              <a:rPr lang="ko-KR" altLang="en-US" smtClean="0"/>
+              <a:rPr lang="ko-KR" altLang="en-US"/>
               <a:t>마스터 제목 스타일 편집</a:t>
             </a:r>
-            <a:endParaRPr lang="ko-KR" altLang="en-US"/>
           </a:p>
         </p:txBody>
       </p:sp>
@@ -7907,38 +7658,37 @@
           <a:p>
             <a:pPr lvl="0"/>
             <a:r>
-              <a:rPr lang="ko-KR" altLang="en-US" smtClean="0"/>
+              <a:rPr lang="ko-KR" altLang="en-US"/>
               <a:t>마스터 텍스트 스타일을 편집합니다</a:t>
             </a:r>
           </a:p>
           <a:p>
             <a:pPr lvl="1"/>
             <a:r>
-              <a:rPr lang="ko-KR" altLang="en-US" smtClean="0"/>
+              <a:rPr lang="ko-KR" altLang="en-US"/>
               <a:t>둘째 수준</a:t>
             </a:r>
           </a:p>
           <a:p>
             <a:pPr lvl="2"/>
             <a:r>
-              <a:rPr lang="ko-KR" altLang="en-US" smtClean="0"/>
+              <a:rPr lang="ko-KR" altLang="en-US"/>
               <a:t>셋째 수준</a:t>
             </a:r>
           </a:p>
           <a:p>
             <a:pPr lvl="3"/>
             <a:r>
-              <a:rPr lang="ko-KR" altLang="en-US" smtClean="0"/>
+              <a:rPr lang="ko-KR" altLang="en-US"/>
               <a:t>넷째 수준</a:t>
             </a:r>
           </a:p>
           <a:p>
             <a:pPr lvl="4"/>
             <a:r>
-              <a:rPr lang="ko-KR" altLang="en-US" smtClean="0"/>
+              <a:rPr lang="ko-KR" altLang="en-US"/>
               <a:t>다섯째 수준</a:t>
             </a:r>
-            <a:endParaRPr lang="ko-KR" altLang="en-US"/>
           </a:p>
         </p:txBody>
       </p:sp>
@@ -7959,7 +7709,7 @@
           <a:p>
             <a:fld id="{CA5BF5DF-E0C0-495E-90D1-C1A61650ABB1}" type="datetimeFigureOut">
               <a:rPr lang="ko-KR" altLang="en-US" smtClean="0"/>
-              <a:t>2021-04-20</a:t>
+              <a:t>2021-04-21</a:t>
             </a:fld>
             <a:endParaRPr lang="ko-KR" altLang="en-US"/>
           </a:p>
@@ -8062,10 +7812,9 @@
           </a:lstStyle>
           <a:p>
             <a:r>
-              <a:rPr lang="ko-KR" altLang="en-US" smtClean="0"/>
+              <a:rPr lang="ko-KR" altLang="en-US"/>
               <a:t>마스터 제목 스타일 편집</a:t>
             </a:r>
-            <a:endParaRPr lang="ko-KR" altLang="en-US"/>
           </a:p>
         </p:txBody>
       </p:sp>
@@ -8182,7 +7931,7 @@
           <a:p>
             <a:pPr lvl="0"/>
             <a:r>
-              <a:rPr lang="ko-KR" altLang="en-US" smtClean="0"/>
+              <a:rPr lang="ko-KR" altLang="en-US"/>
               <a:t>마스터 텍스트 스타일을 편집합니다</a:t>
             </a:r>
           </a:p>
@@ -8205,7 +7954,7 @@
           <a:p>
             <a:fld id="{CA5BF5DF-E0C0-495E-90D1-C1A61650ABB1}" type="datetimeFigureOut">
               <a:rPr lang="ko-KR" altLang="en-US" smtClean="0"/>
-              <a:t>2021-04-20</a:t>
+              <a:t>2021-04-21</a:t>
             </a:fld>
             <a:endParaRPr lang="ko-KR" altLang="en-US"/>
           </a:p>
@@ -8299,10 +8048,9 @@
           <a:lstStyle/>
           <a:p>
             <a:r>
-              <a:rPr lang="ko-KR" altLang="en-US" smtClean="0"/>
+              <a:rPr lang="ko-KR" altLang="en-US"/>
               <a:t>마스터 제목 스타일 편집</a:t>
             </a:r>
-            <a:endParaRPr lang="ko-KR" altLang="en-US"/>
           </a:p>
         </p:txBody>
       </p:sp>
@@ -8328,38 +8076,37 @@
           <a:p>
             <a:pPr lvl="0"/>
             <a:r>
-              <a:rPr lang="ko-KR" altLang="en-US" smtClean="0"/>
+              <a:rPr lang="ko-KR" altLang="en-US"/>
               <a:t>마스터 텍스트 스타일을 편집합니다</a:t>
             </a:r>
           </a:p>
           <a:p>
             <a:pPr lvl="1"/>
             <a:r>
-              <a:rPr lang="ko-KR" altLang="en-US" smtClean="0"/>
+              <a:rPr lang="ko-KR" altLang="en-US"/>
               <a:t>둘째 수준</a:t>
             </a:r>
           </a:p>
           <a:p>
             <a:pPr lvl="2"/>
             <a:r>
-              <a:rPr lang="ko-KR" altLang="en-US" smtClean="0"/>
+              <a:rPr lang="ko-KR" altLang="en-US"/>
               <a:t>셋째 수준</a:t>
             </a:r>
           </a:p>
           <a:p>
             <a:pPr lvl="3"/>
             <a:r>
-              <a:rPr lang="ko-KR" altLang="en-US" smtClean="0"/>
+              <a:rPr lang="ko-KR" altLang="en-US"/>
               <a:t>넷째 수준</a:t>
             </a:r>
           </a:p>
           <a:p>
             <a:pPr lvl="4"/>
             <a:r>
-              <a:rPr lang="ko-KR" altLang="en-US" smtClean="0"/>
+              <a:rPr lang="ko-KR" altLang="en-US"/>
               <a:t>다섯째 수준</a:t>
             </a:r>
-            <a:endParaRPr lang="ko-KR" altLang="en-US"/>
           </a:p>
         </p:txBody>
       </p:sp>
@@ -8385,38 +8132,37 @@
           <a:p>
             <a:pPr lvl="0"/>
             <a:r>
-              <a:rPr lang="ko-KR" altLang="en-US" smtClean="0"/>
+              <a:rPr lang="ko-KR" altLang="en-US"/>
               <a:t>마스터 텍스트 스타일을 편집합니다</a:t>
             </a:r>
           </a:p>
           <a:p>
             <a:pPr lvl="1"/>
             <a:r>
-              <a:rPr lang="ko-KR" altLang="en-US" smtClean="0"/>
+              <a:rPr lang="ko-KR" altLang="en-US"/>
               <a:t>둘째 수준</a:t>
             </a:r>
           </a:p>
           <a:p>
             <a:pPr lvl="2"/>
             <a:r>
-              <a:rPr lang="ko-KR" altLang="en-US" smtClean="0"/>
+              <a:rPr lang="ko-KR" altLang="en-US"/>
               <a:t>셋째 수준</a:t>
             </a:r>
           </a:p>
           <a:p>
             <a:pPr lvl="3"/>
             <a:r>
-              <a:rPr lang="ko-KR" altLang="en-US" smtClean="0"/>
+              <a:rPr lang="ko-KR" altLang="en-US"/>
               <a:t>넷째 수준</a:t>
             </a:r>
           </a:p>
           <a:p>
             <a:pPr lvl="4"/>
             <a:r>
-              <a:rPr lang="ko-KR" altLang="en-US" smtClean="0"/>
+              <a:rPr lang="ko-KR" altLang="en-US"/>
               <a:t>다섯째 수준</a:t>
             </a:r>
-            <a:endParaRPr lang="ko-KR" altLang="en-US"/>
           </a:p>
         </p:txBody>
       </p:sp>
@@ -8437,7 +8183,7 @@
           <a:p>
             <a:fld id="{CA5BF5DF-E0C0-495E-90D1-C1A61650ABB1}" type="datetimeFigureOut">
               <a:rPr lang="ko-KR" altLang="en-US" smtClean="0"/>
-              <a:t>2021-04-20</a:t>
+              <a:t>2021-04-21</a:t>
             </a:fld>
             <a:endParaRPr lang="ko-KR" altLang="en-US"/>
           </a:p>
@@ -8536,10 +8282,9 @@
           <a:lstStyle/>
           <a:p>
             <a:r>
-              <a:rPr lang="ko-KR" altLang="en-US" smtClean="0"/>
+              <a:rPr lang="ko-KR" altLang="en-US"/>
               <a:t>마스터 제목 스타일 편집</a:t>
             </a:r>
-            <a:endParaRPr lang="ko-KR" altLang="en-US"/>
           </a:p>
         </p:txBody>
       </p:sp>
@@ -8602,7 +8347,7 @@
           <a:p>
             <a:pPr lvl="0"/>
             <a:r>
-              <a:rPr lang="ko-KR" altLang="en-US" smtClean="0"/>
+              <a:rPr lang="ko-KR" altLang="en-US"/>
               <a:t>마스터 텍스트 스타일을 편집합니다</a:t>
             </a:r>
           </a:p>
@@ -8630,38 +8375,37 @@
           <a:p>
             <a:pPr lvl="0"/>
             <a:r>
-              <a:rPr lang="ko-KR" altLang="en-US" smtClean="0"/>
+              <a:rPr lang="ko-KR" altLang="en-US"/>
               <a:t>마스터 텍스트 스타일을 편집합니다</a:t>
             </a:r>
           </a:p>
           <a:p>
             <a:pPr lvl="1"/>
             <a:r>
-              <a:rPr lang="ko-KR" altLang="en-US" smtClean="0"/>
+              <a:rPr lang="ko-KR" altLang="en-US"/>
               <a:t>둘째 수준</a:t>
             </a:r>
           </a:p>
           <a:p>
             <a:pPr lvl="2"/>
             <a:r>
-              <a:rPr lang="ko-KR" altLang="en-US" smtClean="0"/>
+              <a:rPr lang="ko-KR" altLang="en-US"/>
               <a:t>셋째 수준</a:t>
             </a:r>
           </a:p>
           <a:p>
             <a:pPr lvl="3"/>
             <a:r>
-              <a:rPr lang="ko-KR" altLang="en-US" smtClean="0"/>
+              <a:rPr lang="ko-KR" altLang="en-US"/>
               <a:t>넷째 수준</a:t>
             </a:r>
           </a:p>
           <a:p>
             <a:pPr lvl="4"/>
             <a:r>
-              <a:rPr lang="ko-KR" altLang="en-US" smtClean="0"/>
+              <a:rPr lang="ko-KR" altLang="en-US"/>
               <a:t>다섯째 수준</a:t>
             </a:r>
-            <a:endParaRPr lang="ko-KR" altLang="en-US"/>
           </a:p>
         </p:txBody>
       </p:sp>
@@ -8724,7 +8468,7 @@
           <a:p>
             <a:pPr lvl="0"/>
             <a:r>
-              <a:rPr lang="ko-KR" altLang="en-US" smtClean="0"/>
+              <a:rPr lang="ko-KR" altLang="en-US"/>
               <a:t>마스터 텍스트 스타일을 편집합니다</a:t>
             </a:r>
           </a:p>
@@ -8752,38 +8496,37 @@
           <a:p>
             <a:pPr lvl="0"/>
             <a:r>
-              <a:rPr lang="ko-KR" altLang="en-US" smtClean="0"/>
+              <a:rPr lang="ko-KR" altLang="en-US"/>
               <a:t>마스터 텍스트 스타일을 편집합니다</a:t>
             </a:r>
           </a:p>
           <a:p>
             <a:pPr lvl="1"/>
             <a:r>
-              <a:rPr lang="ko-KR" altLang="en-US" smtClean="0"/>
+              <a:rPr lang="ko-KR" altLang="en-US"/>
               <a:t>둘째 수준</a:t>
             </a:r>
           </a:p>
           <a:p>
             <a:pPr lvl="2"/>
             <a:r>
-              <a:rPr lang="ko-KR" altLang="en-US" smtClean="0"/>
+              <a:rPr lang="ko-KR" altLang="en-US"/>
               <a:t>셋째 수준</a:t>
             </a:r>
           </a:p>
           <a:p>
             <a:pPr lvl="3"/>
             <a:r>
-              <a:rPr lang="ko-KR" altLang="en-US" smtClean="0"/>
+              <a:rPr lang="ko-KR" altLang="en-US"/>
               <a:t>넷째 수준</a:t>
             </a:r>
           </a:p>
           <a:p>
             <a:pPr lvl="4"/>
             <a:r>
-              <a:rPr lang="ko-KR" altLang="en-US" smtClean="0"/>
+              <a:rPr lang="ko-KR" altLang="en-US"/>
               <a:t>다섯째 수준</a:t>
             </a:r>
-            <a:endParaRPr lang="ko-KR" altLang="en-US"/>
           </a:p>
         </p:txBody>
       </p:sp>
@@ -8804,7 +8547,7 @@
           <a:p>
             <a:fld id="{CA5BF5DF-E0C0-495E-90D1-C1A61650ABB1}" type="datetimeFigureOut">
               <a:rPr lang="ko-KR" altLang="en-US" smtClean="0"/>
-              <a:t>2021-04-20</a:t>
+              <a:t>2021-04-21</a:t>
             </a:fld>
             <a:endParaRPr lang="ko-KR" altLang="en-US"/>
           </a:p>
@@ -8898,10 +8641,9 @@
           <a:lstStyle/>
           <a:p>
             <a:r>
-              <a:rPr lang="ko-KR" altLang="en-US" smtClean="0"/>
+              <a:rPr lang="ko-KR" altLang="en-US"/>
               <a:t>마스터 제목 스타일 편집</a:t>
             </a:r>
-            <a:endParaRPr lang="ko-KR" altLang="en-US"/>
           </a:p>
         </p:txBody>
       </p:sp>
@@ -8922,7 +8664,7 @@
           <a:p>
             <a:fld id="{CA5BF5DF-E0C0-495E-90D1-C1A61650ABB1}" type="datetimeFigureOut">
               <a:rPr lang="ko-KR" altLang="en-US" smtClean="0"/>
-              <a:t>2021-04-20</a:t>
+              <a:t>2021-04-21</a:t>
             </a:fld>
             <a:endParaRPr lang="ko-KR" altLang="en-US"/>
           </a:p>
@@ -9017,7 +8759,7 @@
           <a:p>
             <a:fld id="{CA5BF5DF-E0C0-495E-90D1-C1A61650ABB1}" type="datetimeFigureOut">
               <a:rPr lang="ko-KR" altLang="en-US" smtClean="0"/>
-              <a:t>2021-04-20</a:t>
+              <a:t>2021-04-21</a:t>
             </a:fld>
             <a:endParaRPr lang="ko-KR" altLang="en-US"/>
           </a:p>
@@ -9120,10 +8862,9 @@
           </a:lstStyle>
           <a:p>
             <a:r>
-              <a:rPr lang="ko-KR" altLang="en-US" smtClean="0"/>
+              <a:rPr lang="ko-KR" altLang="en-US"/>
               <a:t>마스터 제목 스타일 편집</a:t>
             </a:r>
-            <a:endParaRPr lang="ko-KR" altLang="en-US"/>
           </a:p>
         </p:txBody>
       </p:sp>
@@ -9177,38 +8918,37 @@
           <a:p>
             <a:pPr lvl="0"/>
             <a:r>
-              <a:rPr lang="ko-KR" altLang="en-US" smtClean="0"/>
+              <a:rPr lang="ko-KR" altLang="en-US"/>
               <a:t>마스터 텍스트 스타일을 편집합니다</a:t>
             </a:r>
           </a:p>
           <a:p>
             <a:pPr lvl="1"/>
             <a:r>
-              <a:rPr lang="ko-KR" altLang="en-US" smtClean="0"/>
+              <a:rPr lang="ko-KR" altLang="en-US"/>
               <a:t>둘째 수준</a:t>
             </a:r>
           </a:p>
           <a:p>
             <a:pPr lvl="2"/>
             <a:r>
-              <a:rPr lang="ko-KR" altLang="en-US" smtClean="0"/>
+              <a:rPr lang="ko-KR" altLang="en-US"/>
               <a:t>셋째 수준</a:t>
             </a:r>
           </a:p>
           <a:p>
             <a:pPr lvl="3"/>
             <a:r>
-              <a:rPr lang="ko-KR" altLang="en-US" smtClean="0"/>
+              <a:rPr lang="ko-KR" altLang="en-US"/>
               <a:t>넷째 수준</a:t>
             </a:r>
           </a:p>
           <a:p>
             <a:pPr lvl="4"/>
             <a:r>
-              <a:rPr lang="ko-KR" altLang="en-US" smtClean="0"/>
+              <a:rPr lang="ko-KR" altLang="en-US"/>
               <a:t>다섯째 수준</a:t>
             </a:r>
-            <a:endParaRPr lang="ko-KR" altLang="en-US"/>
           </a:p>
         </p:txBody>
       </p:sp>
@@ -9271,7 +9011,7 @@
           <a:p>
             <a:pPr lvl="0"/>
             <a:r>
-              <a:rPr lang="ko-KR" altLang="en-US" smtClean="0"/>
+              <a:rPr lang="ko-KR" altLang="en-US"/>
               <a:t>마스터 텍스트 스타일을 편집합니다</a:t>
             </a:r>
           </a:p>
@@ -9294,7 +9034,7 @@
           <a:p>
             <a:fld id="{CA5BF5DF-E0C0-495E-90D1-C1A61650ABB1}" type="datetimeFigureOut">
               <a:rPr lang="ko-KR" altLang="en-US" smtClean="0"/>
-              <a:t>2021-04-20</a:t>
+              <a:t>2021-04-21</a:t>
             </a:fld>
             <a:endParaRPr lang="ko-KR" altLang="en-US"/>
           </a:p>
@@ -9397,10 +9137,9 @@
           </a:lstStyle>
           <a:p>
             <a:r>
-              <a:rPr lang="ko-KR" altLang="en-US" smtClean="0"/>
+              <a:rPr lang="ko-KR" altLang="en-US"/>
               <a:t>마스터 제목 스타일 편집</a:t>
             </a:r>
-            <a:endParaRPr lang="ko-KR" altLang="en-US"/>
           </a:p>
         </p:txBody>
       </p:sp>
@@ -9524,7 +9263,7 @@
           <a:p>
             <a:pPr lvl="0"/>
             <a:r>
-              <a:rPr lang="ko-KR" altLang="en-US" smtClean="0"/>
+              <a:rPr lang="ko-KR" altLang="en-US"/>
               <a:t>마스터 텍스트 스타일을 편집합니다</a:t>
             </a:r>
           </a:p>
@@ -9547,7 +9286,7 @@
           <a:p>
             <a:fld id="{CA5BF5DF-E0C0-495E-90D1-C1A61650ABB1}" type="datetimeFigureOut">
               <a:rPr lang="ko-KR" altLang="en-US" smtClean="0"/>
-              <a:t>2021-04-20</a:t>
+              <a:t>2021-04-21</a:t>
             </a:fld>
             <a:endParaRPr lang="ko-KR" altLang="en-US"/>
           </a:p>
@@ -9656,10 +9395,9 @@
           <a:lstStyle/>
           <a:p>
             <a:r>
-              <a:rPr lang="ko-KR" altLang="en-US" smtClean="0"/>
+              <a:rPr lang="ko-KR" altLang="en-US"/>
               <a:t>마스터 제목 스타일 편집</a:t>
             </a:r>
-            <a:endParaRPr lang="ko-KR" altLang="en-US"/>
           </a:p>
         </p:txBody>
       </p:sp>
@@ -9690,38 +9428,37 @@
           <a:p>
             <a:pPr lvl="0"/>
             <a:r>
-              <a:rPr lang="ko-KR" altLang="en-US" smtClean="0"/>
+              <a:rPr lang="ko-KR" altLang="en-US"/>
               <a:t>마스터 텍스트 스타일을 편집합니다</a:t>
             </a:r>
           </a:p>
           <a:p>
             <a:pPr lvl="1"/>
             <a:r>
-              <a:rPr lang="ko-KR" altLang="en-US" smtClean="0"/>
+              <a:rPr lang="ko-KR" altLang="en-US"/>
               <a:t>둘째 수준</a:t>
             </a:r>
           </a:p>
           <a:p>
             <a:pPr lvl="2"/>
             <a:r>
-              <a:rPr lang="ko-KR" altLang="en-US" smtClean="0"/>
+              <a:rPr lang="ko-KR" altLang="en-US"/>
               <a:t>셋째 수준</a:t>
             </a:r>
           </a:p>
           <a:p>
             <a:pPr lvl="3"/>
             <a:r>
-              <a:rPr lang="ko-KR" altLang="en-US" smtClean="0"/>
+              <a:rPr lang="ko-KR" altLang="en-US"/>
               <a:t>넷째 수준</a:t>
             </a:r>
           </a:p>
           <a:p>
             <a:pPr lvl="4"/>
             <a:r>
-              <a:rPr lang="ko-KR" altLang="en-US" smtClean="0"/>
+              <a:rPr lang="ko-KR" altLang="en-US"/>
               <a:t>다섯째 수준</a:t>
             </a:r>
-            <a:endParaRPr lang="ko-KR" altLang="en-US"/>
           </a:p>
         </p:txBody>
       </p:sp>
@@ -9760,7 +9497,7 @@
           <a:p>
             <a:fld id="{CA5BF5DF-E0C0-495E-90D1-C1A61650ABB1}" type="datetimeFigureOut">
               <a:rPr lang="ko-KR" altLang="en-US" smtClean="0"/>
-              <a:t>2021-04-20</a:t>
+              <a:t>2021-04-21</a:t>
             </a:fld>
             <a:endParaRPr lang="ko-KR" altLang="en-US"/>
           </a:p>
@@ -10203,18 +9940,13 @@
           <a:p>
             <a:pPr algn="ctr"/>
             <a:r>
-              <a:rPr lang="ko-KR" altLang="en-US" dirty="0" smtClean="0">
+              <a:rPr lang="ko-KR" altLang="en-US" dirty="0">
                 <a:solidFill>
                   <a:schemeClr val="tx1"/>
                 </a:solidFill>
               </a:rPr>
               <a:t>놀이공원티켓발급 프로젝트</a:t>
             </a:r>
-            <a:endParaRPr lang="ko-KR" altLang="en-US" dirty="0">
-              <a:solidFill>
-                <a:schemeClr val="tx1"/>
-              </a:solidFill>
-            </a:endParaRPr>
           </a:p>
         </p:txBody>
       </p:sp>
@@ -10228,13 +9960,6 @@
   <p:clrMapOvr>
     <a:masterClrMapping/>
   </p:clrMapOvr>
-  <p:timing>
-    <p:tnLst>
-      <p:par>
-        <p:cTn id="1" dur="indefinite" restart="never" nodeType="tmRoot"/>
-      </p:par>
-    </p:tnLst>
-  </p:timing>
 </p:sld>
 </file>
 
@@ -10311,7 +10036,7 @@
         </p:nvSpPr>
         <p:spPr>
           <a:xfrm>
-            <a:off x="6598508" y="192725"/>
+            <a:off x="6598508" y="100590"/>
             <a:ext cx="5189838" cy="782595"/>
           </a:xfrm>
           <a:prstGeom prst="rect">
@@ -10341,7 +10066,7 @@
           <a:p>
             <a:pPr algn="ctr"/>
             <a:r>
-              <a:rPr lang="en-US" altLang="ko-KR" dirty="0" smtClean="0">
+              <a:rPr lang="en-US" altLang="ko-KR" dirty="0">
                 <a:solidFill>
                   <a:schemeClr val="tx1"/>
                 </a:solidFill>
@@ -10349,7 +10074,7 @@
               <a:t>Console</a:t>
             </a:r>
             <a:r>
-              <a:rPr lang="ko-KR" altLang="en-US" dirty="0" smtClean="0">
+              <a:rPr lang="ko-KR" altLang="en-US" dirty="0">
                 <a:solidFill>
                   <a:schemeClr val="tx1"/>
                 </a:solidFill>
@@ -10357,7 +10082,7 @@
               <a:t>결과</a:t>
             </a:r>
             <a:r>
-              <a:rPr lang="en-US" altLang="ko-KR" dirty="0" smtClean="0">
+              <a:rPr lang="en-US" altLang="ko-KR" dirty="0">
                 <a:solidFill>
                   <a:schemeClr val="tx1"/>
                 </a:solidFill>
@@ -10365,14 +10090,14 @@
               <a:t>, csv</a:t>
             </a:r>
             <a:r>
-              <a:rPr lang="ko-KR" altLang="en-US" dirty="0" smtClean="0">
+              <a:rPr lang="ko-KR" altLang="en-US" dirty="0">
                 <a:solidFill>
                   <a:schemeClr val="tx1"/>
                 </a:solidFill>
               </a:rPr>
               <a:t>로 출력결과 </a:t>
             </a:r>
-            <a:endParaRPr lang="en-US" altLang="ko-KR" dirty="0" smtClean="0">
+            <a:endParaRPr lang="en-US" altLang="ko-KR" dirty="0">
               <a:solidFill>
                 <a:schemeClr val="tx1"/>
               </a:solidFill>
@@ -10418,7 +10143,7 @@
           <a:p>
             <a:pPr algn="ctr"/>
             <a:r>
-              <a:rPr lang="ko-KR" altLang="en-US" sz="900" dirty="0" smtClean="0">
+              <a:rPr lang="ko-KR" altLang="en-US" sz="900" dirty="0">
                 <a:solidFill>
                   <a:schemeClr val="tx1"/>
                 </a:solidFill>
@@ -10426,7 +10151,7 @@
               <a:t>현재 </a:t>
             </a:r>
             <a:r>
-              <a:rPr lang="en-US" altLang="ko-KR" sz="900" dirty="0" smtClean="0">
+              <a:rPr lang="en-US" altLang="ko-KR" sz="900" dirty="0">
                 <a:solidFill>
                   <a:schemeClr val="tx1"/>
                 </a:solidFill>
@@ -10434,7 +10159,7 @@
               <a:t>txt</a:t>
             </a:r>
             <a:r>
-              <a:rPr lang="ko-KR" altLang="en-US" sz="900" dirty="0" smtClean="0">
+              <a:rPr lang="ko-KR" altLang="en-US" sz="900" dirty="0">
                 <a:solidFill>
                   <a:schemeClr val="tx1"/>
                 </a:solidFill>
@@ -10442,7 +10167,7 @@
               <a:t>파일에 저장된 값을 저장하여 </a:t>
             </a:r>
             <a:r>
-              <a:rPr lang="en-US" altLang="ko-KR" sz="900" dirty="0" smtClean="0">
+              <a:rPr lang="en-US" altLang="ko-KR" sz="900" dirty="0">
                 <a:solidFill>
                   <a:schemeClr val="tx1"/>
                 </a:solidFill>
@@ -10450,7 +10175,7 @@
               <a:t>EXCEL</a:t>
             </a:r>
             <a:r>
-              <a:rPr lang="ko-KR" altLang="en-US" sz="900" dirty="0" smtClean="0">
+              <a:rPr lang="ko-KR" altLang="en-US" sz="900" dirty="0">
                 <a:solidFill>
                   <a:schemeClr val="tx1"/>
                 </a:solidFill>
@@ -10458,7 +10183,7 @@
               <a:t>파일로 열면 </a:t>
             </a:r>
             <a:r>
-              <a:rPr lang="en-US" altLang="ko-KR" sz="900" dirty="0" smtClean="0">
+              <a:rPr lang="en-US" altLang="ko-KR" sz="900" dirty="0">
                 <a:solidFill>
                   <a:schemeClr val="tx1"/>
                 </a:solidFill>
@@ -10466,18 +10191,13 @@
               <a:t>CSV</a:t>
             </a:r>
             <a:r>
-              <a:rPr lang="ko-KR" altLang="en-US" sz="900" dirty="0" smtClean="0">
+              <a:rPr lang="ko-KR" altLang="en-US" sz="900" dirty="0">
                 <a:solidFill>
                   <a:schemeClr val="tx1"/>
                 </a:solidFill>
               </a:rPr>
               <a:t>파일로서 출력 완성</a:t>
             </a:r>
-            <a:endParaRPr lang="ko-KR" altLang="en-US" sz="900" dirty="0">
-              <a:solidFill>
-                <a:schemeClr val="tx1"/>
-              </a:solidFill>
-            </a:endParaRPr>
           </a:p>
         </p:txBody>
       </p:sp>
@@ -10491,13 +10211,999 @@
   <p:clrMapOvr>
     <a:masterClrMapping/>
   </p:clrMapOvr>
-  <p:timing>
-    <p:tnLst>
-      <p:par>
-        <p:cTn id="1" dur="indefinite" restart="never" nodeType="tmRoot"/>
-      </p:par>
-    </p:tnLst>
-  </p:timing>
+</p:sld>
+</file>
+
+<file path=ppt/slides/slide11.xml><?xml version="1.0" encoding="utf-8"?>
+<p:sld xmlns:a="http://schemas.openxmlformats.org/drawingml/2006/main" xmlns:r="http://schemas.openxmlformats.org/officeDocument/2006/relationships" xmlns:p="http://schemas.openxmlformats.org/presentationml/2006/main">
+  <p:cSld>
+    <p:spTree>
+      <p:nvGrpSpPr>
+        <p:cNvPr id="1" name=""/>
+        <p:cNvGrpSpPr/>
+        <p:nvPr/>
+      </p:nvGrpSpPr>
+      <p:grpSpPr>
+        <a:xfrm>
+          <a:off x="0" y="0"/>
+          <a:ext cx="0" cy="0"/>
+          <a:chOff x="0" y="0"/>
+          <a:chExt cx="0" cy="0"/>
+        </a:xfrm>
+      </p:grpSpPr>
+      <p:pic>
+        <p:nvPicPr>
+          <p:cNvPr id="3" name="그림 2">
+            <a:extLst>
+              <a:ext uri="{FF2B5EF4-FFF2-40B4-BE49-F238E27FC236}">
+                <a16:creationId xmlns:a16="http://schemas.microsoft.com/office/drawing/2014/main" id="{C62F3912-FD3D-467E-9BC7-E1C2A060C48A}"/>
+              </a:ext>
+            </a:extLst>
+          </p:cNvPr>
+          <p:cNvPicPr>
+            <a:picLocks noChangeAspect="1"/>
+          </p:cNvPicPr>
+          <p:nvPr/>
+        </p:nvPicPr>
+        <p:blipFill>
+          <a:blip r:embed="rId3"/>
+          <a:stretch>
+            <a:fillRect/>
+          </a:stretch>
+        </p:blipFill>
+        <p:spPr>
+          <a:xfrm>
+            <a:off x="94269" y="1399098"/>
+            <a:ext cx="5730916" cy="5135252"/>
+          </a:xfrm>
+          <a:prstGeom prst="rect">
+            <a:avLst/>
+          </a:prstGeom>
+        </p:spPr>
+      </p:pic>
+      <p:sp>
+        <p:nvSpPr>
+          <p:cNvPr id="8" name="직사각형 7">
+            <a:extLst>
+              <a:ext uri="{FF2B5EF4-FFF2-40B4-BE49-F238E27FC236}">
+                <a16:creationId xmlns:a16="http://schemas.microsoft.com/office/drawing/2014/main" id="{EDF1CA92-B690-4F01-A38E-5E737E07C293}"/>
+              </a:ext>
+            </a:extLst>
+          </p:cNvPr>
+          <p:cNvSpPr/>
+          <p:nvPr/>
+        </p:nvSpPr>
+        <p:spPr>
+          <a:xfrm>
+            <a:off x="1350937" y="5835196"/>
+            <a:ext cx="3541574" cy="197964"/>
+          </a:xfrm>
+          <a:prstGeom prst="rect">
+            <a:avLst/>
+          </a:prstGeom>
+          <a:noFill/>
+          <a:ln w="28575">
+            <a:solidFill>
+              <a:srgbClr val="FF0000"/>
+            </a:solidFill>
+          </a:ln>
+        </p:spPr>
+        <p:style>
+          <a:lnRef idx="2">
+            <a:schemeClr val="accent1">
+              <a:shade val="50000"/>
+            </a:schemeClr>
+          </a:lnRef>
+          <a:fillRef idx="1">
+            <a:schemeClr val="accent1"/>
+          </a:fillRef>
+          <a:effectRef idx="0">
+            <a:schemeClr val="accent1"/>
+          </a:effectRef>
+          <a:fontRef idx="minor">
+            <a:schemeClr val="lt1"/>
+          </a:fontRef>
+        </p:style>
+        <p:txBody>
+          <a:bodyPr rtlCol="0" anchor="ctr"/>
+          <a:lstStyle/>
+          <a:p>
+            <a:pPr algn="ctr"/>
+            <a:endParaRPr lang="ko-KR" altLang="en-US" sz="900" dirty="0">
+              <a:solidFill>
+                <a:schemeClr val="tx1"/>
+              </a:solidFill>
+            </a:endParaRPr>
+          </a:p>
+        </p:txBody>
+      </p:sp>
+      <p:sp>
+        <p:nvSpPr>
+          <p:cNvPr id="13" name="직사각형 12">
+            <a:extLst>
+              <a:ext uri="{FF2B5EF4-FFF2-40B4-BE49-F238E27FC236}">
+                <a16:creationId xmlns:a16="http://schemas.microsoft.com/office/drawing/2014/main" id="{0003BB9E-6932-4538-9222-AD4B7FCE018C}"/>
+              </a:ext>
+            </a:extLst>
+          </p:cNvPr>
+          <p:cNvSpPr/>
+          <p:nvPr/>
+        </p:nvSpPr>
+        <p:spPr>
+          <a:xfrm>
+            <a:off x="6270171" y="2827618"/>
+            <a:ext cx="5189838" cy="782595"/>
+          </a:xfrm>
+          <a:prstGeom prst="rect">
+            <a:avLst/>
+          </a:prstGeom>
+          <a:noFill/>
+        </p:spPr>
+        <p:style>
+          <a:lnRef idx="2">
+            <a:schemeClr val="accent1">
+              <a:shade val="50000"/>
+            </a:schemeClr>
+          </a:lnRef>
+          <a:fillRef idx="1">
+            <a:schemeClr val="accent1"/>
+          </a:fillRef>
+          <a:effectRef idx="0">
+            <a:schemeClr val="accent1"/>
+          </a:effectRef>
+          <a:fontRef idx="minor">
+            <a:schemeClr val="lt1"/>
+          </a:fontRef>
+        </p:style>
+        <p:txBody>
+          <a:bodyPr rtlCol="0" anchor="ctr"/>
+          <a:lstStyle/>
+          <a:p>
+            <a:pPr algn="ctr"/>
+            <a:r>
+              <a:rPr lang="ko-KR" altLang="en-US" dirty="0">
+                <a:solidFill>
+                  <a:schemeClr val="tx1"/>
+                </a:solidFill>
+              </a:rPr>
+              <a:t>데이터를 </a:t>
+            </a:r>
+            <a:r>
+              <a:rPr lang="en-US" altLang="ko-KR" dirty="0" err="1">
+                <a:solidFill>
+                  <a:schemeClr val="tx1"/>
+                </a:solidFill>
+              </a:rPr>
+              <a:t>sql</a:t>
+            </a:r>
+            <a:r>
+              <a:rPr lang="ko-KR" altLang="en-US" dirty="0">
+                <a:solidFill>
+                  <a:schemeClr val="tx1"/>
+                </a:solidFill>
+              </a:rPr>
+              <a:t>과 연결하여 바로 저장되게 </a:t>
+            </a:r>
+            <a:r>
+              <a:rPr lang="ko-KR" altLang="en-US" dirty="0" err="1">
+                <a:solidFill>
+                  <a:schemeClr val="tx1"/>
+                </a:solidFill>
+              </a:rPr>
+              <a:t>만듬</a:t>
+            </a:r>
+            <a:endParaRPr lang="en-US" altLang="ko-KR" dirty="0">
+              <a:solidFill>
+                <a:schemeClr val="tx1"/>
+              </a:solidFill>
+            </a:endParaRPr>
+          </a:p>
+          <a:p>
+            <a:pPr algn="ctr"/>
+            <a:r>
+              <a:rPr lang="en-US" altLang="ko-KR" dirty="0">
+                <a:solidFill>
+                  <a:schemeClr val="tx1"/>
+                </a:solidFill>
+              </a:rPr>
+              <a:t>(</a:t>
+            </a:r>
+            <a:r>
+              <a:rPr lang="ko-KR" altLang="en-US" dirty="0">
+                <a:solidFill>
+                  <a:schemeClr val="tx1"/>
+                </a:solidFill>
+              </a:rPr>
+              <a:t>메안에서 해당 함수를 불러옴</a:t>
+            </a:r>
+            <a:r>
+              <a:rPr lang="en-US" altLang="ko-KR" dirty="0">
+                <a:solidFill>
+                  <a:schemeClr val="tx1"/>
+                </a:solidFill>
+              </a:rPr>
+              <a:t>)</a:t>
+            </a:r>
+            <a:r>
+              <a:rPr lang="ko-KR" altLang="en-US" dirty="0">
+                <a:solidFill>
+                  <a:schemeClr val="tx1"/>
+                </a:solidFill>
+              </a:rPr>
+              <a:t> </a:t>
+            </a:r>
+            <a:endParaRPr lang="en-US" altLang="ko-KR" dirty="0">
+              <a:solidFill>
+                <a:schemeClr val="tx1"/>
+              </a:solidFill>
+            </a:endParaRPr>
+          </a:p>
+        </p:txBody>
+      </p:sp>
+      <p:sp>
+        <p:nvSpPr>
+          <p:cNvPr id="15" name="직사각형 14">
+            <a:extLst>
+              <a:ext uri="{FF2B5EF4-FFF2-40B4-BE49-F238E27FC236}">
+                <a16:creationId xmlns:a16="http://schemas.microsoft.com/office/drawing/2014/main" id="{6EE623C1-D42F-49DD-9E47-1E7530EA16FD}"/>
+              </a:ext>
+            </a:extLst>
+          </p:cNvPr>
+          <p:cNvSpPr/>
+          <p:nvPr/>
+        </p:nvSpPr>
+        <p:spPr>
+          <a:xfrm>
+            <a:off x="6598508" y="100590"/>
+            <a:ext cx="5189838" cy="782595"/>
+          </a:xfrm>
+          <a:prstGeom prst="rect">
+            <a:avLst/>
+          </a:prstGeom>
+          <a:noFill/>
+        </p:spPr>
+        <p:style>
+          <a:lnRef idx="2">
+            <a:schemeClr val="accent1">
+              <a:shade val="50000"/>
+            </a:schemeClr>
+          </a:lnRef>
+          <a:fillRef idx="1">
+            <a:schemeClr val="accent1"/>
+          </a:fillRef>
+          <a:effectRef idx="0">
+            <a:schemeClr val="accent1"/>
+          </a:effectRef>
+          <a:fontRef idx="minor">
+            <a:schemeClr val="lt1"/>
+          </a:fontRef>
+        </p:style>
+        <p:txBody>
+          <a:bodyPr rtlCol="0" anchor="ctr"/>
+          <a:lstStyle/>
+          <a:p>
+            <a:pPr algn="ctr"/>
+            <a:r>
+              <a:rPr lang="ko-KR" altLang="en-US" dirty="0">
+                <a:solidFill>
+                  <a:schemeClr val="tx1"/>
+                </a:solidFill>
+              </a:rPr>
+              <a:t>데이터를 </a:t>
+            </a:r>
+            <a:r>
+              <a:rPr lang="en-US" altLang="ko-KR" dirty="0" err="1">
+                <a:solidFill>
+                  <a:schemeClr val="tx1"/>
+                </a:solidFill>
+              </a:rPr>
+              <a:t>sql</a:t>
+            </a:r>
+            <a:r>
+              <a:rPr lang="ko-KR" altLang="en-US" dirty="0">
+                <a:solidFill>
+                  <a:schemeClr val="tx1"/>
+                </a:solidFill>
+              </a:rPr>
+              <a:t>과 연결하여 바로 저장하게 함</a:t>
+            </a:r>
+            <a:endParaRPr lang="en-US" altLang="ko-KR" dirty="0">
+              <a:solidFill>
+                <a:schemeClr val="tx1"/>
+              </a:solidFill>
+            </a:endParaRPr>
+          </a:p>
+        </p:txBody>
+      </p:sp>
+    </p:spTree>
+    <p:extLst>
+      <p:ext uri="{BB962C8B-B14F-4D97-AF65-F5344CB8AC3E}">
+        <p14:creationId xmlns:p14="http://schemas.microsoft.com/office/powerpoint/2010/main" val="809261179"/>
+      </p:ext>
+    </p:extLst>
+  </p:cSld>
+  <p:clrMapOvr>
+    <a:masterClrMapping/>
+  </p:clrMapOvr>
+</p:sld>
+</file>
+
+<file path=ppt/slides/slide12.xml><?xml version="1.0" encoding="utf-8"?>
+<p:sld xmlns:a="http://schemas.openxmlformats.org/drawingml/2006/main" xmlns:r="http://schemas.openxmlformats.org/officeDocument/2006/relationships" xmlns:p="http://schemas.openxmlformats.org/presentationml/2006/main">
+  <p:cSld>
+    <p:spTree>
+      <p:nvGrpSpPr>
+        <p:cNvPr id="1" name=""/>
+        <p:cNvGrpSpPr/>
+        <p:nvPr/>
+      </p:nvGrpSpPr>
+      <p:grpSpPr>
+        <a:xfrm>
+          <a:off x="0" y="0"/>
+          <a:ext cx="0" cy="0"/>
+          <a:chOff x="0" y="0"/>
+          <a:chExt cx="0" cy="0"/>
+        </a:xfrm>
+      </p:grpSpPr>
+      <p:sp>
+        <p:nvSpPr>
+          <p:cNvPr id="8" name="직사각형 7">
+            <a:extLst>
+              <a:ext uri="{FF2B5EF4-FFF2-40B4-BE49-F238E27FC236}">
+                <a16:creationId xmlns:a16="http://schemas.microsoft.com/office/drawing/2014/main" id="{4203CDF7-D2CC-42BC-AF3F-BE1B3FAC0B26}"/>
+              </a:ext>
+            </a:extLst>
+          </p:cNvPr>
+          <p:cNvSpPr/>
+          <p:nvPr/>
+        </p:nvSpPr>
+        <p:spPr>
+          <a:xfrm>
+            <a:off x="6574971" y="598714"/>
+            <a:ext cx="5617029" cy="2532525"/>
+          </a:xfrm>
+          <a:prstGeom prst="rect">
+            <a:avLst/>
+          </a:prstGeom>
+          <a:noFill/>
+        </p:spPr>
+        <p:style>
+          <a:lnRef idx="2">
+            <a:schemeClr val="accent1">
+              <a:shade val="50000"/>
+            </a:schemeClr>
+          </a:lnRef>
+          <a:fillRef idx="1">
+            <a:schemeClr val="accent1"/>
+          </a:fillRef>
+          <a:effectRef idx="0">
+            <a:schemeClr val="accent1"/>
+          </a:effectRef>
+          <a:fontRef idx="minor">
+            <a:schemeClr val="lt1"/>
+          </a:fontRef>
+        </p:style>
+        <p:txBody>
+          <a:bodyPr rtlCol="0" anchor="ctr"/>
+          <a:lstStyle/>
+          <a:p>
+            <a:pPr algn="just"/>
+            <a:r>
+              <a:rPr lang="en-US" altLang="ko-KR" dirty="0" err="1">
+                <a:solidFill>
+                  <a:schemeClr val="tx1"/>
+                </a:solidFill>
+              </a:rPr>
+              <a:t>Class.format</a:t>
+            </a:r>
+            <a:r>
+              <a:rPr lang="en-US" altLang="ko-KR" dirty="0">
+                <a:solidFill>
+                  <a:schemeClr val="tx1"/>
+                </a:solidFill>
+              </a:rPr>
+              <a:t>(): </a:t>
+            </a:r>
+            <a:r>
+              <a:rPr lang="ko-KR" altLang="en-US" dirty="0">
+                <a:solidFill>
+                  <a:schemeClr val="tx1"/>
+                </a:solidFill>
+              </a:rPr>
+              <a:t>자바 </a:t>
+            </a:r>
+            <a:r>
+              <a:rPr lang="en-US" altLang="ko-KR" dirty="0" err="1">
+                <a:solidFill>
+                  <a:schemeClr val="tx1"/>
+                </a:solidFill>
+              </a:rPr>
+              <a:t>sql</a:t>
+            </a:r>
+            <a:r>
+              <a:rPr lang="ko-KR" altLang="en-US" dirty="0">
+                <a:solidFill>
+                  <a:schemeClr val="tx1"/>
+                </a:solidFill>
+              </a:rPr>
+              <a:t>서버 연결 이름 </a:t>
+            </a:r>
+            <a:endParaRPr lang="en-US" altLang="ko-KR" dirty="0">
+              <a:solidFill>
+                <a:schemeClr val="tx1"/>
+              </a:solidFill>
+            </a:endParaRPr>
+          </a:p>
+          <a:p>
+            <a:pPr algn="just"/>
+            <a:r>
+              <a:rPr lang="en-US" altLang="ko-KR" dirty="0">
+                <a:solidFill>
+                  <a:schemeClr val="tx1"/>
+                </a:solidFill>
+              </a:rPr>
+              <a:t>(</a:t>
+            </a:r>
+            <a:r>
+              <a:rPr lang="en-US" altLang="ko-KR" dirty="0" err="1">
+                <a:solidFill>
+                  <a:schemeClr val="tx1"/>
+                </a:solidFill>
+              </a:rPr>
+              <a:t>buildpath</a:t>
+            </a:r>
+            <a:r>
+              <a:rPr lang="ko-KR" altLang="en-US" dirty="0">
+                <a:solidFill>
+                  <a:schemeClr val="tx1"/>
+                </a:solidFill>
+              </a:rPr>
+              <a:t>를 통해</a:t>
+            </a:r>
+            <a:r>
+              <a:rPr lang="en-US" altLang="ko-KR" dirty="0">
+                <a:solidFill>
+                  <a:schemeClr val="tx1"/>
+                </a:solidFill>
+              </a:rPr>
+              <a:t> tar</a:t>
+            </a:r>
+            <a:r>
+              <a:rPr lang="ko-KR" altLang="en-US" dirty="0">
+                <a:solidFill>
+                  <a:schemeClr val="tx1"/>
+                </a:solidFill>
+              </a:rPr>
+              <a:t>연결 시 생성됨</a:t>
+            </a:r>
+            <a:r>
+              <a:rPr lang="en-US" altLang="ko-KR" dirty="0">
+                <a:solidFill>
+                  <a:schemeClr val="tx1"/>
+                </a:solidFill>
+              </a:rPr>
+              <a:t>)</a:t>
+            </a:r>
+          </a:p>
+          <a:p>
+            <a:pPr algn="just"/>
+            <a:r>
+              <a:rPr lang="en-US" altLang="ko-KR" dirty="0">
+                <a:solidFill>
+                  <a:schemeClr val="tx1"/>
+                </a:solidFill>
+              </a:rPr>
+              <a:t>Connection</a:t>
+            </a:r>
+            <a:r>
+              <a:rPr lang="ko-KR" altLang="en-US" dirty="0">
+                <a:solidFill>
+                  <a:schemeClr val="tx1"/>
+                </a:solidFill>
+              </a:rPr>
+              <a:t> </a:t>
+            </a:r>
+            <a:r>
+              <a:rPr lang="en-US" altLang="ko-KR" dirty="0">
+                <a:solidFill>
+                  <a:schemeClr val="tx1"/>
+                </a:solidFill>
+              </a:rPr>
+              <a:t>conn</a:t>
+            </a:r>
+            <a:r>
+              <a:rPr lang="ko-KR" altLang="en-US" dirty="0">
+                <a:solidFill>
+                  <a:schemeClr val="tx1"/>
+                </a:solidFill>
+              </a:rPr>
+              <a:t> </a:t>
+            </a:r>
+            <a:r>
+              <a:rPr lang="en-US" altLang="ko-KR" dirty="0">
+                <a:solidFill>
+                  <a:schemeClr val="tx1"/>
+                </a:solidFill>
+              </a:rPr>
+              <a:t>:</a:t>
+            </a:r>
+            <a:r>
+              <a:rPr lang="ko-KR" altLang="en-US" dirty="0">
+                <a:solidFill>
+                  <a:schemeClr val="tx1"/>
+                </a:solidFill>
+              </a:rPr>
+              <a:t> 내 서버의 데이터베이스에서 내 아이디와 비밀번호로 연결</a:t>
+            </a:r>
+            <a:endParaRPr lang="en-US" altLang="ko-KR" dirty="0">
+              <a:solidFill>
+                <a:schemeClr val="tx1"/>
+              </a:solidFill>
+            </a:endParaRPr>
+          </a:p>
+          <a:p>
+            <a:pPr algn="just"/>
+            <a:r>
+              <a:rPr lang="en-US" altLang="ko-KR" dirty="0">
+                <a:solidFill>
+                  <a:schemeClr val="tx1"/>
+                </a:solidFill>
+              </a:rPr>
+              <a:t>Execute:</a:t>
+            </a:r>
+            <a:r>
+              <a:rPr lang="ko-KR" altLang="en-US" dirty="0">
+                <a:solidFill>
+                  <a:schemeClr val="tx1"/>
+                </a:solidFill>
+              </a:rPr>
+              <a:t> 해당과 같은 쿼리 실행</a:t>
+            </a:r>
+            <a:endParaRPr lang="en-US" altLang="ko-KR" dirty="0">
+              <a:solidFill>
+                <a:schemeClr val="tx1"/>
+              </a:solidFill>
+            </a:endParaRPr>
+          </a:p>
+          <a:p>
+            <a:pPr algn="just"/>
+            <a:r>
+              <a:rPr lang="en-US" altLang="ko-KR" dirty="0" err="1">
+                <a:solidFill>
+                  <a:schemeClr val="tx1"/>
+                </a:solidFill>
+              </a:rPr>
+              <a:t>Executequery</a:t>
+            </a:r>
+            <a:r>
+              <a:rPr lang="en-US" altLang="ko-KR" dirty="0">
+                <a:solidFill>
+                  <a:schemeClr val="tx1"/>
+                </a:solidFill>
+              </a:rPr>
+              <a:t> </a:t>
+            </a:r>
+            <a:r>
+              <a:rPr lang="ko-KR" altLang="en-US" dirty="0">
+                <a:solidFill>
+                  <a:schemeClr val="tx1"/>
+                </a:solidFill>
+              </a:rPr>
+              <a:t>해당과 같은 쿼리를 실행하여 </a:t>
+            </a:r>
+            <a:r>
+              <a:rPr lang="en-US" altLang="ko-KR" dirty="0">
+                <a:solidFill>
+                  <a:schemeClr val="tx1"/>
+                </a:solidFill>
+              </a:rPr>
+              <a:t>result</a:t>
+            </a:r>
+            <a:r>
+              <a:rPr lang="ko-KR" altLang="en-US" dirty="0">
+                <a:solidFill>
+                  <a:schemeClr val="tx1"/>
+                </a:solidFill>
+              </a:rPr>
+              <a:t>형태로 보여 달라</a:t>
+            </a:r>
+            <a:r>
+              <a:rPr lang="en-US" altLang="ko-KR" dirty="0">
+                <a:solidFill>
+                  <a:schemeClr val="tx1"/>
+                </a:solidFill>
+              </a:rPr>
+              <a:t>(</a:t>
+            </a:r>
+            <a:r>
+              <a:rPr lang="ko-KR" altLang="en-US" dirty="0">
+                <a:solidFill>
+                  <a:schemeClr val="tx1"/>
+                </a:solidFill>
+              </a:rPr>
+              <a:t>여기서는 테이블 읽기</a:t>
+            </a:r>
+            <a:r>
+              <a:rPr lang="en-US" altLang="ko-KR" dirty="0">
+                <a:solidFill>
+                  <a:schemeClr val="tx1"/>
+                </a:solidFill>
+              </a:rPr>
+              <a:t>)</a:t>
+            </a:r>
+          </a:p>
+        </p:txBody>
+      </p:sp>
+      <p:pic>
+        <p:nvPicPr>
+          <p:cNvPr id="6" name="그림 5">
+            <a:extLst>
+              <a:ext uri="{FF2B5EF4-FFF2-40B4-BE49-F238E27FC236}">
+                <a16:creationId xmlns:a16="http://schemas.microsoft.com/office/drawing/2014/main" id="{EF3977B4-269E-4DC4-8976-577635479F3A}"/>
+              </a:ext>
+            </a:extLst>
+          </p:cNvPr>
+          <p:cNvPicPr>
+            <a:picLocks noChangeAspect="1"/>
+          </p:cNvPicPr>
+          <p:nvPr/>
+        </p:nvPicPr>
+        <p:blipFill>
+          <a:blip r:embed="rId2"/>
+          <a:stretch>
+            <a:fillRect/>
+          </a:stretch>
+        </p:blipFill>
+        <p:spPr>
+          <a:xfrm>
+            <a:off x="377066" y="288011"/>
+            <a:ext cx="6273966" cy="5971275"/>
+          </a:xfrm>
+          <a:prstGeom prst="rect">
+            <a:avLst/>
+          </a:prstGeom>
+        </p:spPr>
+      </p:pic>
+      <p:sp>
+        <p:nvSpPr>
+          <p:cNvPr id="7" name="직사각형 6">
+            <a:extLst>
+              <a:ext uri="{FF2B5EF4-FFF2-40B4-BE49-F238E27FC236}">
+                <a16:creationId xmlns:a16="http://schemas.microsoft.com/office/drawing/2014/main" id="{57238997-F4B3-4005-8292-16499853F5F9}"/>
+              </a:ext>
+            </a:extLst>
+          </p:cNvPr>
+          <p:cNvSpPr/>
+          <p:nvPr/>
+        </p:nvSpPr>
+        <p:spPr>
+          <a:xfrm>
+            <a:off x="583553" y="486601"/>
+            <a:ext cx="1899740" cy="1450158"/>
+          </a:xfrm>
+          <a:prstGeom prst="rect">
+            <a:avLst/>
+          </a:prstGeom>
+          <a:noFill/>
+          <a:ln w="28575">
+            <a:solidFill>
+              <a:srgbClr val="FF0000"/>
+            </a:solidFill>
+          </a:ln>
+        </p:spPr>
+        <p:style>
+          <a:lnRef idx="2">
+            <a:schemeClr val="accent1">
+              <a:shade val="50000"/>
+            </a:schemeClr>
+          </a:lnRef>
+          <a:fillRef idx="1">
+            <a:schemeClr val="accent1"/>
+          </a:fillRef>
+          <a:effectRef idx="0">
+            <a:schemeClr val="accent1"/>
+          </a:effectRef>
+          <a:fontRef idx="minor">
+            <a:schemeClr val="lt1"/>
+          </a:fontRef>
+        </p:style>
+        <p:txBody>
+          <a:bodyPr rtlCol="0" anchor="ctr"/>
+          <a:lstStyle/>
+          <a:p>
+            <a:pPr algn="ctr"/>
+            <a:endParaRPr lang="ko-KR" altLang="en-US" sz="900" dirty="0">
+              <a:solidFill>
+                <a:schemeClr val="tx1"/>
+              </a:solidFill>
+            </a:endParaRPr>
+          </a:p>
+        </p:txBody>
+      </p:sp>
+      <p:sp>
+        <p:nvSpPr>
+          <p:cNvPr id="9" name="직사각형 8">
+            <a:extLst>
+              <a:ext uri="{FF2B5EF4-FFF2-40B4-BE49-F238E27FC236}">
+                <a16:creationId xmlns:a16="http://schemas.microsoft.com/office/drawing/2014/main" id="{346D8FA8-A960-4B50-9574-2C443937CEC8}"/>
+              </a:ext>
+            </a:extLst>
+          </p:cNvPr>
+          <p:cNvSpPr/>
+          <p:nvPr/>
+        </p:nvSpPr>
+        <p:spPr>
+          <a:xfrm>
+            <a:off x="376725" y="4485813"/>
+            <a:ext cx="5602903" cy="1721965"/>
+          </a:xfrm>
+          <a:prstGeom prst="rect">
+            <a:avLst/>
+          </a:prstGeom>
+          <a:noFill/>
+          <a:ln w="28575">
+            <a:solidFill>
+              <a:srgbClr val="FF0000"/>
+            </a:solidFill>
+          </a:ln>
+        </p:spPr>
+        <p:style>
+          <a:lnRef idx="2">
+            <a:schemeClr val="accent1">
+              <a:shade val="50000"/>
+            </a:schemeClr>
+          </a:lnRef>
+          <a:fillRef idx="1">
+            <a:schemeClr val="accent1"/>
+          </a:fillRef>
+          <a:effectRef idx="0">
+            <a:schemeClr val="accent1"/>
+          </a:effectRef>
+          <a:fontRef idx="minor">
+            <a:schemeClr val="lt1"/>
+          </a:fontRef>
+        </p:style>
+        <p:txBody>
+          <a:bodyPr rtlCol="0" anchor="ctr"/>
+          <a:lstStyle/>
+          <a:p>
+            <a:pPr algn="ctr"/>
+            <a:endParaRPr lang="ko-KR" altLang="en-US" sz="900" dirty="0">
+              <a:solidFill>
+                <a:schemeClr val="tx1"/>
+              </a:solidFill>
+            </a:endParaRPr>
+          </a:p>
+        </p:txBody>
+      </p:sp>
+    </p:spTree>
+    <p:extLst>
+      <p:ext uri="{BB962C8B-B14F-4D97-AF65-F5344CB8AC3E}">
+        <p14:creationId xmlns:p14="http://schemas.microsoft.com/office/powerpoint/2010/main" val="3868731474"/>
+      </p:ext>
+    </p:extLst>
+  </p:cSld>
+  <p:clrMapOvr>
+    <a:masterClrMapping/>
+  </p:clrMapOvr>
+</p:sld>
+</file>
+
+<file path=ppt/slides/slide13.xml><?xml version="1.0" encoding="utf-8"?>
+<p:sld xmlns:a="http://schemas.openxmlformats.org/drawingml/2006/main" xmlns:r="http://schemas.openxmlformats.org/officeDocument/2006/relationships" xmlns:p="http://schemas.openxmlformats.org/presentationml/2006/main">
+  <p:cSld>
+    <p:spTree>
+      <p:nvGrpSpPr>
+        <p:cNvPr id="1" name=""/>
+        <p:cNvGrpSpPr/>
+        <p:nvPr/>
+      </p:nvGrpSpPr>
+      <p:grpSpPr>
+        <a:xfrm>
+          <a:off x="0" y="0"/>
+          <a:ext cx="0" cy="0"/>
+          <a:chOff x="0" y="0"/>
+          <a:chExt cx="0" cy="0"/>
+        </a:xfrm>
+      </p:grpSpPr>
+      <p:pic>
+        <p:nvPicPr>
+          <p:cNvPr id="4" name="그림 3">
+            <a:extLst>
+              <a:ext uri="{FF2B5EF4-FFF2-40B4-BE49-F238E27FC236}">
+                <a16:creationId xmlns:a16="http://schemas.microsoft.com/office/drawing/2014/main" id="{DFAC56F4-EDEF-4491-B696-F05C9D5ABA6E}"/>
+              </a:ext>
+            </a:extLst>
+          </p:cNvPr>
+          <p:cNvPicPr>
+            <a:picLocks noChangeAspect="1"/>
+          </p:cNvPicPr>
+          <p:nvPr/>
+        </p:nvPicPr>
+        <p:blipFill>
+          <a:blip r:embed="rId2"/>
+          <a:stretch>
+            <a:fillRect/>
+          </a:stretch>
+        </p:blipFill>
+        <p:spPr>
+          <a:xfrm>
+            <a:off x="609523" y="306554"/>
+            <a:ext cx="5978385" cy="6244891"/>
+          </a:xfrm>
+          <a:prstGeom prst="rect">
+            <a:avLst/>
+          </a:prstGeom>
+        </p:spPr>
+      </p:pic>
+      <p:sp>
+        <p:nvSpPr>
+          <p:cNvPr id="5" name="직사각형 4">
+            <a:extLst>
+              <a:ext uri="{FF2B5EF4-FFF2-40B4-BE49-F238E27FC236}">
+                <a16:creationId xmlns:a16="http://schemas.microsoft.com/office/drawing/2014/main" id="{B4E6D95E-286A-4FD1-9C8D-0288BD166E64}"/>
+              </a:ext>
+            </a:extLst>
+          </p:cNvPr>
+          <p:cNvSpPr/>
+          <p:nvPr/>
+        </p:nvSpPr>
+        <p:spPr>
+          <a:xfrm>
+            <a:off x="694202" y="315802"/>
+            <a:ext cx="5602903" cy="1060512"/>
+          </a:xfrm>
+          <a:prstGeom prst="rect">
+            <a:avLst/>
+          </a:prstGeom>
+          <a:noFill/>
+          <a:ln w="28575">
+            <a:solidFill>
+              <a:srgbClr val="FF0000"/>
+            </a:solidFill>
+          </a:ln>
+        </p:spPr>
+        <p:style>
+          <a:lnRef idx="2">
+            <a:schemeClr val="accent1">
+              <a:shade val="50000"/>
+            </a:schemeClr>
+          </a:lnRef>
+          <a:fillRef idx="1">
+            <a:schemeClr val="accent1"/>
+          </a:fillRef>
+          <a:effectRef idx="0">
+            <a:schemeClr val="accent1"/>
+          </a:effectRef>
+          <a:fontRef idx="minor">
+            <a:schemeClr val="lt1"/>
+          </a:fontRef>
+        </p:style>
+        <p:txBody>
+          <a:bodyPr rtlCol="0" anchor="ctr"/>
+          <a:lstStyle/>
+          <a:p>
+            <a:pPr algn="ctr"/>
+            <a:endParaRPr lang="ko-KR" altLang="en-US" sz="900" dirty="0">
+              <a:solidFill>
+                <a:schemeClr val="tx1"/>
+              </a:solidFill>
+            </a:endParaRPr>
+          </a:p>
+        </p:txBody>
+      </p:sp>
+      <p:sp>
+        <p:nvSpPr>
+          <p:cNvPr id="8" name="직사각형 7">
+            <a:extLst>
+              <a:ext uri="{FF2B5EF4-FFF2-40B4-BE49-F238E27FC236}">
+                <a16:creationId xmlns:a16="http://schemas.microsoft.com/office/drawing/2014/main" id="{4203CDF7-D2CC-42BC-AF3F-BE1B3FAC0B26}"/>
+              </a:ext>
+            </a:extLst>
+          </p:cNvPr>
+          <p:cNvSpPr/>
+          <p:nvPr/>
+        </p:nvSpPr>
+        <p:spPr>
+          <a:xfrm>
+            <a:off x="6955965" y="204160"/>
+            <a:ext cx="5189838" cy="782595"/>
+          </a:xfrm>
+          <a:prstGeom prst="rect">
+            <a:avLst/>
+          </a:prstGeom>
+          <a:noFill/>
+        </p:spPr>
+        <p:style>
+          <a:lnRef idx="2">
+            <a:schemeClr val="accent1">
+              <a:shade val="50000"/>
+            </a:schemeClr>
+          </a:lnRef>
+          <a:fillRef idx="1">
+            <a:schemeClr val="accent1"/>
+          </a:fillRef>
+          <a:effectRef idx="0">
+            <a:schemeClr val="accent1"/>
+          </a:effectRef>
+          <a:fontRef idx="minor">
+            <a:schemeClr val="lt1"/>
+          </a:fontRef>
+        </p:style>
+        <p:txBody>
+          <a:bodyPr rtlCol="0" anchor="ctr"/>
+          <a:lstStyle/>
+          <a:p>
+            <a:pPr algn="ctr"/>
+            <a:r>
+              <a:rPr lang="ko-KR" altLang="en-US" dirty="0">
+                <a:solidFill>
+                  <a:schemeClr val="tx1"/>
+                </a:solidFill>
+              </a:rPr>
+              <a:t>출력클래스에서 문장 형태로  만드는 데</a:t>
+            </a:r>
+            <a:r>
+              <a:rPr lang="en-US" altLang="ko-KR" dirty="0">
+                <a:solidFill>
+                  <a:schemeClr val="tx1"/>
+                </a:solidFill>
+              </a:rPr>
+              <a:t>, </a:t>
+            </a:r>
+          </a:p>
+          <a:p>
+            <a:pPr algn="ctr"/>
+            <a:r>
+              <a:rPr lang="en-US" altLang="ko-KR" dirty="0" err="1">
+                <a:solidFill>
+                  <a:schemeClr val="tx1"/>
+                </a:solidFill>
+              </a:rPr>
+              <a:t>Sql</a:t>
+            </a:r>
+            <a:r>
+              <a:rPr lang="ko-KR" altLang="en-US" dirty="0">
+                <a:solidFill>
+                  <a:schemeClr val="tx1"/>
+                </a:solidFill>
+              </a:rPr>
+              <a:t>에서 </a:t>
+            </a:r>
+            <a:r>
+              <a:rPr lang="en-US" altLang="ko-KR" dirty="0">
+                <a:solidFill>
+                  <a:schemeClr val="tx1"/>
+                </a:solidFill>
+              </a:rPr>
+              <a:t>,,,;</a:t>
+            </a:r>
+            <a:r>
+              <a:rPr lang="ko-KR" altLang="en-US">
+                <a:solidFill>
+                  <a:schemeClr val="tx1"/>
+                </a:solidFill>
+              </a:rPr>
+              <a:t>형태가 될 수 있게 함 </a:t>
+            </a:r>
+            <a:endParaRPr lang="en-US" altLang="ko-KR" dirty="0">
+              <a:solidFill>
+                <a:schemeClr val="tx1"/>
+              </a:solidFill>
+            </a:endParaRPr>
+          </a:p>
+        </p:txBody>
+      </p:sp>
+    </p:spTree>
+    <p:extLst>
+      <p:ext uri="{BB962C8B-B14F-4D97-AF65-F5344CB8AC3E}">
+        <p14:creationId xmlns:p14="http://schemas.microsoft.com/office/powerpoint/2010/main" val="1381486984"/>
+      </p:ext>
+    </p:extLst>
+  </p:cSld>
+  <p:clrMapOvr>
+    <a:masterClrMapping/>
+  </p:clrMapOvr>
 </p:sld>
 </file>
 
@@ -10580,18 +11286,13 @@
           <a:p>
             <a:pPr algn="ctr"/>
             <a:r>
-              <a:rPr lang="ko-KR" altLang="en-US" dirty="0" smtClean="0">
+              <a:rPr lang="ko-KR" altLang="en-US" dirty="0">
                 <a:solidFill>
                   <a:schemeClr val="tx1"/>
                 </a:solidFill>
               </a:rPr>
               <a:t>클래스 표</a:t>
             </a:r>
-            <a:endParaRPr lang="ko-KR" altLang="en-US" dirty="0">
-              <a:solidFill>
-                <a:schemeClr val="tx1"/>
-              </a:solidFill>
-            </a:endParaRPr>
           </a:p>
         </p:txBody>
       </p:sp>
@@ -10605,13 +11306,6 @@
   <p:clrMapOvr>
     <a:masterClrMapping/>
   </p:clrMapOvr>
-  <p:timing>
-    <p:tnLst>
-      <p:par>
-        <p:cTn id="1" dur="indefinite" restart="never" nodeType="tmRoot"/>
-      </p:par>
-    </p:tnLst>
-  </p:timing>
 </p:sld>
 </file>
 
@@ -10718,7 +11412,7 @@
           <a:p>
             <a:pPr algn="ctr"/>
             <a:r>
-              <a:rPr lang="en-US" altLang="ko-KR" dirty="0" smtClean="0">
+              <a:rPr lang="en-US" altLang="ko-KR" dirty="0">
                 <a:solidFill>
                   <a:schemeClr val="tx1"/>
                 </a:solidFill>
@@ -10771,7 +11465,7 @@
           <a:p>
             <a:pPr algn="ctr"/>
             <a:r>
-              <a:rPr lang="ko-KR" altLang="en-US" sz="900" smtClean="0">
+              <a:rPr lang="ko-KR" altLang="en-US" sz="900">
                 <a:solidFill>
                   <a:schemeClr val="tx1"/>
                 </a:solidFill>
@@ -10824,7 +11518,7 @@
           <a:p>
             <a:pPr algn="ctr"/>
             <a:r>
-              <a:rPr lang="ko-KR" altLang="en-US" sz="900" smtClean="0">
+              <a:rPr lang="ko-KR" altLang="en-US" sz="900">
                 <a:solidFill>
                   <a:schemeClr val="tx1"/>
                 </a:solidFill>
@@ -10877,7 +11571,7 @@
           <a:p>
             <a:pPr algn="ctr"/>
             <a:r>
-              <a:rPr lang="en-US" altLang="ko-KR" sz="900" dirty="0" smtClean="0">
+              <a:rPr lang="en-US" altLang="ko-KR" sz="900" dirty="0">
                 <a:solidFill>
                   <a:schemeClr val="tx1"/>
                 </a:solidFill>
@@ -10885,18 +11579,13 @@
               <a:t>choose1</a:t>
             </a:r>
             <a:r>
-              <a:rPr lang="ko-KR" altLang="en-US" sz="900" dirty="0" smtClean="0">
+              <a:rPr lang="ko-KR" altLang="en-US" sz="900" dirty="0">
                 <a:solidFill>
                   <a:schemeClr val="tx1"/>
                 </a:solidFill>
               </a:rPr>
               <a:t>을 눌렀을 때 계산되는 가격을 불러옴</a:t>
             </a:r>
-            <a:endParaRPr lang="ko-KR" altLang="en-US" sz="900" dirty="0">
-              <a:solidFill>
-                <a:schemeClr val="tx1"/>
-              </a:solidFill>
-            </a:endParaRPr>
           </a:p>
         </p:txBody>
       </p:sp>
@@ -10938,7 +11627,7 @@
           <a:p>
             <a:pPr algn="ctr"/>
             <a:r>
-              <a:rPr lang="en-US" altLang="ko-KR" sz="900" dirty="0" smtClean="0">
+              <a:rPr lang="en-US" altLang="ko-KR" sz="900" dirty="0">
                 <a:solidFill>
                   <a:schemeClr val="tx1"/>
                 </a:solidFill>
@@ -10946,18 +11635,13 @@
               <a:t>choose2</a:t>
             </a:r>
             <a:r>
-              <a:rPr lang="ko-KR" altLang="en-US" sz="900" dirty="0" smtClean="0">
+              <a:rPr lang="ko-KR" altLang="en-US" sz="900" dirty="0">
                 <a:solidFill>
                   <a:schemeClr val="tx1"/>
                 </a:solidFill>
               </a:rPr>
               <a:t>를 눌렀을 때 계산되는 가격을 불러옴</a:t>
             </a:r>
-            <a:endParaRPr lang="ko-KR" altLang="en-US" sz="900" dirty="0">
-              <a:solidFill>
-                <a:schemeClr val="tx1"/>
-              </a:solidFill>
-            </a:endParaRPr>
           </a:p>
         </p:txBody>
       </p:sp>
@@ -10999,7 +11683,7 @@
           <a:p>
             <a:pPr algn="ctr"/>
             <a:r>
-              <a:rPr lang="en-US" altLang="ko-KR" sz="900" dirty="0" smtClean="0">
+              <a:rPr lang="en-US" altLang="ko-KR" sz="900" dirty="0">
                 <a:solidFill>
                   <a:schemeClr val="tx1"/>
                 </a:solidFill>
@@ -11007,7 +11691,7 @@
               <a:t>choose </a:t>
             </a:r>
             <a:r>
-              <a:rPr lang="ko-KR" altLang="en-US" sz="900" dirty="0" smtClean="0">
+              <a:rPr lang="ko-KR" altLang="en-US" sz="900" dirty="0">
                 <a:solidFill>
                   <a:schemeClr val="tx1"/>
                 </a:solidFill>
@@ -11015,7 +11699,7 @@
               <a:t>의 결과를 </a:t>
             </a:r>
             <a:r>
-              <a:rPr lang="en-US" altLang="ko-KR" sz="900" dirty="0" smtClean="0">
+              <a:rPr lang="en-US" altLang="ko-KR" sz="900" dirty="0">
                 <a:solidFill>
                   <a:schemeClr val="tx1"/>
                 </a:solidFill>
@@ -11023,18 +11707,13 @@
               <a:t>string</a:t>
             </a:r>
             <a:r>
-              <a:rPr lang="ko-KR" altLang="en-US" sz="900" dirty="0" smtClean="0">
+              <a:rPr lang="ko-KR" altLang="en-US" sz="900" dirty="0">
                 <a:solidFill>
                   <a:schemeClr val="tx1"/>
                 </a:solidFill>
               </a:rPr>
               <a:t>으로서 출력</a:t>
             </a:r>
-            <a:endParaRPr lang="ko-KR" altLang="en-US" sz="900" dirty="0">
-              <a:solidFill>
-                <a:schemeClr val="tx1"/>
-              </a:solidFill>
-            </a:endParaRPr>
           </a:p>
         </p:txBody>
       </p:sp>
@@ -11076,7 +11755,7 @@
           <a:p>
             <a:pPr algn="ctr"/>
             <a:r>
-              <a:rPr lang="ko-KR" altLang="en-US" sz="900" dirty="0" smtClean="0">
+              <a:rPr lang="ko-KR" altLang="en-US" sz="900" dirty="0">
                 <a:solidFill>
                   <a:schemeClr val="tx1"/>
                 </a:solidFill>
@@ -11084,7 +11763,7 @@
               <a:t>출력클래스와 </a:t>
             </a:r>
             <a:r>
-              <a:rPr lang="en-US" altLang="ko-KR" sz="900" dirty="0" smtClean="0">
+              <a:rPr lang="en-US" altLang="ko-KR" sz="900" dirty="0">
                 <a:solidFill>
                   <a:schemeClr val="tx1"/>
                 </a:solidFill>
@@ -11092,18 +11771,13 @@
               <a:t>csv</a:t>
             </a:r>
             <a:r>
-              <a:rPr lang="ko-KR" altLang="en-US" sz="900" dirty="0" smtClean="0">
+              <a:rPr lang="ko-KR" altLang="en-US" sz="900" dirty="0">
                 <a:solidFill>
                   <a:schemeClr val="tx1"/>
                 </a:solidFill>
               </a:rPr>
               <a:t>저장 클래스를 따로 불러옴</a:t>
             </a:r>
-            <a:endParaRPr lang="ko-KR" altLang="en-US" sz="900" dirty="0">
-              <a:solidFill>
-                <a:schemeClr val="tx1"/>
-              </a:solidFill>
-            </a:endParaRPr>
           </a:p>
         </p:txBody>
       </p:sp>
@@ -11145,7 +11819,7 @@
           <a:p>
             <a:pPr algn="ctr"/>
             <a:r>
-              <a:rPr lang="en-US" altLang="ko-KR" sz="900" dirty="0" smtClean="0">
+              <a:rPr lang="en-US" altLang="ko-KR" sz="900" dirty="0">
                 <a:solidFill>
                   <a:schemeClr val="tx1"/>
                 </a:solidFill>
@@ -11153,7 +11827,7 @@
               <a:t>num2</a:t>
             </a:r>
             <a:r>
-              <a:rPr lang="ko-KR" altLang="en-US" sz="900" dirty="0" smtClean="0">
+              <a:rPr lang="ko-KR" altLang="en-US" sz="900" dirty="0">
                 <a:solidFill>
                   <a:schemeClr val="tx1"/>
                 </a:solidFill>
@@ -11161,7 +11835,7 @@
               <a:t>를 </a:t>
             </a:r>
             <a:r>
-              <a:rPr lang="ko-KR" altLang="en-US" sz="900" dirty="0" err="1" smtClean="0">
+              <a:rPr lang="ko-KR" altLang="en-US" sz="900" dirty="0" err="1">
                 <a:solidFill>
                   <a:schemeClr val="tx1"/>
                 </a:solidFill>
@@ -11169,18 +11843,13 @@
               <a:t>눌렀을때</a:t>
             </a:r>
             <a:r>
-              <a:rPr lang="ko-KR" altLang="en-US" sz="900" dirty="0" smtClean="0">
+              <a:rPr lang="ko-KR" altLang="en-US" sz="900" dirty="0">
                 <a:solidFill>
                   <a:schemeClr val="tx1"/>
                 </a:solidFill>
               </a:rPr>
               <a:t> 결과를 출력하는 클래스가 나오도록 함</a:t>
             </a:r>
-            <a:endParaRPr lang="ko-KR" altLang="en-US" sz="900" dirty="0">
-              <a:solidFill>
-                <a:schemeClr val="tx1"/>
-              </a:solidFill>
-            </a:endParaRPr>
           </a:p>
         </p:txBody>
       </p:sp>
@@ -11222,7 +11891,7 @@
           <a:p>
             <a:pPr algn="ctr"/>
             <a:r>
-              <a:rPr lang="en-US" altLang="ko-KR" sz="900" dirty="0" err="1" smtClean="0">
+              <a:rPr lang="en-US" altLang="ko-KR" sz="900" dirty="0" err="1">
                 <a:solidFill>
                   <a:schemeClr val="tx1"/>
                 </a:solidFill>
@@ -11230,7 +11899,7 @@
               <a:t>continueechek</a:t>
             </a:r>
             <a:r>
-              <a:rPr lang="ko-KR" altLang="en-US" sz="900" dirty="0" smtClean="0">
+              <a:rPr lang="ko-KR" altLang="en-US" sz="900" dirty="0">
                 <a:solidFill>
                   <a:schemeClr val="tx1"/>
                 </a:solidFill>
@@ -11238,7 +11907,7 @@
               <a:t>해서 </a:t>
             </a:r>
             <a:r>
-              <a:rPr lang="en-US" altLang="ko-KR" sz="900" dirty="0" err="1" smtClean="0">
+              <a:rPr lang="en-US" altLang="ko-KR" sz="900" dirty="0" err="1">
                 <a:solidFill>
                   <a:schemeClr val="tx1"/>
                 </a:solidFill>
@@ -11246,7 +11915,7 @@
               <a:t>isexit</a:t>
             </a:r>
             <a:r>
-              <a:rPr lang="ko-KR" altLang="en-US" sz="900" dirty="0" smtClean="0">
+              <a:rPr lang="ko-KR" altLang="en-US" sz="900" dirty="0">
                 <a:solidFill>
                   <a:schemeClr val="tx1"/>
                 </a:solidFill>
@@ -11254,7 +11923,7 @@
               <a:t>를 눌렀을 때는 </a:t>
             </a:r>
             <a:r>
-              <a:rPr lang="en-US" altLang="ko-KR" sz="900" dirty="0" smtClean="0">
+              <a:rPr lang="en-US" altLang="ko-KR" sz="900" dirty="0">
                 <a:solidFill>
                   <a:schemeClr val="tx1"/>
                 </a:solidFill>
@@ -11262,18 +11931,13 @@
               <a:t>while</a:t>
             </a:r>
             <a:r>
-              <a:rPr lang="ko-KR" altLang="en-US" sz="900" dirty="0" smtClean="0">
+              <a:rPr lang="ko-KR" altLang="en-US" sz="900" dirty="0">
                 <a:solidFill>
                   <a:schemeClr val="tx1"/>
                 </a:solidFill>
               </a:rPr>
               <a:t>문을 아예 끝날 수 있도록 함</a:t>
             </a:r>
-            <a:endParaRPr lang="ko-KR" altLang="en-US" sz="900" dirty="0">
-              <a:solidFill>
-                <a:schemeClr val="tx1"/>
-              </a:solidFill>
-            </a:endParaRPr>
           </a:p>
         </p:txBody>
       </p:sp>
@@ -11287,13 +11951,6 @@
   <p:clrMapOvr>
     <a:masterClrMapping/>
   </p:clrMapOvr>
-  <p:timing>
-    <p:tnLst>
-      <p:par>
-        <p:cTn id="1" dur="indefinite" restart="never" nodeType="tmRoot"/>
-      </p:par>
-    </p:tnLst>
-  </p:timing>
 </p:sld>
 </file>
 
@@ -11352,7 +12009,7 @@
           <a:p>
             <a:pPr algn="ctr"/>
             <a:r>
-              <a:rPr lang="en-US" altLang="ko-KR" dirty="0" smtClean="0">
+              <a:rPr lang="en-US" altLang="ko-KR" dirty="0">
                 <a:solidFill>
                   <a:schemeClr val="tx1"/>
                 </a:solidFill>
@@ -11360,18 +12017,13 @@
               <a:t>Valueclass2 </a:t>
             </a:r>
             <a:r>
-              <a:rPr lang="ko-KR" altLang="en-US" dirty="0" smtClean="0">
+              <a:rPr lang="ko-KR" altLang="en-US" dirty="0">
                 <a:solidFill>
                   <a:schemeClr val="tx1"/>
                 </a:solidFill>
               </a:rPr>
               <a:t>변수클래스</a:t>
             </a:r>
-            <a:endParaRPr lang="ko-KR" altLang="en-US" dirty="0">
-              <a:solidFill>
-                <a:schemeClr val="tx1"/>
-              </a:solidFill>
-            </a:endParaRPr>
           </a:p>
         </p:txBody>
       </p:sp>
@@ -11413,7 +12065,7 @@
           <a:p>
             <a:pPr algn="ctr"/>
             <a:r>
-              <a:rPr lang="ko-KR" altLang="en-US" sz="900" dirty="0" err="1" smtClean="0">
+              <a:rPr lang="ko-KR" altLang="en-US" sz="900" dirty="0" err="1">
                 <a:solidFill>
                   <a:schemeClr val="tx1"/>
                 </a:solidFill>
@@ -11421,18 +12073,13 @@
               <a:t>주간권에</a:t>
             </a:r>
             <a:r>
-              <a:rPr lang="ko-KR" altLang="en-US" sz="900" dirty="0" smtClean="0">
+              <a:rPr lang="ko-KR" altLang="en-US" sz="900" dirty="0">
                 <a:solidFill>
                   <a:schemeClr val="tx1"/>
                 </a:solidFill>
               </a:rPr>
               <a:t> 해당하는 나이별 가격변수</a:t>
             </a:r>
-            <a:endParaRPr lang="ko-KR" altLang="en-US" sz="900" dirty="0">
-              <a:solidFill>
-                <a:schemeClr val="tx1"/>
-              </a:solidFill>
-            </a:endParaRPr>
           </a:p>
         </p:txBody>
       </p:sp>
@@ -11498,34 +12145,21 @@
           <a:p>
             <a:pPr algn="ctr"/>
             <a:r>
-              <a:rPr lang="ko-KR" altLang="en-US" sz="900" smtClean="0">
-                <a:solidFill>
-                  <a:schemeClr val="tx1"/>
-                </a:solidFill>
-              </a:rPr>
-              <a:t>야간</a:t>
-            </a:r>
-            <a:r>
-              <a:rPr lang="ko-KR" altLang="en-US" sz="900" smtClean="0">
-                <a:solidFill>
-                  <a:schemeClr val="tx1"/>
-                </a:solidFill>
-              </a:rPr>
-              <a:t>권에</a:t>
-            </a:r>
-            <a:r>
-              <a:rPr lang="ko-KR" altLang="en-US" sz="900" dirty="0" smtClean="0">
+              <a:rPr lang="ko-KR" altLang="en-US" sz="900">
+                <a:solidFill>
+                  <a:schemeClr val="tx1"/>
+                </a:solidFill>
+              </a:rPr>
+              <a:t>야간권에</a:t>
+            </a:r>
+            <a:r>
+              <a:rPr lang="ko-KR" altLang="en-US" sz="900" dirty="0">
                 <a:solidFill>
                   <a:schemeClr val="tx1"/>
                 </a:solidFill>
               </a:rPr>
               <a:t> 해당하는 나이별 가격변수</a:t>
             </a:r>
-            <a:endParaRPr lang="ko-KR" altLang="en-US" sz="900" dirty="0">
-              <a:solidFill>
-                <a:schemeClr val="tx1"/>
-              </a:solidFill>
-            </a:endParaRPr>
           </a:p>
         </p:txBody>
       </p:sp>
@@ -11567,7 +12201,7 @@
           <a:p>
             <a:pPr algn="ctr"/>
             <a:r>
-              <a:rPr lang="ko-KR" altLang="en-US" sz="900" smtClean="0">
+              <a:rPr lang="ko-KR" altLang="en-US" sz="900">
                 <a:solidFill>
                   <a:schemeClr val="tx1"/>
                 </a:solidFill>
@@ -11620,18 +12254,13 @@
           <a:p>
             <a:pPr algn="ctr"/>
             <a:r>
-              <a:rPr lang="ko-KR" altLang="en-US" sz="900" dirty="0" smtClean="0">
+              <a:rPr lang="ko-KR" altLang="en-US" sz="900" dirty="0">
                 <a:solidFill>
                   <a:schemeClr val="tx1"/>
                 </a:solidFill>
               </a:rPr>
               <a:t>파일경로 선언</a:t>
             </a:r>
-            <a:endParaRPr lang="ko-KR" altLang="en-US" sz="900" dirty="0">
-              <a:solidFill>
-                <a:schemeClr val="tx1"/>
-              </a:solidFill>
-            </a:endParaRPr>
           </a:p>
         </p:txBody>
       </p:sp>
@@ -11645,13 +12274,6 @@
   <p:clrMapOvr>
     <a:masterClrMapping/>
   </p:clrMapOvr>
-  <p:timing>
-    <p:tnLst>
-      <p:par>
-        <p:cTn id="1" dur="indefinite" restart="never" nodeType="tmRoot"/>
-      </p:par>
-    </p:tnLst>
-  </p:timing>
 </p:sld>
 </file>
 
@@ -11758,7 +12380,7 @@
           <a:p>
             <a:pPr algn="ctr"/>
             <a:r>
-              <a:rPr lang="en-US" altLang="ko-KR" dirty="0" smtClean="0">
+              <a:rPr lang="en-US" altLang="ko-KR" dirty="0">
                 <a:solidFill>
                   <a:schemeClr val="tx1"/>
                 </a:solidFill>
@@ -11766,18 +12388,13 @@
               <a:t>Inputamuseclass2 </a:t>
             </a:r>
             <a:r>
-              <a:rPr lang="ko-KR" altLang="en-US" dirty="0" smtClean="0">
+              <a:rPr lang="ko-KR" altLang="en-US" dirty="0">
                 <a:solidFill>
                   <a:schemeClr val="tx1"/>
                 </a:solidFill>
               </a:rPr>
               <a:t>입력클래스</a:t>
             </a:r>
-            <a:endParaRPr lang="ko-KR" altLang="en-US" dirty="0">
-              <a:solidFill>
-                <a:schemeClr val="tx1"/>
-              </a:solidFill>
-            </a:endParaRPr>
           </a:p>
         </p:txBody>
       </p:sp>
@@ -11819,7 +12436,7 @@
           <a:p>
             <a:pPr algn="ctr"/>
             <a:r>
-              <a:rPr lang="ko-KR" altLang="en-US" sz="900" dirty="0" err="1" smtClean="0">
+              <a:rPr lang="ko-KR" altLang="en-US" sz="900" dirty="0" err="1">
                 <a:solidFill>
                   <a:schemeClr val="tx1"/>
                 </a:solidFill>
@@ -11827,18 +12444,13 @@
               <a:t>권종</a:t>
             </a:r>
             <a:r>
-              <a:rPr lang="ko-KR" altLang="en-US" sz="900" dirty="0" smtClean="0">
+              <a:rPr lang="ko-KR" altLang="en-US" sz="900" dirty="0">
                 <a:solidFill>
                   <a:schemeClr val="tx1"/>
                 </a:solidFill>
               </a:rPr>
               <a:t> 선택 함수</a:t>
             </a:r>
-            <a:endParaRPr lang="ko-KR" altLang="en-US" sz="900" dirty="0">
-              <a:solidFill>
-                <a:schemeClr val="tx1"/>
-              </a:solidFill>
-            </a:endParaRPr>
           </a:p>
         </p:txBody>
       </p:sp>
@@ -11880,18 +12492,13 @@
           <a:p>
             <a:pPr algn="ctr"/>
             <a:r>
-              <a:rPr lang="ko-KR" altLang="en-US" sz="900" dirty="0" smtClean="0">
+              <a:rPr lang="ko-KR" altLang="en-US" sz="900" dirty="0">
                 <a:solidFill>
                   <a:schemeClr val="tx1"/>
                 </a:solidFill>
               </a:rPr>
               <a:t>주민번호 입력 함수</a:t>
             </a:r>
-            <a:endParaRPr lang="ko-KR" altLang="en-US" sz="900" dirty="0">
-              <a:solidFill>
-                <a:schemeClr val="tx1"/>
-              </a:solidFill>
-            </a:endParaRPr>
           </a:p>
         </p:txBody>
       </p:sp>
@@ -11933,18 +12540,13 @@
           <a:p>
             <a:pPr algn="ctr"/>
             <a:r>
-              <a:rPr lang="ko-KR" altLang="en-US" sz="900" dirty="0" smtClean="0">
+              <a:rPr lang="ko-KR" altLang="en-US" sz="900" dirty="0">
                 <a:solidFill>
                   <a:schemeClr val="tx1"/>
                 </a:solidFill>
               </a:rPr>
               <a:t>개수 주문 함수</a:t>
             </a:r>
-            <a:endParaRPr lang="ko-KR" altLang="en-US" sz="900" dirty="0">
-              <a:solidFill>
-                <a:schemeClr val="tx1"/>
-              </a:solidFill>
-            </a:endParaRPr>
           </a:p>
         </p:txBody>
       </p:sp>
@@ -11986,18 +12588,13 @@
           <a:p>
             <a:pPr algn="ctr"/>
             <a:r>
-              <a:rPr lang="ko-KR" altLang="en-US" sz="900" dirty="0" smtClean="0">
+              <a:rPr lang="ko-KR" altLang="en-US" sz="900" dirty="0">
                 <a:solidFill>
                   <a:schemeClr val="tx1"/>
                 </a:solidFill>
               </a:rPr>
               <a:t>할인 선택 함수</a:t>
             </a:r>
-            <a:endParaRPr lang="ko-KR" altLang="en-US" sz="900" dirty="0">
-              <a:solidFill>
-                <a:schemeClr val="tx1"/>
-              </a:solidFill>
-            </a:endParaRPr>
           </a:p>
         </p:txBody>
       </p:sp>
@@ -12039,18 +12636,13 @@
           <a:p>
             <a:pPr algn="ctr"/>
             <a:r>
-              <a:rPr lang="ko-KR" altLang="en-US" sz="900" dirty="0" smtClean="0">
+              <a:rPr lang="ko-KR" altLang="en-US" sz="900" dirty="0">
                 <a:solidFill>
                   <a:schemeClr val="tx1"/>
                 </a:solidFill>
               </a:rPr>
               <a:t>계속 발권 여부 묻는 함수</a:t>
             </a:r>
-            <a:endParaRPr lang="ko-KR" altLang="en-US" sz="900" dirty="0">
-              <a:solidFill>
-                <a:schemeClr val="tx1"/>
-              </a:solidFill>
-            </a:endParaRPr>
           </a:p>
         </p:txBody>
       </p:sp>
@@ -12092,18 +12684,13 @@
           <a:p>
             <a:pPr algn="ctr"/>
             <a:r>
-              <a:rPr lang="ko-KR" altLang="en-US" sz="900" dirty="0" smtClean="0">
+              <a:rPr lang="ko-KR" altLang="en-US" sz="900" dirty="0">
                 <a:solidFill>
                   <a:schemeClr val="tx1"/>
                 </a:solidFill>
               </a:rPr>
               <a:t>이 전체 프로그램 종료 여부 묻는 함수</a:t>
             </a:r>
-            <a:endParaRPr lang="ko-KR" altLang="en-US" sz="900" dirty="0">
-              <a:solidFill>
-                <a:schemeClr val="tx1"/>
-              </a:solidFill>
-            </a:endParaRPr>
           </a:p>
         </p:txBody>
       </p:sp>
@@ -12117,13 +12704,6 @@
   <p:clrMapOvr>
     <a:masterClrMapping/>
   </p:clrMapOvr>
-  <p:timing>
-    <p:tnLst>
-      <p:par>
-        <p:cTn id="1" dur="indefinite" restart="never" nodeType="tmRoot"/>
-      </p:par>
-    </p:tnLst>
-  </p:timing>
 </p:sld>
 </file>
 
@@ -12230,7 +12810,7 @@
           <a:p>
             <a:pPr algn="ctr"/>
             <a:r>
-              <a:rPr lang="en-US" altLang="ko-KR" dirty="0" smtClean="0">
+              <a:rPr lang="en-US" altLang="ko-KR" dirty="0">
                 <a:solidFill>
                   <a:schemeClr val="tx1"/>
                 </a:solidFill>
@@ -12238,18 +12818,13 @@
               <a:t>Runamuseclass2 </a:t>
             </a:r>
             <a:r>
-              <a:rPr lang="ko-KR" altLang="en-US" dirty="0" smtClean="0">
+              <a:rPr lang="ko-KR" altLang="en-US" dirty="0">
                 <a:solidFill>
                   <a:schemeClr val="tx1"/>
                 </a:solidFill>
               </a:rPr>
               <a:t>실행클래스</a:t>
             </a:r>
-            <a:endParaRPr lang="ko-KR" altLang="en-US" dirty="0">
-              <a:solidFill>
-                <a:schemeClr val="tx1"/>
-              </a:solidFill>
-            </a:endParaRPr>
           </a:p>
         </p:txBody>
       </p:sp>
@@ -12291,14 +12866,14 @@
           <a:p>
             <a:pPr algn="ctr"/>
             <a:r>
-              <a:rPr lang="ko-KR" altLang="en-US" sz="900" dirty="0" smtClean="0">
+              <a:rPr lang="ko-KR" altLang="en-US" sz="900" dirty="0">
                 <a:solidFill>
                   <a:schemeClr val="tx1"/>
                 </a:solidFill>
               </a:rPr>
               <a:t>나이 계산 함수</a:t>
             </a:r>
-            <a:endParaRPr lang="en-US" altLang="ko-KR" sz="900" dirty="0" smtClean="0">
+            <a:endParaRPr lang="en-US" altLang="ko-KR" sz="900" dirty="0">
               <a:solidFill>
                 <a:schemeClr val="tx1"/>
               </a:solidFill>
@@ -12306,7 +12881,7 @@
           </a:p>
           <a:p>
             <a:pPr algn="ctr"/>
-            <a:endParaRPr lang="en-US" altLang="ko-KR" sz="900" dirty="0" smtClean="0">
+            <a:endParaRPr lang="en-US" altLang="ko-KR" sz="900" dirty="0">
               <a:solidFill>
                 <a:schemeClr val="tx1"/>
               </a:solidFill>
@@ -12315,7 +12890,7 @@
           <a:p>
             <a:pPr algn="ctr"/>
             <a:r>
-              <a:rPr lang="ko-KR" altLang="en-US" sz="900" dirty="0" smtClean="0">
+              <a:rPr lang="ko-KR" altLang="en-US" sz="900" dirty="0">
                 <a:solidFill>
                   <a:schemeClr val="tx1"/>
                 </a:solidFill>
@@ -12323,7 +12898,7 @@
               <a:t>시스템 날짜를 가져와서 </a:t>
             </a:r>
             <a:r>
-              <a:rPr lang="en-US" altLang="ko-KR" sz="900" dirty="0" smtClean="0">
+              <a:rPr lang="en-US" altLang="ko-KR" sz="900" dirty="0">
                 <a:solidFill>
                   <a:schemeClr val="tx1"/>
                 </a:solidFill>
@@ -12331,7 +12906,7 @@
               <a:t>year, </a:t>
             </a:r>
             <a:r>
-              <a:rPr lang="en-US" altLang="ko-KR" sz="900" dirty="0" err="1" smtClean="0">
+              <a:rPr lang="en-US" altLang="ko-KR" sz="900" dirty="0" err="1">
                 <a:solidFill>
                   <a:schemeClr val="tx1"/>
                 </a:solidFill>
@@ -12339,7 +12914,7 @@
               <a:t>month,day</a:t>
             </a:r>
             <a:r>
-              <a:rPr lang="en-US" altLang="ko-KR" sz="900" dirty="0" smtClean="0">
+              <a:rPr lang="en-US" altLang="ko-KR" sz="900" dirty="0">
                 <a:solidFill>
                   <a:schemeClr val="tx1"/>
                 </a:solidFill>
@@ -12347,14 +12922,14 @@
               <a:t> </a:t>
             </a:r>
             <a:r>
-              <a:rPr lang="ko-KR" altLang="en-US" sz="900" dirty="0" smtClean="0">
+              <a:rPr lang="ko-KR" altLang="en-US" sz="900" dirty="0">
                 <a:solidFill>
                   <a:schemeClr val="tx1"/>
                 </a:solidFill>
               </a:rPr>
               <a:t>분리</a:t>
             </a:r>
-            <a:endParaRPr lang="en-US" altLang="ko-KR" sz="900" dirty="0" smtClean="0">
+            <a:endParaRPr lang="en-US" altLang="ko-KR" sz="900" dirty="0">
               <a:solidFill>
                 <a:schemeClr val="tx1"/>
               </a:solidFill>
@@ -12363,7 +12938,7 @@
           <a:p>
             <a:pPr algn="ctr"/>
             <a:r>
-              <a:rPr lang="ko-KR" altLang="en-US" sz="900" dirty="0" smtClean="0">
+              <a:rPr lang="ko-KR" altLang="en-US" sz="900" dirty="0">
                 <a:solidFill>
                   <a:schemeClr val="tx1"/>
                 </a:solidFill>
@@ -12371,7 +12946,7 @@
               <a:t>주민등록번호를 가져와서</a:t>
             </a:r>
             <a:r>
-              <a:rPr lang="en-US" altLang="ko-KR" sz="900" dirty="0" err="1" smtClean="0">
+              <a:rPr lang="en-US" altLang="ko-KR" sz="900" dirty="0" err="1">
                 <a:solidFill>
                   <a:schemeClr val="tx1"/>
                 </a:solidFill>
@@ -12379,7 +12954,7 @@
               <a:t>year,month,day</a:t>
             </a:r>
             <a:r>
-              <a:rPr lang="en-US" altLang="ko-KR" sz="900" dirty="0" smtClean="0">
+              <a:rPr lang="en-US" altLang="ko-KR" sz="900" dirty="0">
                 <a:solidFill>
                   <a:schemeClr val="tx1"/>
                 </a:solidFill>
@@ -12387,14 +12962,14 @@
               <a:t> </a:t>
             </a:r>
             <a:r>
-              <a:rPr lang="ko-KR" altLang="en-US" sz="900" dirty="0" smtClean="0">
+              <a:rPr lang="ko-KR" altLang="en-US" sz="900" dirty="0">
                 <a:solidFill>
                   <a:schemeClr val="tx1"/>
                 </a:solidFill>
               </a:rPr>
               <a:t>분리</a:t>
             </a:r>
-            <a:endParaRPr lang="en-US" altLang="ko-KR" sz="900" dirty="0" smtClean="0">
+            <a:endParaRPr lang="en-US" altLang="ko-KR" sz="900" dirty="0">
               <a:solidFill>
                 <a:schemeClr val="tx1"/>
               </a:solidFill>
@@ -12402,7 +12977,7 @@
           </a:p>
           <a:p>
             <a:pPr algn="ctr"/>
-            <a:endParaRPr lang="en-US" altLang="ko-KR" sz="900" dirty="0" smtClean="0">
+            <a:endParaRPr lang="en-US" altLang="ko-KR" sz="900" dirty="0">
               <a:solidFill>
                 <a:schemeClr val="tx1"/>
               </a:solidFill>
@@ -12411,7 +12986,7 @@
           <a:p>
             <a:pPr algn="ctr"/>
             <a:r>
-              <a:rPr lang="ko-KR" altLang="en-US" sz="900" dirty="0" smtClean="0">
+              <a:rPr lang="ko-KR" altLang="en-US" sz="900" dirty="0">
                 <a:solidFill>
                   <a:schemeClr val="tx1"/>
                 </a:solidFill>
@@ -12419,7 +12994,7 @@
               <a:t>만약에 </a:t>
             </a:r>
             <a:r>
-              <a:rPr lang="en-US" altLang="ko-KR" sz="900" dirty="0" smtClean="0">
+              <a:rPr lang="en-US" altLang="ko-KR" sz="900" dirty="0">
                 <a:solidFill>
                   <a:schemeClr val="tx1"/>
                 </a:solidFill>
@@ -12427,7 +13002,7 @@
               <a:t>6</a:t>
             </a:r>
             <a:r>
-              <a:rPr lang="ko-KR" altLang="en-US" sz="900" dirty="0" smtClean="0">
+              <a:rPr lang="ko-KR" altLang="en-US" sz="900" dirty="0">
                 <a:solidFill>
                   <a:schemeClr val="tx1"/>
                 </a:solidFill>
@@ -12435,7 +13010,7 @@
               <a:t>번째 숫자가 </a:t>
             </a:r>
             <a:r>
-              <a:rPr lang="en-US" altLang="ko-KR" sz="900" dirty="0" smtClean="0">
+              <a:rPr lang="en-US" altLang="ko-KR" sz="900" dirty="0">
                 <a:solidFill>
                   <a:schemeClr val="tx1"/>
                 </a:solidFill>
@@ -12443,7 +13018,7 @@
               <a:t>1</a:t>
             </a:r>
             <a:r>
-              <a:rPr lang="ko-KR" altLang="en-US" sz="900" dirty="0" smtClean="0">
+              <a:rPr lang="ko-KR" altLang="en-US" sz="900" dirty="0">
                 <a:solidFill>
                   <a:schemeClr val="tx1"/>
                 </a:solidFill>
@@ -12451,7 +13026,7 @@
               <a:t>과 </a:t>
             </a:r>
             <a:r>
-              <a:rPr lang="en-US" altLang="ko-KR" sz="900" dirty="0" smtClean="0">
+              <a:rPr lang="en-US" altLang="ko-KR" sz="900" dirty="0">
                 <a:solidFill>
                   <a:schemeClr val="tx1"/>
                 </a:solidFill>
@@ -12459,7 +13034,7 @@
               <a:t>2</a:t>
             </a:r>
             <a:r>
-              <a:rPr lang="ko-KR" altLang="en-US" sz="900" dirty="0" smtClean="0">
+              <a:rPr lang="ko-KR" altLang="en-US" sz="900" dirty="0">
                 <a:solidFill>
                   <a:schemeClr val="tx1"/>
                 </a:solidFill>
@@ -12467,7 +13042,7 @@
               <a:t>라면 </a:t>
             </a:r>
             <a:r>
-              <a:rPr lang="en-US" altLang="ko-KR" sz="900" dirty="0" smtClean="0">
+              <a:rPr lang="en-US" altLang="ko-KR" sz="900" dirty="0">
                 <a:solidFill>
                   <a:schemeClr val="tx1"/>
                 </a:solidFill>
@@ -12475,14 +13050,14 @@
               <a:t>1900</a:t>
             </a:r>
             <a:r>
-              <a:rPr lang="ko-KR" altLang="en-US" sz="900" dirty="0" smtClean="0">
+              <a:rPr lang="ko-KR" altLang="en-US" sz="900" dirty="0">
                 <a:solidFill>
                   <a:schemeClr val="tx1"/>
                 </a:solidFill>
               </a:rPr>
               <a:t>을 붙이고</a:t>
             </a:r>
-            <a:endParaRPr lang="en-US" altLang="ko-KR" sz="900" dirty="0" smtClean="0">
+            <a:endParaRPr lang="en-US" altLang="ko-KR" sz="900" dirty="0">
               <a:solidFill>
                 <a:schemeClr val="tx1"/>
               </a:solidFill>
@@ -12491,7 +13066,7 @@
           <a:p>
             <a:pPr algn="ctr"/>
             <a:r>
-              <a:rPr lang="en-US" altLang="ko-KR" sz="900" dirty="0" smtClean="0">
+              <a:rPr lang="en-US" altLang="ko-KR" sz="900" dirty="0">
                 <a:solidFill>
                   <a:schemeClr val="tx1"/>
                 </a:solidFill>
@@ -12499,7 +13074,7 @@
               <a:t>3,4</a:t>
             </a:r>
             <a:r>
-              <a:rPr lang="ko-KR" altLang="en-US" sz="900" dirty="0" smtClean="0">
+              <a:rPr lang="ko-KR" altLang="en-US" sz="900" dirty="0">
                 <a:solidFill>
                   <a:schemeClr val="tx1"/>
                 </a:solidFill>
@@ -12507,7 +13082,7 @@
               <a:t>라면 </a:t>
             </a:r>
             <a:r>
-              <a:rPr lang="en-US" altLang="ko-KR" sz="900" dirty="0" smtClean="0">
+              <a:rPr lang="en-US" altLang="ko-KR" sz="900" dirty="0">
                 <a:solidFill>
                   <a:schemeClr val="tx1"/>
                 </a:solidFill>
@@ -12515,7 +13090,7 @@
               <a:t>2000</a:t>
             </a:r>
             <a:r>
-              <a:rPr lang="ko-KR" altLang="en-US" sz="900" dirty="0" smtClean="0">
+              <a:rPr lang="ko-KR" altLang="en-US" sz="900" dirty="0">
                 <a:solidFill>
                   <a:schemeClr val="tx1"/>
                 </a:solidFill>
@@ -12523,7 +13098,7 @@
               <a:t>을 붙인다</a:t>
             </a:r>
             <a:r>
-              <a:rPr lang="en-US" altLang="ko-KR" sz="900" dirty="0" smtClean="0">
+              <a:rPr lang="en-US" altLang="ko-KR" sz="900" dirty="0">
                 <a:solidFill>
                   <a:schemeClr val="tx1"/>
                 </a:solidFill>
@@ -12534,7 +13109,7 @@
           <a:p>
             <a:pPr algn="ctr"/>
             <a:r>
-              <a:rPr lang="ko-KR" altLang="en-US" sz="900" dirty="0" err="1" smtClean="0">
+              <a:rPr lang="ko-KR" altLang="en-US" sz="900" dirty="0" err="1">
                 <a:solidFill>
                   <a:schemeClr val="tx1"/>
                 </a:solidFill>
@@ -12542,7 +13117,7 @@
               <a:t>만나이는</a:t>
             </a:r>
             <a:r>
-              <a:rPr lang="ko-KR" altLang="en-US" sz="900" dirty="0" smtClean="0">
+              <a:rPr lang="ko-KR" altLang="en-US" sz="900" dirty="0">
                 <a:solidFill>
                   <a:schemeClr val="tx1"/>
                 </a:solidFill>
@@ -12550,7 +13125,7 @@
               <a:t> </a:t>
             </a:r>
             <a:r>
-              <a:rPr lang="en-US" altLang="ko-KR" sz="900" dirty="0" smtClean="0">
+              <a:rPr lang="en-US" altLang="ko-KR" sz="900" dirty="0">
                 <a:solidFill>
                   <a:schemeClr val="tx1"/>
                 </a:solidFill>
@@ -12558,14 +13133,14 @@
               <a:t>,month</a:t>
             </a:r>
             <a:r>
-              <a:rPr lang="ko-KR" altLang="en-US" sz="900" dirty="0" smtClean="0">
+              <a:rPr lang="ko-KR" altLang="en-US" sz="900" dirty="0">
                 <a:solidFill>
                   <a:schemeClr val="tx1"/>
                 </a:solidFill>
               </a:rPr>
               <a:t>를 통해 계산</a:t>
             </a:r>
-            <a:endParaRPr lang="en-US" altLang="ko-KR" sz="900" dirty="0" smtClean="0">
+            <a:endParaRPr lang="en-US" altLang="ko-KR" sz="900" dirty="0">
               <a:solidFill>
                 <a:schemeClr val="tx1"/>
               </a:solidFill>
@@ -12574,14 +13149,14 @@
           <a:p>
             <a:pPr algn="ctr"/>
             <a:r>
-              <a:rPr lang="ko-KR" altLang="en-US" sz="900" dirty="0" smtClean="0">
+              <a:rPr lang="ko-KR" altLang="en-US" sz="900" dirty="0">
                 <a:solidFill>
                   <a:schemeClr val="tx1"/>
                 </a:solidFill>
               </a:rPr>
               <a:t>오늘의 날짜에서 주민등록번호를 빼서 나이를 구함</a:t>
             </a:r>
-            <a:endParaRPr lang="en-US" altLang="ko-KR" sz="900" dirty="0" smtClean="0">
+            <a:endParaRPr lang="en-US" altLang="ko-KR" sz="900" dirty="0">
               <a:solidFill>
                 <a:schemeClr val="tx1"/>
               </a:solidFill>
@@ -12590,7 +13165,7 @@
           <a:p>
             <a:pPr algn="ctr"/>
             <a:r>
-              <a:rPr lang="ko-KR" altLang="en-US" sz="900" dirty="0" smtClean="0">
+              <a:rPr lang="ko-KR" altLang="en-US" sz="900" dirty="0">
                 <a:solidFill>
                   <a:schemeClr val="tx1"/>
                 </a:solidFill>
@@ -12598,7 +13173,7 @@
               <a:t>그리고 해당 범주에 따라서 연령대를 구분하고 </a:t>
             </a:r>
             <a:r>
-              <a:rPr lang="en-US" altLang="ko-KR" sz="900" dirty="0" smtClean="0">
+              <a:rPr lang="en-US" altLang="ko-KR" sz="900" dirty="0">
                 <a:solidFill>
                   <a:schemeClr val="tx1"/>
                 </a:solidFill>
@@ -12606,14 +13181,14 @@
               <a:t>string</a:t>
             </a:r>
             <a:r>
-              <a:rPr lang="ko-KR" altLang="en-US" sz="900" dirty="0" smtClean="0">
+              <a:rPr lang="ko-KR" altLang="en-US" sz="900" dirty="0">
                 <a:solidFill>
                   <a:schemeClr val="tx1"/>
                 </a:solidFill>
               </a:rPr>
               <a:t>으로 받음</a:t>
             </a:r>
-            <a:endParaRPr lang="en-US" altLang="ko-KR" sz="900" dirty="0" smtClean="0">
+            <a:endParaRPr lang="en-US" altLang="ko-KR" sz="900" dirty="0">
               <a:solidFill>
                 <a:schemeClr val="tx1"/>
               </a:solidFill>
@@ -12621,7 +13196,7 @@
           </a:p>
           <a:p>
             <a:pPr algn="ctr"/>
-            <a:endParaRPr lang="en-US" altLang="ko-KR" sz="900" dirty="0" smtClean="0">
+            <a:endParaRPr lang="en-US" altLang="ko-KR" sz="900" dirty="0">
               <a:solidFill>
                 <a:schemeClr val="tx1"/>
               </a:solidFill>
@@ -12675,7 +13250,7 @@
           <a:p>
             <a:pPr algn="ctr"/>
             <a:r>
-              <a:rPr lang="ko-KR" altLang="en-US" sz="900" dirty="0" err="1" smtClean="0">
+              <a:rPr lang="ko-KR" altLang="en-US" sz="900" dirty="0" err="1">
                 <a:solidFill>
                   <a:schemeClr val="tx1"/>
                 </a:solidFill>
@@ -12683,22 +13258,14 @@
               <a:t>주간권</a:t>
             </a:r>
             <a:r>
-              <a:rPr lang="ko-KR" altLang="en-US" sz="900" dirty="0" smtClean="0">
-                <a:solidFill>
-                  <a:schemeClr val="tx1"/>
-                </a:solidFill>
-              </a:rPr>
-              <a:t> 가격 </a:t>
-            </a:r>
-            <a:r>
-              <a:rPr lang="ko-KR" altLang="en-US" sz="900" dirty="0" smtClean="0">
-                <a:solidFill>
-                  <a:schemeClr val="tx1"/>
-                </a:solidFill>
-              </a:rPr>
-              <a:t> 계산 함수</a:t>
-            </a:r>
-            <a:endParaRPr lang="en-US" altLang="ko-KR" sz="900" dirty="0" smtClean="0">
+              <a:rPr lang="ko-KR" altLang="en-US" sz="900" dirty="0">
+                <a:solidFill>
+                  <a:schemeClr val="tx1"/>
+                </a:solidFill>
+              </a:rPr>
+              <a:t> 가격  계산 함수</a:t>
+            </a:r>
+            <a:endParaRPr lang="en-US" altLang="ko-KR" sz="900" dirty="0">
               <a:solidFill>
                 <a:schemeClr val="tx1"/>
               </a:solidFill>
@@ -12706,7 +13273,7 @@
           </a:p>
           <a:p>
             <a:pPr algn="ctr"/>
-            <a:endParaRPr lang="en-US" altLang="ko-KR" sz="900" dirty="0" smtClean="0">
+            <a:endParaRPr lang="en-US" altLang="ko-KR" sz="900" dirty="0">
               <a:solidFill>
                 <a:schemeClr val="tx1"/>
               </a:solidFill>
@@ -12954,13 +13521,6 @@
   <p:clrMapOvr>
     <a:masterClrMapping/>
   </p:clrMapOvr>
-  <p:timing>
-    <p:tnLst>
-      <p:par>
-        <p:cTn id="1" dur="indefinite" restart="never" nodeType="tmRoot"/>
-      </p:par>
-    </p:tnLst>
-  </p:timing>
 </p:sld>
 </file>
 
@@ -13066,7 +13626,7 @@
           <a:lstStyle/>
           <a:p>
             <a:r>
-              <a:rPr lang="ko-KR" altLang="en-US" sz="900" dirty="0" err="1" smtClean="0">
+              <a:rPr lang="ko-KR" altLang="en-US" sz="900" dirty="0" err="1">
                 <a:solidFill>
                   <a:schemeClr val="tx1"/>
                 </a:solidFill>
@@ -13074,29 +13634,21 @@
               <a:t>야간권</a:t>
             </a:r>
             <a:r>
-              <a:rPr lang="ko-KR" altLang="en-US" sz="900" dirty="0" smtClean="0">
-                <a:solidFill>
-                  <a:schemeClr val="tx1"/>
-                </a:solidFill>
-              </a:rPr>
-              <a:t> 가격 </a:t>
-            </a:r>
-            <a:r>
-              <a:rPr lang="ko-KR" altLang="en-US" sz="900" dirty="0" smtClean="0">
-                <a:solidFill>
-                  <a:schemeClr val="tx1"/>
-                </a:solidFill>
-              </a:rPr>
-              <a:t> 계산 함수</a:t>
-            </a:r>
-            <a:endParaRPr lang="en-US" altLang="ko-KR" sz="900" dirty="0" smtClean="0">
+              <a:rPr lang="ko-KR" altLang="en-US" sz="900" dirty="0">
+                <a:solidFill>
+                  <a:schemeClr val="tx1"/>
+                </a:solidFill>
+              </a:rPr>
+              <a:t> 가격  계산 함수</a:t>
+            </a:r>
+            <a:endParaRPr lang="en-US" altLang="ko-KR" sz="900" dirty="0">
               <a:solidFill>
                 <a:schemeClr val="tx1"/>
               </a:solidFill>
             </a:endParaRPr>
           </a:p>
           <a:p>
-            <a:endParaRPr lang="en-US" altLang="ko-KR" sz="900" dirty="0" smtClean="0">
+            <a:endParaRPr lang="en-US" altLang="ko-KR" sz="900" dirty="0">
               <a:solidFill>
                 <a:schemeClr val="tx1"/>
               </a:solidFill>
@@ -13104,7 +13656,7 @@
           </a:p>
           <a:p>
             <a:r>
-              <a:rPr lang="en-US" altLang="ko-KR" sz="900" dirty="0" smtClean="0">
+              <a:rPr lang="en-US" altLang="ko-KR" sz="900" dirty="0">
                 <a:solidFill>
                   <a:schemeClr val="tx1"/>
                 </a:solidFill>
@@ -13112,7 +13664,7 @@
               <a:t>1.</a:t>
             </a:r>
             <a:r>
-              <a:rPr lang="ko-KR" altLang="en-US" sz="900" dirty="0" smtClean="0">
+              <a:rPr lang="ko-KR" altLang="en-US" sz="900" dirty="0">
                 <a:solidFill>
                   <a:schemeClr val="tx1"/>
                 </a:solidFill>
@@ -13120,7 +13672,7 @@
               <a:t>해당하는 할인율의 번호를 누르고 나이가 범주에 해당한다면 </a:t>
             </a:r>
             <a:r>
-              <a:rPr lang="en-US" altLang="ko-KR" sz="900" dirty="0" smtClean="0">
+              <a:rPr lang="en-US" altLang="ko-KR" sz="900" dirty="0">
                 <a:solidFill>
                   <a:schemeClr val="tx1"/>
                 </a:solidFill>
@@ -13128,7 +13680,7 @@
               <a:t>Valueclass2.dayageprice </a:t>
             </a:r>
             <a:r>
-              <a:rPr lang="ko-KR" altLang="en-US" sz="900" dirty="0" smtClean="0">
+              <a:rPr lang="ko-KR" altLang="en-US" sz="900" dirty="0">
                 <a:solidFill>
                   <a:schemeClr val="tx1"/>
                 </a:solidFill>
@@ -13136,7 +13688,7 @@
               <a:t>에 해당하는 배열을 가져와</a:t>
             </a:r>
             <a:r>
-              <a:rPr lang="en-US" altLang="ko-KR" sz="900" dirty="0" smtClean="0">
+              <a:rPr lang="en-US" altLang="ko-KR" sz="900" dirty="0">
                 <a:solidFill>
                   <a:schemeClr val="tx1"/>
                 </a:solidFill>
@@ -13144,7 +13696,7 @@
               <a:t>,</a:t>
             </a:r>
             <a:r>
-              <a:rPr lang="ko-KR" altLang="en-US" sz="900" dirty="0" smtClean="0">
+              <a:rPr lang="ko-KR" altLang="en-US" sz="900" dirty="0">
                 <a:solidFill>
                   <a:schemeClr val="tx1"/>
                 </a:solidFill>
@@ -13152,7 +13704,7 @@
               <a:t>개수</a:t>
             </a:r>
             <a:r>
-              <a:rPr lang="en-US" altLang="ko-KR" sz="900" dirty="0" smtClean="0">
+              <a:rPr lang="en-US" altLang="ko-KR" sz="900" dirty="0">
                 <a:solidFill>
                   <a:schemeClr val="tx1"/>
                 </a:solidFill>
@@ -13160,7 +13712,7 @@
               <a:t>(</a:t>
             </a:r>
             <a:r>
-              <a:rPr lang="en-US" altLang="ko-KR" sz="900" dirty="0" err="1" smtClean="0">
+              <a:rPr lang="en-US" altLang="ko-KR" sz="900" dirty="0" err="1">
                 <a:solidFill>
                   <a:schemeClr val="tx1"/>
                 </a:solidFill>
@@ -13168,7 +13720,7 @@
               <a:t>ordercount</a:t>
             </a:r>
             <a:r>
-              <a:rPr lang="en-US" altLang="ko-KR" sz="900" dirty="0" smtClean="0">
+              <a:rPr lang="en-US" altLang="ko-KR" sz="900" dirty="0">
                 <a:solidFill>
                   <a:schemeClr val="tx1"/>
                 </a:solidFill>
@@ -13176,7 +13728,7 @@
               <a:t>)</a:t>
             </a:r>
             <a:r>
-              <a:rPr lang="ko-KR" altLang="en-US" sz="900" dirty="0" smtClean="0">
+              <a:rPr lang="ko-KR" altLang="en-US" sz="900" dirty="0">
                 <a:solidFill>
                   <a:schemeClr val="tx1"/>
                 </a:solidFill>
@@ -13184,7 +13736,7 @@
               <a:t>와 곱한다</a:t>
             </a:r>
             <a:r>
-              <a:rPr lang="en-US" altLang="ko-KR" sz="900" dirty="0" smtClean="0">
+              <a:rPr lang="en-US" altLang="ko-KR" sz="900" dirty="0">
                 <a:solidFill>
                   <a:schemeClr val="tx1"/>
                 </a:solidFill>
@@ -13194,7 +13746,7 @@
           </a:p>
           <a:p>
             <a:r>
-              <a:rPr lang="en-US" altLang="ko-KR" sz="900" dirty="0" smtClean="0">
+              <a:rPr lang="en-US" altLang="ko-KR" sz="900" dirty="0">
                 <a:solidFill>
                   <a:schemeClr val="tx1"/>
                 </a:solidFill>
@@ -13202,7 +13754,7 @@
               <a:t>2. </a:t>
             </a:r>
             <a:r>
-              <a:rPr lang="ko-KR" altLang="en-US" sz="900" dirty="0" smtClean="0">
+              <a:rPr lang="ko-KR" altLang="en-US" sz="900" dirty="0">
                 <a:solidFill>
                   <a:schemeClr val="tx1"/>
                 </a:solidFill>
@@ -13210,7 +13762,7 @@
               <a:t>또한 해당하는 할인율을 각각 곱해준다</a:t>
             </a:r>
             <a:r>
-              <a:rPr lang="en-US" altLang="ko-KR" sz="900" dirty="0" smtClean="0">
+              <a:rPr lang="en-US" altLang="ko-KR" sz="900" dirty="0">
                 <a:solidFill>
                   <a:schemeClr val="tx1"/>
                 </a:solidFill>
@@ -13220,7 +13772,7 @@
           </a:p>
           <a:p>
             <a:r>
-              <a:rPr lang="en-US" altLang="ko-KR" sz="900" dirty="0" smtClean="0">
+              <a:rPr lang="en-US" altLang="ko-KR" sz="900" dirty="0">
                 <a:solidFill>
                   <a:schemeClr val="tx1"/>
                 </a:solidFill>
@@ -13228,7 +13780,7 @@
               <a:t>3. </a:t>
             </a:r>
             <a:r>
-              <a:rPr lang="ko-KR" altLang="en-US" sz="900" dirty="0" smtClean="0">
+              <a:rPr lang="ko-KR" altLang="en-US" sz="900" dirty="0">
                 <a:solidFill>
                   <a:schemeClr val="tx1"/>
                 </a:solidFill>
@@ -13236,7 +13788,7 @@
               <a:t>그리고</a:t>
             </a:r>
             <a:r>
-              <a:rPr lang="en-US" altLang="ko-KR" sz="900" dirty="0" smtClean="0">
+              <a:rPr lang="en-US" altLang="ko-KR" sz="900" dirty="0">
                 <a:solidFill>
                   <a:schemeClr val="tx1"/>
                 </a:solidFill>
@@ -13244,7 +13796,7 @@
               <a:t> price</a:t>
             </a:r>
             <a:r>
-              <a:rPr lang="ko-KR" altLang="en-US" sz="900" dirty="0" smtClean="0">
+              <a:rPr lang="ko-KR" altLang="en-US" sz="900" dirty="0">
                 <a:solidFill>
                   <a:schemeClr val="tx1"/>
                 </a:solidFill>
@@ -13252,7 +13804,7 @@
               <a:t>의 결과는 </a:t>
             </a:r>
             <a:r>
-              <a:rPr lang="en-US" altLang="ko-KR" sz="900" dirty="0" smtClean="0">
+              <a:rPr lang="en-US" altLang="ko-KR" sz="900" dirty="0">
                 <a:solidFill>
                   <a:schemeClr val="tx1"/>
                 </a:solidFill>
@@ -13260,7 +13812,7 @@
               <a:t>output</a:t>
             </a:r>
             <a:r>
-              <a:rPr lang="ko-KR" altLang="en-US" sz="900" dirty="0" smtClean="0">
+              <a:rPr lang="ko-KR" altLang="en-US" sz="900" dirty="0">
                 <a:solidFill>
                   <a:schemeClr val="tx1"/>
                 </a:solidFill>
@@ -13268,7 +13820,7 @@
               <a:t>에 출력 클래스로 넘기고 </a:t>
             </a:r>
             <a:r>
-              <a:rPr lang="en-US" altLang="ko-KR" sz="900" dirty="0" smtClean="0">
+              <a:rPr lang="en-US" altLang="ko-KR" sz="900" dirty="0">
                 <a:solidFill>
                   <a:schemeClr val="tx1"/>
                 </a:solidFill>
@@ -13276,7 +13828,7 @@
               <a:t>price</a:t>
             </a:r>
             <a:r>
-              <a:rPr lang="ko-KR" altLang="en-US" sz="900" dirty="0" smtClean="0">
+              <a:rPr lang="ko-KR" altLang="en-US" sz="900" dirty="0">
                 <a:solidFill>
                   <a:schemeClr val="tx1"/>
                 </a:solidFill>
@@ -13284,7 +13836,7 @@
               <a:t>의 결과를 </a:t>
             </a:r>
             <a:r>
-              <a:rPr lang="en-US" altLang="ko-KR" sz="900" dirty="0" err="1" smtClean="0">
+              <a:rPr lang="en-US" altLang="ko-KR" sz="900" dirty="0" err="1">
                 <a:solidFill>
                   <a:schemeClr val="tx1"/>
                 </a:solidFill>
@@ -13292,7 +13844,7 @@
               <a:t>totalprice</a:t>
             </a:r>
             <a:r>
-              <a:rPr lang="ko-KR" altLang="en-US" sz="900" dirty="0" smtClean="0">
+              <a:rPr lang="ko-KR" altLang="en-US" sz="900" dirty="0">
                 <a:solidFill>
                   <a:schemeClr val="tx1"/>
                 </a:solidFill>
@@ -13300,7 +13852,7 @@
               <a:t>에</a:t>
             </a:r>
             <a:r>
-              <a:rPr lang="en-US" altLang="ko-KR" sz="900" dirty="0" smtClean="0">
+              <a:rPr lang="en-US" altLang="ko-KR" sz="900" dirty="0">
                 <a:solidFill>
                   <a:schemeClr val="tx1"/>
                 </a:solidFill>
@@ -13308,7 +13860,7 @@
               <a:t> </a:t>
             </a:r>
             <a:r>
-              <a:rPr lang="ko-KR" altLang="en-US" sz="900" dirty="0" smtClean="0">
+              <a:rPr lang="ko-KR" altLang="en-US" sz="900" dirty="0">
                 <a:solidFill>
                   <a:schemeClr val="tx1"/>
                 </a:solidFill>
@@ -13316,7 +13868,7 @@
               <a:t>저장한다</a:t>
             </a:r>
             <a:r>
-              <a:rPr lang="en-US" altLang="ko-KR" sz="900" dirty="0" smtClean="0">
+              <a:rPr lang="en-US" altLang="ko-KR" sz="900" dirty="0">
                 <a:solidFill>
                   <a:schemeClr val="tx1"/>
                 </a:solidFill>
@@ -13391,13 +13943,6 @@
   <p:clrMapOvr>
     <a:masterClrMapping/>
   </p:clrMapOvr>
-  <p:timing>
-    <p:tnLst>
-      <p:par>
-        <p:cTn id="1" dur="indefinite" restart="never" nodeType="tmRoot"/>
-      </p:par>
-    </p:tnLst>
-  </p:timing>
 </p:sld>
 </file>
 
@@ -13456,7 +14001,7 @@
           <a:p>
             <a:pPr algn="ctr"/>
             <a:r>
-              <a:rPr lang="en-US" altLang="ko-KR" dirty="0" smtClean="0">
+              <a:rPr lang="en-US" altLang="ko-KR" dirty="0">
                 <a:solidFill>
                   <a:schemeClr val="tx1"/>
                 </a:solidFill>
@@ -13464,7 +14009,7 @@
               <a:t>Outputamuseclass2(</a:t>
             </a:r>
             <a:r>
-              <a:rPr lang="ko-KR" altLang="en-US" dirty="0" smtClean="0">
+              <a:rPr lang="ko-KR" altLang="en-US" dirty="0">
                 <a:solidFill>
                   <a:schemeClr val="tx1"/>
                 </a:solidFill>
@@ -13472,7 +14017,7 @@
               <a:t>출력</a:t>
             </a:r>
             <a:r>
-              <a:rPr lang="en-US" altLang="ko-KR" dirty="0" smtClean="0">
+              <a:rPr lang="en-US" altLang="ko-KR" dirty="0">
                 <a:solidFill>
                   <a:schemeClr val="tx1"/>
                 </a:solidFill>
@@ -13480,7 +14025,7 @@
               <a:t>,CSV</a:t>
             </a:r>
             <a:r>
-              <a:rPr lang="ko-KR" altLang="en-US" dirty="0" smtClean="0">
+              <a:rPr lang="ko-KR" altLang="en-US" dirty="0">
                 <a:solidFill>
                   <a:schemeClr val="tx1"/>
                 </a:solidFill>
@@ -13488,7 +14033,7 @@
               <a:t>저장</a:t>
             </a:r>
             <a:r>
-              <a:rPr lang="en-US" altLang="ko-KR" dirty="0" smtClean="0">
+              <a:rPr lang="en-US" altLang="ko-KR" dirty="0">
                 <a:solidFill>
                   <a:schemeClr val="tx1"/>
                 </a:solidFill>
@@ -13496,14 +14041,14 @@
               <a:t>)</a:t>
             </a:r>
             <a:r>
-              <a:rPr lang="ko-KR" altLang="en-US" dirty="0" smtClean="0">
+              <a:rPr lang="ko-KR" altLang="en-US" dirty="0">
                 <a:solidFill>
                   <a:schemeClr val="tx1"/>
                 </a:solidFill>
               </a:rPr>
               <a:t>클래스</a:t>
             </a:r>
-            <a:endParaRPr lang="en-US" altLang="ko-KR" dirty="0" smtClean="0">
+            <a:endParaRPr lang="en-US" altLang="ko-KR" dirty="0">
               <a:solidFill>
                 <a:schemeClr val="tx1"/>
               </a:solidFill>
@@ -13549,7 +14094,7 @@
           <a:p>
             <a:pPr algn="ctr"/>
             <a:r>
-              <a:rPr lang="en-US" altLang="ko-KR" sz="900" dirty="0" err="1" smtClean="0">
+              <a:rPr lang="en-US" altLang="ko-KR" sz="900" dirty="0" err="1">
                 <a:solidFill>
                   <a:schemeClr val="tx1"/>
                 </a:solidFill>
@@ -13557,7 +14102,7 @@
               <a:t>arraylist</a:t>
             </a:r>
             <a:r>
-              <a:rPr lang="ko-KR" altLang="en-US" sz="900" dirty="0" smtClean="0">
+              <a:rPr lang="ko-KR" altLang="en-US" sz="900" dirty="0">
                 <a:solidFill>
                   <a:schemeClr val="tx1"/>
                 </a:solidFill>
@@ -13565,7 +14110,7 @@
               <a:t>를 </a:t>
             </a:r>
             <a:r>
-              <a:rPr lang="en-US" altLang="ko-KR" sz="900" dirty="0" smtClean="0">
+              <a:rPr lang="en-US" altLang="ko-KR" sz="900" dirty="0">
                 <a:solidFill>
                   <a:schemeClr val="tx1"/>
                 </a:solidFill>
@@ -13573,7 +14118,7 @@
               <a:t>2</a:t>
             </a:r>
             <a:r>
-              <a:rPr lang="ko-KR" altLang="en-US" sz="900" dirty="0" smtClean="0">
+              <a:rPr lang="ko-KR" altLang="en-US" sz="900" dirty="0">
                 <a:solidFill>
                   <a:schemeClr val="tx1"/>
                 </a:solidFill>
@@ -13581,7 +14126,7 @@
               <a:t>개 받음</a:t>
             </a:r>
             <a:r>
-              <a:rPr lang="en-US" altLang="ko-KR" sz="900" dirty="0" smtClean="0">
+              <a:rPr lang="en-US" altLang="ko-KR" sz="900" dirty="0">
                 <a:solidFill>
                   <a:schemeClr val="tx1"/>
                 </a:solidFill>
@@ -13589,7 +14134,7 @@
               <a:t>(</a:t>
             </a:r>
             <a:r>
-              <a:rPr lang="en-US" altLang="ko-KR" sz="900" dirty="0" err="1" smtClean="0">
+              <a:rPr lang="en-US" altLang="ko-KR" sz="900" dirty="0" err="1">
                 <a:solidFill>
                   <a:schemeClr val="tx1"/>
                 </a:solidFill>
@@ -13597,7 +14142,7 @@
               <a:t>al,als</a:t>
             </a:r>
             <a:r>
-              <a:rPr lang="en-US" altLang="ko-KR" sz="900" dirty="0" smtClean="0">
+              <a:rPr lang="en-US" altLang="ko-KR" sz="900" dirty="0">
                 <a:solidFill>
                   <a:schemeClr val="tx1"/>
                 </a:solidFill>
@@ -13650,7 +14195,7 @@
           <a:p>
             <a:pPr algn="ctr"/>
             <a:r>
-              <a:rPr lang="ko-KR" altLang="en-US" sz="900" dirty="0" smtClean="0">
+              <a:rPr lang="ko-KR" altLang="en-US" sz="900" dirty="0">
                 <a:solidFill>
                   <a:schemeClr val="tx1"/>
                 </a:solidFill>
@@ -13663,53 +14208,61 @@
                   <a:schemeClr val="tx1"/>
                 </a:solidFill>
               </a:rPr>
+              <a:t> (</a:t>
+            </a:r>
+            <a:r>
+              <a:rPr lang="en-US" altLang="ko-KR" sz="900" dirty="0" err="1">
+                <a:solidFill>
+                  <a:schemeClr val="tx1"/>
+                </a:solidFill>
+              </a:rPr>
+              <a:t>als</a:t>
+            </a:r>
+            <a:r>
+              <a:rPr lang="ko-KR" altLang="en-US" sz="900" dirty="0">
+                <a:solidFill>
+                  <a:schemeClr val="tx1"/>
+                </a:solidFill>
+              </a:rPr>
+              <a:t>출력</a:t>
+            </a:r>
+            <a:r>
+              <a:rPr lang="en-US" altLang="ko-KR" sz="900" dirty="0">
+                <a:solidFill>
+                  <a:schemeClr val="tx1"/>
+                </a:solidFill>
+              </a:rPr>
+              <a:t>) </a:t>
+            </a:r>
+          </a:p>
+          <a:p>
+            <a:pPr algn="ctr"/>
+            <a:r>
+              <a:rPr lang="en-US" altLang="ko-KR" sz="900" dirty="0" err="1">
+                <a:solidFill>
+                  <a:schemeClr val="tx1"/>
+                </a:solidFill>
+              </a:rPr>
+              <a:t>als</a:t>
+            </a:r>
+            <a:r>
+              <a:rPr lang="en-US" altLang="ko-KR" sz="900" dirty="0">
+                <a:solidFill>
+                  <a:schemeClr val="tx1"/>
+                </a:solidFill>
+              </a:rPr>
               <a:t> </a:t>
             </a:r>
             <a:r>
-              <a:rPr lang="en-US" altLang="ko-KR" sz="900" dirty="0" smtClean="0">
-                <a:solidFill>
-                  <a:schemeClr val="tx1"/>
-                </a:solidFill>
-              </a:rPr>
-              <a:t>(</a:t>
-            </a:r>
-            <a:r>
-              <a:rPr lang="en-US" altLang="ko-KR" sz="900" dirty="0" err="1" smtClean="0">
-                <a:solidFill>
-                  <a:schemeClr val="tx1"/>
-                </a:solidFill>
-              </a:rPr>
-              <a:t>als</a:t>
-            </a:r>
-            <a:r>
-              <a:rPr lang="ko-KR" altLang="en-US" sz="900" dirty="0" smtClean="0">
-                <a:solidFill>
-                  <a:schemeClr val="tx1"/>
-                </a:solidFill>
-              </a:rPr>
-              <a:t>출력</a:t>
-            </a:r>
-            <a:r>
-              <a:rPr lang="en-US" altLang="ko-KR" sz="900" dirty="0" smtClean="0">
-                <a:solidFill>
-                  <a:schemeClr val="tx1"/>
-                </a:solidFill>
-              </a:rPr>
-              <a:t>) </a:t>
-            </a:r>
-          </a:p>
-          <a:p>
-            <a:pPr algn="ctr"/>
-            <a:r>
-              <a:rPr lang="en-US" altLang="ko-KR" sz="900" dirty="0" err="1" smtClean="0">
-                <a:solidFill>
-                  <a:schemeClr val="tx1"/>
-                </a:solidFill>
-              </a:rPr>
-              <a:t>als</a:t>
-            </a:r>
-            <a:r>
-              <a:rPr lang="en-US" altLang="ko-KR" sz="900" dirty="0" smtClean="0">
+              <a:rPr lang="ko-KR" altLang="en-US" sz="900" dirty="0">
+                <a:solidFill>
+                  <a:schemeClr val="tx1"/>
+                </a:solidFill>
+              </a:rPr>
+              <a:t>에</a:t>
+            </a:r>
+            <a:r>
+              <a:rPr lang="en-US" altLang="ko-KR" sz="900" dirty="0">
                 <a:solidFill>
                   <a:schemeClr val="tx1"/>
                 </a:solidFill>
@@ -13717,23 +14270,7 @@
               <a:t> </a:t>
             </a:r>
             <a:r>
-              <a:rPr lang="ko-KR" altLang="en-US" sz="900" dirty="0" smtClean="0">
-                <a:solidFill>
-                  <a:schemeClr val="tx1"/>
-                </a:solidFill>
-              </a:rPr>
-              <a:t>에</a:t>
-            </a:r>
-            <a:r>
-              <a:rPr lang="en-US" altLang="ko-KR" sz="900" dirty="0" smtClean="0">
-                <a:solidFill>
-                  <a:schemeClr val="tx1"/>
-                </a:solidFill>
-              </a:rPr>
-              <a:t> </a:t>
-            </a:r>
-            <a:r>
-              <a:rPr lang="ko-KR" altLang="en-US" sz="900" dirty="0" smtClean="0">
+              <a:rPr lang="ko-KR" altLang="en-US" sz="900" dirty="0">
                 <a:solidFill>
                   <a:schemeClr val="tx1"/>
                 </a:solidFill>
@@ -13741,7 +14278,7 @@
               <a:t>해당하는 문장을 읽어서 </a:t>
             </a:r>
             <a:r>
-              <a:rPr lang="en-US" altLang="ko-KR" sz="900" dirty="0" smtClean="0">
+              <a:rPr lang="en-US" altLang="ko-KR" sz="900" dirty="0">
                 <a:solidFill>
                   <a:schemeClr val="tx1"/>
                 </a:solidFill>
@@ -13749,18 +14286,13 @@
               <a:t>CSV</a:t>
             </a:r>
             <a:r>
-              <a:rPr lang="ko-KR" altLang="en-US" sz="900" dirty="0" smtClean="0">
+              <a:rPr lang="ko-KR" altLang="en-US" sz="900" dirty="0">
                 <a:solidFill>
                   <a:schemeClr val="tx1"/>
                 </a:solidFill>
               </a:rPr>
               <a:t>파일에 저장하는 함수 </a:t>
             </a:r>
-            <a:endParaRPr lang="ko-KR" altLang="en-US" sz="900" dirty="0">
-              <a:solidFill>
-                <a:schemeClr val="tx1"/>
-              </a:solidFill>
-            </a:endParaRPr>
           </a:p>
         </p:txBody>
       </p:sp>
@@ -13802,7 +14334,7 @@
           <a:p>
             <a:pPr algn="ctr"/>
             <a:r>
-              <a:rPr lang="ko-KR" altLang="en-US" sz="900" dirty="0" smtClean="0">
+              <a:rPr lang="ko-KR" altLang="en-US" sz="900" dirty="0">
                 <a:solidFill>
                   <a:schemeClr val="tx1"/>
                 </a:solidFill>
@@ -13810,7 +14342,7 @@
               <a:t>발권 결과 문장 출력 함수</a:t>
             </a:r>
             <a:r>
-              <a:rPr lang="en-US" altLang="ko-KR" sz="900" dirty="0" smtClean="0">
+              <a:rPr lang="en-US" altLang="ko-KR" sz="900" dirty="0">
                 <a:solidFill>
                   <a:schemeClr val="tx1"/>
                 </a:solidFill>
@@ -13818,7 +14350,7 @@
               <a:t>(al</a:t>
             </a:r>
             <a:r>
-              <a:rPr lang="ko-KR" altLang="en-US" sz="900" dirty="0" smtClean="0">
+              <a:rPr lang="ko-KR" altLang="en-US" sz="900" dirty="0">
                 <a:solidFill>
                   <a:schemeClr val="tx1"/>
                 </a:solidFill>
@@ -13826,7 +14358,7 @@
               <a:t>출력</a:t>
             </a:r>
             <a:r>
-              <a:rPr lang="en-US" altLang="ko-KR" sz="900" dirty="0" smtClean="0">
+              <a:rPr lang="en-US" altLang="ko-KR" sz="900" dirty="0">
                 <a:solidFill>
                   <a:schemeClr val="tx1"/>
                 </a:solidFill>
@@ -13837,14 +14369,14 @@
           <a:p>
             <a:pPr algn="ctr"/>
             <a:r>
-              <a:rPr lang="ko-KR" altLang="en-US" sz="900" dirty="0" smtClean="0">
+              <a:rPr lang="ko-KR" altLang="en-US" sz="900" dirty="0">
                 <a:solidFill>
                   <a:schemeClr val="tx1"/>
                 </a:solidFill>
               </a:rPr>
               <a:t>전체 발권한 결과들을 문장으로서 출력하는 함수</a:t>
             </a:r>
-            <a:endParaRPr lang="en-US" altLang="ko-KR" sz="900" dirty="0" smtClean="0">
+            <a:endParaRPr lang="en-US" altLang="ko-KR" sz="900" dirty="0">
               <a:solidFill>
                 <a:schemeClr val="tx1"/>
               </a:solidFill>
@@ -13890,14 +14422,14 @@
           <a:p>
             <a:pPr algn="ctr"/>
             <a:r>
-              <a:rPr lang="ko-KR" altLang="en-US" sz="900" dirty="0" smtClean="0">
+              <a:rPr lang="ko-KR" altLang="en-US" sz="900" dirty="0">
                 <a:solidFill>
                   <a:schemeClr val="tx1"/>
                 </a:solidFill>
               </a:rPr>
               <a:t>발권 종료 후 출력하는 함수</a:t>
             </a:r>
-            <a:endParaRPr lang="en-US" altLang="ko-KR" sz="900" dirty="0" smtClean="0">
+            <a:endParaRPr lang="en-US" altLang="ko-KR" sz="900" dirty="0">
               <a:solidFill>
                 <a:schemeClr val="tx1"/>
               </a:solidFill>
@@ -13906,14 +14438,14 @@
           <a:p>
             <a:pPr algn="ctr"/>
             <a:r>
-              <a:rPr lang="ko-KR" altLang="en-US" sz="900" dirty="0" smtClean="0">
+              <a:rPr lang="ko-KR" altLang="en-US" sz="900" dirty="0">
                 <a:solidFill>
                   <a:schemeClr val="tx1"/>
                 </a:solidFill>
               </a:rPr>
               <a:t>발권 종료를 누르면 전체 발권 결과를 최종적으로 출력해서 보게 해주는 함수</a:t>
             </a:r>
-            <a:endParaRPr lang="en-US" altLang="ko-KR" sz="900" dirty="0" smtClean="0">
+            <a:endParaRPr lang="en-US" altLang="ko-KR" sz="900" dirty="0">
               <a:solidFill>
                 <a:schemeClr val="tx1"/>
               </a:solidFill>
@@ -13955,13 +14487,6 @@
   <p:clrMapOvr>
     <a:masterClrMapping/>
   </p:clrMapOvr>
-  <p:timing>
-    <p:tnLst>
-      <p:par>
-        <p:cTn id="1" dur="indefinite" restart="never" nodeType="tmRoot"/>
-      </p:par>
-    </p:tnLst>
-  </p:timing>
 </p:sld>
 </file>
 
@@ -14044,7 +14569,7 @@
           <a:p>
             <a:pPr algn="ctr"/>
             <a:r>
-              <a:rPr lang="en-US" altLang="ko-KR" sz="900" dirty="0" smtClean="0">
+              <a:rPr lang="en-US" altLang="ko-KR" sz="900" dirty="0">
                 <a:solidFill>
                   <a:schemeClr val="tx1"/>
                 </a:solidFill>
@@ -14052,18 +14577,13 @@
               <a:t>total price</a:t>
             </a:r>
             <a:r>
-              <a:rPr lang="ko-KR" altLang="en-US" sz="900" dirty="0" smtClean="0">
+              <a:rPr lang="ko-KR" altLang="en-US" sz="900" dirty="0">
                 <a:solidFill>
                   <a:schemeClr val="tx1"/>
                 </a:solidFill>
               </a:rPr>
               <a:t>에 해당하는 결과 출력 함수</a:t>
             </a:r>
-            <a:endParaRPr lang="ko-KR" altLang="en-US" sz="900" dirty="0">
-              <a:solidFill>
-                <a:schemeClr val="tx1"/>
-              </a:solidFill>
-            </a:endParaRPr>
           </a:p>
         </p:txBody>
       </p:sp>
@@ -14105,7 +14625,7 @@
           <a:p>
             <a:pPr algn="ctr"/>
             <a:r>
-              <a:rPr lang="ko-KR" altLang="en-US" sz="900" dirty="0" smtClean="0">
+              <a:rPr lang="ko-KR" altLang="en-US" sz="900" dirty="0">
                 <a:solidFill>
                   <a:schemeClr val="tx1"/>
                 </a:solidFill>
@@ -14113,7 +14633,7 @@
               <a:t>각 발권마다 </a:t>
             </a:r>
             <a:r>
-              <a:rPr lang="en-US" altLang="ko-KR" sz="900" dirty="0" smtClean="0">
+              <a:rPr lang="en-US" altLang="ko-KR" sz="900" dirty="0">
                 <a:solidFill>
                   <a:schemeClr val="tx1"/>
                 </a:solidFill>
@@ -14121,18 +14641,13 @@
               <a:t>price</a:t>
             </a:r>
             <a:r>
-              <a:rPr lang="ko-KR" altLang="en-US" sz="900" dirty="0" smtClean="0">
+              <a:rPr lang="ko-KR" altLang="en-US" sz="900" dirty="0">
                 <a:solidFill>
                   <a:schemeClr val="tx1"/>
                 </a:solidFill>
               </a:rPr>
               <a:t>가 출력되게 하는 함수</a:t>
             </a:r>
-            <a:endParaRPr lang="ko-KR" altLang="en-US" sz="900" dirty="0">
-              <a:solidFill>
-                <a:schemeClr val="tx1"/>
-              </a:solidFill>
-            </a:endParaRPr>
           </a:p>
         </p:txBody>
       </p:sp>
@@ -14174,7 +14689,7 @@
           <a:p>
             <a:pPr algn="ctr"/>
             <a:r>
-              <a:rPr lang="ko-KR" altLang="en-US" sz="900" dirty="0" smtClean="0">
+              <a:rPr lang="ko-KR" altLang="en-US" sz="900" dirty="0">
                 <a:solidFill>
                   <a:schemeClr val="tx1"/>
                 </a:solidFill>
@@ -14182,7 +14697,7 @@
               <a:t>결과들을 모두 문장으로서 만드는 함수</a:t>
             </a:r>
             <a:r>
-              <a:rPr lang="en-US" altLang="ko-KR" sz="900" dirty="0" smtClean="0">
+              <a:rPr lang="en-US" altLang="ko-KR" sz="900" dirty="0">
                 <a:solidFill>
                   <a:schemeClr val="tx1"/>
                 </a:solidFill>
@@ -14190,7 +14705,7 @@
               <a:t>(al</a:t>
             </a:r>
             <a:r>
-              <a:rPr lang="ko-KR" altLang="en-US" sz="900" dirty="0" smtClean="0">
+              <a:rPr lang="ko-KR" altLang="en-US" sz="900" dirty="0">
                 <a:solidFill>
                   <a:schemeClr val="tx1"/>
                 </a:solidFill>
@@ -14198,7 +14713,7 @@
               <a:t>에 저장</a:t>
             </a:r>
             <a:r>
-              <a:rPr lang="en-US" altLang="ko-KR" sz="900" dirty="0" smtClean="0">
+              <a:rPr lang="en-US" altLang="ko-KR" sz="900" dirty="0">
                 <a:solidFill>
                   <a:schemeClr val="tx1"/>
                 </a:solidFill>
@@ -14251,7 +14766,7 @@
           <a:p>
             <a:pPr algn="ctr"/>
             <a:r>
-              <a:rPr lang="ko-KR" altLang="en-US" sz="900" dirty="0" smtClean="0">
+              <a:rPr lang="ko-KR" altLang="en-US" sz="900" dirty="0">
                 <a:solidFill>
                   <a:schemeClr val="tx1"/>
                 </a:solidFill>
@@ -14259,7 +14774,7 @@
               <a:t>결과들을 모두 문장으로서 만드는 함수</a:t>
             </a:r>
             <a:r>
-              <a:rPr lang="en-US" altLang="ko-KR" sz="900" dirty="0" smtClean="0">
+              <a:rPr lang="en-US" altLang="ko-KR" sz="900" dirty="0">
                 <a:solidFill>
                   <a:schemeClr val="tx1"/>
                 </a:solidFill>
@@ -14267,7 +14782,7 @@
               <a:t>(</a:t>
             </a:r>
             <a:r>
-              <a:rPr lang="en-US" altLang="ko-KR" sz="900" dirty="0" err="1" smtClean="0">
+              <a:rPr lang="en-US" altLang="ko-KR" sz="900" dirty="0" err="1">
                 <a:solidFill>
                   <a:schemeClr val="tx1"/>
                 </a:solidFill>
@@ -14275,7 +14790,7 @@
               <a:t>als</a:t>
             </a:r>
             <a:r>
-              <a:rPr lang="ko-KR" altLang="en-US" sz="900" dirty="0" smtClean="0">
+              <a:rPr lang="ko-KR" altLang="en-US" sz="900" dirty="0">
                 <a:solidFill>
                   <a:schemeClr val="tx1"/>
                 </a:solidFill>
@@ -14283,23 +14798,18 @@
               <a:t>에 저장</a:t>
             </a:r>
             <a:r>
-              <a:rPr lang="en-US" altLang="ko-KR" sz="900" dirty="0" smtClean="0">
+              <a:rPr lang="en-US" altLang="ko-KR" sz="900" dirty="0">
                 <a:solidFill>
                   <a:schemeClr val="tx1"/>
                 </a:solidFill>
               </a:rPr>
               <a:t>)</a:t>
             </a:r>
-            <a:endParaRPr lang="en-US" altLang="ko-KR" sz="900" dirty="0" smtClean="0">
-              <a:solidFill>
-                <a:schemeClr val="tx1"/>
-              </a:solidFill>
-            </a:endParaRPr>
           </a:p>
           <a:p>
             <a:pPr algn="ctr"/>
             <a:r>
-              <a:rPr lang="en-US" altLang="ko-KR" sz="900" dirty="0" smtClean="0">
+              <a:rPr lang="en-US" altLang="ko-KR" sz="900" dirty="0">
                 <a:solidFill>
                   <a:schemeClr val="tx1"/>
                 </a:solidFill>
@@ -14307,7 +14817,7 @@
               <a:t>(</a:t>
             </a:r>
             <a:r>
-              <a:rPr lang="ko-KR" altLang="en-US" sz="900" dirty="0" smtClean="0">
+              <a:rPr lang="ko-KR" altLang="en-US" sz="900" dirty="0">
                 <a:solidFill>
                   <a:schemeClr val="tx1"/>
                 </a:solidFill>
@@ -14315,7 +14825,7 @@
               <a:t>다만 이 함수는 현재 시스템 시간을 포함해야 하고 </a:t>
             </a:r>
             <a:r>
-              <a:rPr lang="en-US" altLang="ko-KR" sz="900" dirty="0" smtClean="0">
+              <a:rPr lang="en-US" altLang="ko-KR" sz="900" dirty="0">
                 <a:solidFill>
                   <a:schemeClr val="tx1"/>
                 </a:solidFill>
@@ -14323,7 +14833,7 @@
               <a:t>CSV</a:t>
             </a:r>
             <a:r>
-              <a:rPr lang="ko-KR" altLang="en-US" sz="900" dirty="0" smtClean="0">
+              <a:rPr lang="ko-KR" altLang="en-US" sz="900" dirty="0">
                 <a:solidFill>
                   <a:schemeClr val="tx1"/>
                 </a:solidFill>
@@ -14331,7 +14841,7 @@
               <a:t>에 저장</a:t>
             </a:r>
             <a:r>
-              <a:rPr lang="en-US" altLang="ko-KR" sz="900" dirty="0" smtClean="0">
+              <a:rPr lang="en-US" altLang="ko-KR" sz="900" dirty="0">
                 <a:solidFill>
                   <a:schemeClr val="tx1"/>
                 </a:solidFill>
@@ -14384,14 +14894,14 @@
           <a:p>
             <a:pPr algn="ctr"/>
             <a:r>
-              <a:rPr lang="ko-KR" altLang="en-US" sz="900" dirty="0" smtClean="0">
+              <a:rPr lang="ko-KR" altLang="en-US" sz="900" dirty="0">
                 <a:solidFill>
                   <a:schemeClr val="tx1"/>
                 </a:solidFill>
               </a:rPr>
               <a:t>발권 선택을 문장으로서 출력하는 함수</a:t>
             </a:r>
-            <a:endParaRPr lang="en-US" altLang="ko-KR" sz="900" dirty="0" smtClean="0">
+            <a:endParaRPr lang="en-US" altLang="ko-KR" sz="900" dirty="0">
               <a:solidFill>
                 <a:schemeClr val="tx1"/>
               </a:solidFill>
@@ -14399,7 +14909,7 @@
           </a:p>
           <a:p>
             <a:pPr algn="ctr"/>
-            <a:endParaRPr lang="en-US" altLang="ko-KR" sz="900" dirty="0" smtClean="0">
+            <a:endParaRPr lang="en-US" altLang="ko-KR" sz="900" dirty="0">
               <a:solidFill>
                 <a:schemeClr val="tx1"/>
               </a:solidFill>
@@ -14408,7 +14918,7 @@
           <a:p>
             <a:pPr algn="ctr"/>
             <a:r>
-              <a:rPr lang="ko-KR" altLang="en-US" sz="900" dirty="0" smtClean="0">
+              <a:rPr lang="ko-KR" altLang="en-US" sz="900" dirty="0">
                 <a:solidFill>
                   <a:schemeClr val="tx1"/>
                 </a:solidFill>
@@ -14416,7 +14926,7 @@
               <a:t>만약에 </a:t>
             </a:r>
             <a:r>
-              <a:rPr lang="en-US" altLang="ko-KR" sz="900" dirty="0" smtClean="0">
+              <a:rPr lang="en-US" altLang="ko-KR" sz="900" dirty="0">
                 <a:solidFill>
                   <a:schemeClr val="tx1"/>
                 </a:solidFill>
@@ -14424,7 +14934,7 @@
               <a:t>1</a:t>
             </a:r>
             <a:r>
-              <a:rPr lang="ko-KR" altLang="en-US" sz="900" dirty="0" smtClean="0">
+              <a:rPr lang="ko-KR" altLang="en-US" sz="900" dirty="0">
                 <a:solidFill>
                   <a:schemeClr val="tx1"/>
                 </a:solidFill>
@@ -14432,7 +14942,7 @@
               <a:t>로 발권번호를 선택하면 </a:t>
             </a:r>
             <a:r>
-              <a:rPr lang="ko-KR" altLang="en-US" sz="900" dirty="0" err="1" smtClean="0">
+              <a:rPr lang="ko-KR" altLang="en-US" sz="900" dirty="0" err="1">
                 <a:solidFill>
                   <a:schemeClr val="tx1"/>
                 </a:solidFill>
@@ -14440,14 +14950,14 @@
               <a:t>주간권이</a:t>
             </a:r>
             <a:r>
-              <a:rPr lang="ko-KR" altLang="en-US" sz="900" dirty="0" smtClean="0">
+              <a:rPr lang="ko-KR" altLang="en-US" sz="900" dirty="0">
                 <a:solidFill>
                   <a:schemeClr val="tx1"/>
                 </a:solidFill>
               </a:rPr>
               <a:t> </a:t>
             </a:r>
-            <a:endParaRPr lang="en-US" altLang="ko-KR" sz="900" dirty="0" smtClean="0">
+            <a:endParaRPr lang="en-US" altLang="ko-KR" sz="900" dirty="0">
               <a:solidFill>
                 <a:schemeClr val="tx1"/>
               </a:solidFill>
@@ -14456,7 +14966,7 @@
           <a:p>
             <a:pPr algn="ctr"/>
             <a:r>
-              <a:rPr lang="ko-KR" altLang="en-US" sz="900" dirty="0" smtClean="0">
+              <a:rPr lang="ko-KR" altLang="en-US" sz="900" dirty="0">
                 <a:solidFill>
                   <a:schemeClr val="tx1"/>
                 </a:solidFill>
@@ -14464,7 +14974,7 @@
               <a:t>만약에 </a:t>
             </a:r>
             <a:r>
-              <a:rPr lang="en-US" altLang="ko-KR" sz="900" dirty="0" smtClean="0">
+              <a:rPr lang="en-US" altLang="ko-KR" sz="900" dirty="0">
                 <a:solidFill>
                   <a:schemeClr val="tx1"/>
                 </a:solidFill>
@@ -14472,7 +14982,7 @@
               <a:t>2</a:t>
             </a:r>
             <a:r>
-              <a:rPr lang="ko-KR" altLang="en-US" sz="900" dirty="0" smtClean="0">
+              <a:rPr lang="ko-KR" altLang="en-US" sz="900" dirty="0">
                 <a:solidFill>
                   <a:schemeClr val="tx1"/>
                 </a:solidFill>
@@ -14480,14 +14990,14 @@
               <a:t>로 발권번호를 선택하면 </a:t>
             </a:r>
             <a:r>
-              <a:rPr lang="ko-KR" altLang="en-US" sz="900" dirty="0" err="1" smtClean="0">
+              <a:rPr lang="ko-KR" altLang="en-US" sz="900" dirty="0" err="1">
                 <a:solidFill>
                   <a:schemeClr val="tx1"/>
                 </a:solidFill>
               </a:rPr>
               <a:t>야간권이</a:t>
             </a:r>
-            <a:endParaRPr lang="en-US" altLang="ko-KR" sz="900" dirty="0" smtClean="0">
+            <a:endParaRPr lang="en-US" altLang="ko-KR" sz="900" dirty="0">
               <a:solidFill>
                 <a:schemeClr val="tx1"/>
               </a:solidFill>
@@ -14496,7 +15006,7 @@
           <a:p>
             <a:pPr algn="ctr"/>
             <a:r>
-              <a:rPr lang="ko-KR" altLang="en-US" sz="900" dirty="0" smtClean="0">
+              <a:rPr lang="ko-KR" altLang="en-US" sz="900" dirty="0">
                 <a:solidFill>
                   <a:schemeClr val="tx1"/>
                 </a:solidFill>
@@ -14504,7 +15014,7 @@
               <a:t>마지막 최종결과 </a:t>
             </a:r>
             <a:r>
-              <a:rPr lang="ko-KR" altLang="en-US" sz="900" dirty="0" err="1" smtClean="0">
+              <a:rPr lang="ko-KR" altLang="en-US" sz="900" dirty="0" err="1">
                 <a:solidFill>
                   <a:schemeClr val="tx1"/>
                 </a:solidFill>
@@ -14512,18 +15022,13 @@
               <a:t>출력창에</a:t>
             </a:r>
             <a:r>
-              <a:rPr lang="ko-KR" altLang="en-US" sz="900" dirty="0" smtClean="0">
+              <a:rPr lang="ko-KR" altLang="en-US" sz="900" dirty="0">
                 <a:solidFill>
                   <a:schemeClr val="tx1"/>
                 </a:solidFill>
               </a:rPr>
               <a:t> 나올 수 있도록 하는 출력함수 </a:t>
             </a:r>
-            <a:endParaRPr lang="ko-KR" altLang="en-US" sz="900" dirty="0">
-              <a:solidFill>
-                <a:schemeClr val="tx1"/>
-              </a:solidFill>
-            </a:endParaRPr>
           </a:p>
         </p:txBody>
       </p:sp>
@@ -14565,14 +15070,14 @@
           <a:p>
             <a:pPr algn="ctr"/>
             <a:r>
-              <a:rPr lang="ko-KR" altLang="en-US" sz="900" dirty="0" smtClean="0">
+              <a:rPr lang="ko-KR" altLang="en-US" sz="900" dirty="0">
                 <a:solidFill>
                   <a:schemeClr val="tx1"/>
                 </a:solidFill>
               </a:rPr>
               <a:t>할인율 선택을 문장으로서 출력하는 함수</a:t>
             </a:r>
-            <a:endParaRPr lang="en-US" altLang="ko-KR" sz="900" dirty="0" smtClean="0">
+            <a:endParaRPr lang="en-US" altLang="ko-KR" sz="900" dirty="0">
               <a:solidFill>
                 <a:schemeClr val="tx1"/>
               </a:solidFill>
@@ -14580,7 +15085,7 @@
           </a:p>
           <a:p>
             <a:pPr algn="ctr"/>
-            <a:endParaRPr lang="en-US" altLang="ko-KR" sz="900" dirty="0" smtClean="0">
+            <a:endParaRPr lang="en-US" altLang="ko-KR" sz="900" dirty="0">
               <a:solidFill>
                 <a:schemeClr val="tx1"/>
               </a:solidFill>
@@ -14589,23 +15094,15 @@
           <a:p>
             <a:pPr algn="ctr"/>
             <a:r>
-              <a:rPr lang="ko-KR" altLang="en-US" sz="900" dirty="0" smtClean="0">
-                <a:solidFill>
-                  <a:schemeClr val="tx1"/>
-                </a:solidFill>
-              </a:rPr>
-              <a:t>만약에 </a:t>
-            </a:r>
-            <a:r>
-              <a:rPr lang="ko-KR" altLang="en-US" sz="900" dirty="0" smtClean="0">
-                <a:solidFill>
-                  <a:schemeClr val="tx1"/>
-                </a:solidFill>
-              </a:rPr>
-              <a:t>각 번호로 할인율을 선택하면 계산된 할인율 값에 적용된 각각의 문장이 나오도록 하는 함수로</a:t>
-            </a:r>
-            <a:r>
-              <a:rPr lang="en-US" altLang="ko-KR" sz="900" dirty="0" smtClean="0">
+              <a:rPr lang="ko-KR" altLang="en-US" sz="900" dirty="0">
+                <a:solidFill>
+                  <a:schemeClr val="tx1"/>
+                </a:solidFill>
+              </a:rPr>
+              <a:t>만약에 각 번호로 할인율을 선택하면 계산된 할인율 값에 적용된 각각의 문장이 나오도록 하는 함수로</a:t>
+            </a:r>
+            <a:r>
+              <a:rPr lang="en-US" altLang="ko-KR" sz="900" dirty="0">
                 <a:solidFill>
                   <a:schemeClr val="tx1"/>
                 </a:solidFill>
@@ -14613,7 +15110,7 @@
               <a:t>, </a:t>
             </a:r>
             <a:r>
-              <a:rPr lang="ko-KR" altLang="en-US" sz="900" dirty="0" smtClean="0">
+              <a:rPr lang="ko-KR" altLang="en-US" sz="900" dirty="0">
                 <a:solidFill>
                   <a:schemeClr val="tx1"/>
                 </a:solidFill>
@@ -14621,7 +15118,7 @@
               <a:t>예를 들어 </a:t>
             </a:r>
             <a:r>
-              <a:rPr lang="en-US" altLang="ko-KR" sz="900" dirty="0" smtClean="0">
+              <a:rPr lang="en-US" altLang="ko-KR" sz="900" dirty="0">
                 <a:solidFill>
                   <a:schemeClr val="tx1"/>
                 </a:solidFill>
@@ -14629,7 +15126,7 @@
               <a:t>2</a:t>
             </a:r>
             <a:r>
-              <a:rPr lang="ko-KR" altLang="en-US" sz="900" dirty="0" smtClean="0">
+              <a:rPr lang="ko-KR" altLang="en-US" sz="900" dirty="0">
                 <a:solidFill>
                   <a:schemeClr val="tx1"/>
                 </a:solidFill>
@@ -14637,7 +15134,7 @@
               <a:t>번을 누르면 할인율 </a:t>
             </a:r>
             <a:r>
-              <a:rPr lang="en-US" altLang="ko-KR" sz="900" dirty="0" smtClean="0">
+              <a:rPr lang="en-US" altLang="ko-KR" sz="900" dirty="0">
                 <a:solidFill>
                   <a:schemeClr val="tx1"/>
                 </a:solidFill>
@@ -14645,7 +15142,7 @@
               <a:t>0.6</a:t>
             </a:r>
             <a:r>
-              <a:rPr lang="ko-KR" altLang="en-US" sz="900" dirty="0" smtClean="0">
+              <a:rPr lang="ko-KR" altLang="en-US" sz="900" dirty="0">
                 <a:solidFill>
                   <a:schemeClr val="tx1"/>
                 </a:solidFill>
@@ -14653,7 +15150,7 @@
               <a:t>이 적용되었을 때 </a:t>
             </a:r>
             <a:r>
-              <a:rPr lang="en-US" altLang="ko-KR" sz="900" dirty="0" smtClean="0">
+              <a:rPr lang="en-US" altLang="ko-KR" sz="900" dirty="0">
                 <a:solidFill>
                   <a:schemeClr val="tx1"/>
                 </a:solidFill>
@@ -14661,7 +15158,7 @@
               <a:t>“</a:t>
             </a:r>
             <a:r>
-              <a:rPr lang="ko-KR" altLang="en-US" sz="900" dirty="0" smtClean="0">
+              <a:rPr lang="ko-KR" altLang="en-US" sz="900" dirty="0">
                 <a:solidFill>
                   <a:schemeClr val="tx1"/>
                 </a:solidFill>
@@ -14669,7 +15166,7 @@
               <a:t>장애인 우대</a:t>
             </a:r>
             <a:r>
-              <a:rPr lang="en-US" altLang="ko-KR" sz="900" dirty="0" smtClean="0">
+              <a:rPr lang="en-US" altLang="ko-KR" sz="900" dirty="0">
                 <a:solidFill>
                   <a:schemeClr val="tx1"/>
                 </a:solidFill>
@@ -14677,18 +15174,13 @@
               <a:t>＂</a:t>
             </a:r>
             <a:r>
-              <a:rPr lang="ko-KR" altLang="en-US" sz="900" dirty="0" smtClean="0">
+              <a:rPr lang="ko-KR" altLang="en-US" sz="900" dirty="0">
                 <a:solidFill>
                   <a:schemeClr val="tx1"/>
                 </a:solidFill>
               </a:rPr>
               <a:t>라는 문장이 마지막 최종결과 출력 창에 나올 수 있도록 하는 출력함수 </a:t>
             </a:r>
-            <a:endParaRPr lang="ko-KR" altLang="en-US" sz="900" dirty="0">
-              <a:solidFill>
-                <a:schemeClr val="tx1"/>
-              </a:solidFill>
-            </a:endParaRPr>
           </a:p>
         </p:txBody>
       </p:sp>
@@ -14702,13 +15194,6 @@
   <p:clrMapOvr>
     <a:masterClrMapping/>
   </p:clrMapOvr>
-  <p:timing>
-    <p:tnLst>
-      <p:par>
-        <p:cTn id="1" dur="indefinite" restart="never" nodeType="tmRoot"/>
-      </p:par>
-    </p:tnLst>
-  </p:timing>
 </p:sld>
 </file>
 
